--- a/Testing/Testing rig configuration idea.pptx
+++ b/Testing/Testing rig configuration idea.pptx
@@ -7,15 +7,16 @@
   <p:sldIdLst>
     <p:sldId id="256" r:id="rId2"/>
     <p:sldId id="257" r:id="rId3"/>
+    <p:sldId id="258" r:id="rId4"/>
   </p:sldIdLst>
-  <p:sldSz cx="21599525" cy="14400213"/>
+  <p:sldSz cx="22031325" cy="21599525"/>
   <p:notesSz cx="6858000" cy="9144000"/>
   <p:defaultTextStyle>
     <a:defPPr>
       <a:defRPr lang="en-US"/>
     </a:defPPr>
-    <a:lvl1pPr marL="0" algn="l" defTabSz="457200" rtl="0" eaLnBrk="1" latinLnBrk="0" hangingPunct="1">
-      <a:defRPr sz="1800" kern="1200">
+    <a:lvl1pPr marL="0" algn="l" defTabSz="554081" rtl="0" eaLnBrk="1" latinLnBrk="0" hangingPunct="1">
+      <a:defRPr sz="2181" kern="1200">
         <a:solidFill>
           <a:schemeClr val="tx1"/>
         </a:solidFill>
@@ -24,8 +25,8 @@
         <a:cs typeface="+mn-cs"/>
       </a:defRPr>
     </a:lvl1pPr>
-    <a:lvl2pPr marL="457200" algn="l" defTabSz="457200" rtl="0" eaLnBrk="1" latinLnBrk="0" hangingPunct="1">
-      <a:defRPr sz="1800" kern="1200">
+    <a:lvl2pPr marL="554081" algn="l" defTabSz="554081" rtl="0" eaLnBrk="1" latinLnBrk="0" hangingPunct="1">
+      <a:defRPr sz="2181" kern="1200">
         <a:solidFill>
           <a:schemeClr val="tx1"/>
         </a:solidFill>
@@ -34,8 +35,8 @@
         <a:cs typeface="+mn-cs"/>
       </a:defRPr>
     </a:lvl2pPr>
-    <a:lvl3pPr marL="914400" algn="l" defTabSz="457200" rtl="0" eaLnBrk="1" latinLnBrk="0" hangingPunct="1">
-      <a:defRPr sz="1800" kern="1200">
+    <a:lvl3pPr marL="1108161" algn="l" defTabSz="554081" rtl="0" eaLnBrk="1" latinLnBrk="0" hangingPunct="1">
+      <a:defRPr sz="2181" kern="1200">
         <a:solidFill>
           <a:schemeClr val="tx1"/>
         </a:solidFill>
@@ -44,8 +45,8 @@
         <a:cs typeface="+mn-cs"/>
       </a:defRPr>
     </a:lvl3pPr>
-    <a:lvl4pPr marL="1371600" algn="l" defTabSz="457200" rtl="0" eaLnBrk="1" latinLnBrk="0" hangingPunct="1">
-      <a:defRPr sz="1800" kern="1200">
+    <a:lvl4pPr marL="1662242" algn="l" defTabSz="554081" rtl="0" eaLnBrk="1" latinLnBrk="0" hangingPunct="1">
+      <a:defRPr sz="2181" kern="1200">
         <a:solidFill>
           <a:schemeClr val="tx1"/>
         </a:solidFill>
@@ -54,8 +55,8 @@
         <a:cs typeface="+mn-cs"/>
       </a:defRPr>
     </a:lvl4pPr>
-    <a:lvl5pPr marL="1828800" algn="l" defTabSz="457200" rtl="0" eaLnBrk="1" latinLnBrk="0" hangingPunct="1">
-      <a:defRPr sz="1800" kern="1200">
+    <a:lvl5pPr marL="2216323" algn="l" defTabSz="554081" rtl="0" eaLnBrk="1" latinLnBrk="0" hangingPunct="1">
+      <a:defRPr sz="2181" kern="1200">
         <a:solidFill>
           <a:schemeClr val="tx1"/>
         </a:solidFill>
@@ -64,8 +65,8 @@
         <a:cs typeface="+mn-cs"/>
       </a:defRPr>
     </a:lvl5pPr>
-    <a:lvl6pPr marL="2286000" algn="l" defTabSz="457200" rtl="0" eaLnBrk="1" latinLnBrk="0" hangingPunct="1">
-      <a:defRPr sz="1800" kern="1200">
+    <a:lvl6pPr marL="2770403" algn="l" defTabSz="554081" rtl="0" eaLnBrk="1" latinLnBrk="0" hangingPunct="1">
+      <a:defRPr sz="2181" kern="1200">
         <a:solidFill>
           <a:schemeClr val="tx1"/>
         </a:solidFill>
@@ -74,8 +75,8 @@
         <a:cs typeface="+mn-cs"/>
       </a:defRPr>
     </a:lvl6pPr>
-    <a:lvl7pPr marL="2743200" algn="l" defTabSz="457200" rtl="0" eaLnBrk="1" latinLnBrk="0" hangingPunct="1">
-      <a:defRPr sz="1800" kern="1200">
+    <a:lvl7pPr marL="3324484" algn="l" defTabSz="554081" rtl="0" eaLnBrk="1" latinLnBrk="0" hangingPunct="1">
+      <a:defRPr sz="2181" kern="1200">
         <a:solidFill>
           <a:schemeClr val="tx1"/>
         </a:solidFill>
@@ -84,8 +85,8 @@
         <a:cs typeface="+mn-cs"/>
       </a:defRPr>
     </a:lvl7pPr>
-    <a:lvl8pPr marL="3200400" algn="l" defTabSz="457200" rtl="0" eaLnBrk="1" latinLnBrk="0" hangingPunct="1">
-      <a:defRPr sz="1800" kern="1200">
+    <a:lvl8pPr marL="3878565" algn="l" defTabSz="554081" rtl="0" eaLnBrk="1" latinLnBrk="0" hangingPunct="1">
+      <a:defRPr sz="2181" kern="1200">
         <a:solidFill>
           <a:schemeClr val="tx1"/>
         </a:solidFill>
@@ -94,8 +95,8 @@
         <a:cs typeface="+mn-cs"/>
       </a:defRPr>
     </a:lvl8pPr>
-    <a:lvl9pPr marL="3657600" algn="l" defTabSz="457200" rtl="0" eaLnBrk="1" latinLnBrk="0" hangingPunct="1">
-      <a:defRPr sz="1800" kern="1200">
+    <a:lvl9pPr marL="4432645" algn="l" defTabSz="554081" rtl="0" eaLnBrk="1" latinLnBrk="0" hangingPunct="1">
+      <a:defRPr sz="2181" kern="1200">
         <a:solidFill>
           <a:schemeClr val="tx1"/>
         </a:solidFill>
@@ -105,6 +106,11 @@
       </a:defRPr>
     </a:lvl9pPr>
   </p:defaultTextStyle>
+  <p:extLst>
+    <p:ext uri="{EFAFB233-063F-42B5-8137-9DF3F51BA10A}">
+      <p15:sldGuideLst xmlns:p15="http://schemas.microsoft.com/office/powerpoint/2012/main"/>
+    </p:ext>
+  </p:extLst>
 </p:presentation>
 </file>
 
@@ -137,8 +143,8 @@
         </p:nvSpPr>
         <p:spPr>
           <a:xfrm>
-            <a:off x="1619965" y="2356703"/>
-            <a:ext cx="18359596" cy="5013407"/>
+            <a:off x="1652350" y="3534925"/>
+            <a:ext cx="18726626" cy="7519834"/>
           </a:xfrm>
         </p:spPr>
         <p:txBody>
@@ -169,8 +175,8 @@
         </p:nvSpPr>
         <p:spPr>
           <a:xfrm>
-            <a:off x="2699941" y="7563446"/>
-            <a:ext cx="16199644" cy="3476717"/>
+            <a:off x="2753916" y="11344752"/>
+            <a:ext cx="16523494" cy="5214884"/>
           </a:xfrm>
         </p:spPr>
         <p:txBody>
@@ -239,7 +245,7 @@
           <a:p>
             <a:fld id="{BA663DEA-3594-42C6-9155-052AF93F8D6F}" type="datetimeFigureOut">
               <a:rPr lang="en-ZA" smtClean="0"/>
-              <a:t>2023/08/23</a:t>
+              <a:t>2023/10/16</a:t>
             </a:fld>
             <a:endParaRPr lang="en-ZA"/>
           </a:p>
@@ -409,7 +415,7 @@
           <a:p>
             <a:fld id="{BA663DEA-3594-42C6-9155-052AF93F8D6F}" type="datetimeFigureOut">
               <a:rPr lang="en-ZA" smtClean="0"/>
-              <a:t>2023/08/23</a:t>
+              <a:t>2023/10/16</a:t>
             </a:fld>
             <a:endParaRPr lang="en-ZA"/>
           </a:p>
@@ -499,8 +505,8 @@
         </p:nvSpPr>
         <p:spPr>
           <a:xfrm>
-            <a:off x="15457161" y="766678"/>
-            <a:ext cx="4657398" cy="12203515"/>
+            <a:off x="15766168" y="1149976"/>
+            <a:ext cx="4750505" cy="18304599"/>
           </a:xfrm>
         </p:spPr>
         <p:txBody>
@@ -527,8 +533,8 @@
         </p:nvSpPr>
         <p:spPr>
           <a:xfrm>
-            <a:off x="1484968" y="766678"/>
-            <a:ext cx="13702199" cy="12203515"/>
+            <a:off x="1514655" y="1149976"/>
+            <a:ext cx="13976122" cy="18304599"/>
           </a:xfrm>
         </p:spPr>
         <p:txBody>
@@ -589,7 +595,7 @@
           <a:p>
             <a:fld id="{BA663DEA-3594-42C6-9155-052AF93F8D6F}" type="datetimeFigureOut">
               <a:rPr lang="en-ZA" smtClean="0"/>
-              <a:t>2023/08/23</a:t>
+              <a:t>2023/10/16</a:t>
             </a:fld>
             <a:endParaRPr lang="en-ZA"/>
           </a:p>
@@ -759,7 +765,7 @@
           <a:p>
             <a:fld id="{BA663DEA-3594-42C6-9155-052AF93F8D6F}" type="datetimeFigureOut">
               <a:rPr lang="en-ZA" smtClean="0"/>
-              <a:t>2023/08/23</a:t>
+              <a:t>2023/10/16</a:t>
             </a:fld>
             <a:endParaRPr lang="en-ZA"/>
           </a:p>
@@ -849,8 +855,8 @@
         </p:nvSpPr>
         <p:spPr>
           <a:xfrm>
-            <a:off x="1473719" y="3590057"/>
-            <a:ext cx="18629590" cy="5990088"/>
+            <a:off x="1503181" y="5384887"/>
+            <a:ext cx="19002017" cy="8984802"/>
           </a:xfrm>
         </p:spPr>
         <p:txBody>
@@ -881,8 +887,8 @@
         </p:nvSpPr>
         <p:spPr>
           <a:xfrm>
-            <a:off x="1473719" y="9636813"/>
-            <a:ext cx="18629590" cy="3150046"/>
+            <a:off x="1503181" y="14454688"/>
+            <a:ext cx="19002017" cy="4724895"/>
           </a:xfrm>
         </p:spPr>
         <p:txBody>
@@ -1003,7 +1009,7 @@
           <a:p>
             <a:fld id="{BA663DEA-3594-42C6-9155-052AF93F8D6F}" type="datetimeFigureOut">
               <a:rPr lang="en-ZA" smtClean="0"/>
-              <a:t>2023/08/23</a:t>
+              <a:t>2023/10/16</a:t>
             </a:fld>
             <a:endParaRPr lang="en-ZA"/>
           </a:p>
@@ -1116,8 +1122,8 @@
         </p:nvSpPr>
         <p:spPr>
           <a:xfrm>
-            <a:off x="1484967" y="3833390"/>
-            <a:ext cx="9179798" cy="9136803"/>
+            <a:off x="1514653" y="5749874"/>
+            <a:ext cx="9363313" cy="13704700"/>
           </a:xfrm>
         </p:spPr>
         <p:txBody>
@@ -1173,8 +1179,8 @@
         </p:nvSpPr>
         <p:spPr>
           <a:xfrm>
-            <a:off x="10934760" y="3833390"/>
-            <a:ext cx="9179798" cy="9136803"/>
+            <a:off x="11153359" y="5749874"/>
+            <a:ext cx="9363313" cy="13704700"/>
           </a:xfrm>
         </p:spPr>
         <p:txBody>
@@ -1235,7 +1241,7 @@
           <a:p>
             <a:fld id="{BA663DEA-3594-42C6-9155-052AF93F8D6F}" type="datetimeFigureOut">
               <a:rPr lang="en-ZA" smtClean="0"/>
-              <a:t>2023/08/23</a:t>
+              <a:t>2023/10/16</a:t>
             </a:fld>
             <a:endParaRPr lang="en-ZA"/>
           </a:p>
@@ -1325,8 +1331,8 @@
         </p:nvSpPr>
         <p:spPr>
           <a:xfrm>
-            <a:off x="1487781" y="766681"/>
-            <a:ext cx="18629590" cy="2783376"/>
+            <a:off x="1517524" y="1149979"/>
+            <a:ext cx="19002017" cy="4174910"/>
           </a:xfrm>
         </p:spPr>
         <p:txBody>
@@ -1353,8 +1359,8 @@
         </p:nvSpPr>
         <p:spPr>
           <a:xfrm>
-            <a:off x="1487783" y="3530053"/>
-            <a:ext cx="9137610" cy="1730025"/>
+            <a:off x="1517525" y="5294886"/>
+            <a:ext cx="9320282" cy="2594942"/>
           </a:xfrm>
         </p:spPr>
         <p:txBody>
@@ -1418,8 +1424,8 @@
         </p:nvSpPr>
         <p:spPr>
           <a:xfrm>
-            <a:off x="1487783" y="5260078"/>
-            <a:ext cx="9137610" cy="7736782"/>
+            <a:off x="1517525" y="7889827"/>
+            <a:ext cx="9320282" cy="11604746"/>
           </a:xfrm>
         </p:spPr>
         <p:txBody>
@@ -1475,8 +1481,8 @@
         </p:nvSpPr>
         <p:spPr>
           <a:xfrm>
-            <a:off x="10934761" y="3530053"/>
-            <a:ext cx="9182611" cy="1730025"/>
+            <a:off x="11153360" y="5294886"/>
+            <a:ext cx="9366182" cy="2594942"/>
           </a:xfrm>
         </p:spPr>
         <p:txBody>
@@ -1540,8 +1546,8 @@
         </p:nvSpPr>
         <p:spPr>
           <a:xfrm>
-            <a:off x="10934761" y="5260078"/>
-            <a:ext cx="9182611" cy="7736782"/>
+            <a:off x="11153360" y="7889827"/>
+            <a:ext cx="9366182" cy="11604746"/>
           </a:xfrm>
         </p:spPr>
         <p:txBody>
@@ -1602,7 +1608,7 @@
           <a:p>
             <a:fld id="{BA663DEA-3594-42C6-9155-052AF93F8D6F}" type="datetimeFigureOut">
               <a:rPr lang="en-ZA" smtClean="0"/>
-              <a:t>2023/08/23</a:t>
+              <a:t>2023/10/16</a:t>
             </a:fld>
             <a:endParaRPr lang="en-ZA"/>
           </a:p>
@@ -1720,7 +1726,7 @@
           <a:p>
             <a:fld id="{BA663DEA-3594-42C6-9155-052AF93F8D6F}" type="datetimeFigureOut">
               <a:rPr lang="en-ZA" smtClean="0"/>
-              <a:t>2023/08/23</a:t>
+              <a:t>2023/10/16</a:t>
             </a:fld>
             <a:endParaRPr lang="en-ZA"/>
           </a:p>
@@ -1815,7 +1821,7 @@
           <a:p>
             <a:fld id="{BA663DEA-3594-42C6-9155-052AF93F8D6F}" type="datetimeFigureOut">
               <a:rPr lang="en-ZA" smtClean="0"/>
-              <a:t>2023/08/23</a:t>
+              <a:t>2023/10/16</a:t>
             </a:fld>
             <a:endParaRPr lang="en-ZA"/>
           </a:p>
@@ -1905,8 +1911,8 @@
         </p:nvSpPr>
         <p:spPr>
           <a:xfrm>
-            <a:off x="1487781" y="960014"/>
-            <a:ext cx="6966409" cy="3360050"/>
+            <a:off x="1517524" y="1439968"/>
+            <a:ext cx="7105676" cy="5039890"/>
           </a:xfrm>
         </p:spPr>
         <p:txBody>
@@ -1937,8 +1943,8 @@
         </p:nvSpPr>
         <p:spPr>
           <a:xfrm>
-            <a:off x="9182611" y="2073367"/>
-            <a:ext cx="10934760" cy="10233485"/>
+            <a:off x="9366182" y="3109937"/>
+            <a:ext cx="11153359" cy="15349663"/>
           </a:xfrm>
         </p:spPr>
         <p:txBody>
@@ -2022,8 +2028,8 @@
         </p:nvSpPr>
         <p:spPr>
           <a:xfrm>
-            <a:off x="1487781" y="4320064"/>
-            <a:ext cx="6966409" cy="8003453"/>
+            <a:off x="1517524" y="6479858"/>
+            <a:ext cx="7105676" cy="12004738"/>
           </a:xfrm>
         </p:spPr>
         <p:txBody>
@@ -2092,7 +2098,7 @@
           <a:p>
             <a:fld id="{BA663DEA-3594-42C6-9155-052AF93F8D6F}" type="datetimeFigureOut">
               <a:rPr lang="en-ZA" smtClean="0"/>
-              <a:t>2023/08/23</a:t>
+              <a:t>2023/10/16</a:t>
             </a:fld>
             <a:endParaRPr lang="en-ZA"/>
           </a:p>
@@ -2182,8 +2188,8 @@
         </p:nvSpPr>
         <p:spPr>
           <a:xfrm>
-            <a:off x="1487781" y="960014"/>
-            <a:ext cx="6966409" cy="3360050"/>
+            <a:off x="1517524" y="1439968"/>
+            <a:ext cx="7105676" cy="5039890"/>
           </a:xfrm>
         </p:spPr>
         <p:txBody>
@@ -2214,8 +2220,8 @@
         </p:nvSpPr>
         <p:spPr>
           <a:xfrm>
-            <a:off x="9182611" y="2073367"/>
-            <a:ext cx="10934760" cy="10233485"/>
+            <a:off x="9366182" y="3109937"/>
+            <a:ext cx="11153359" cy="15349663"/>
           </a:xfrm>
         </p:spPr>
         <p:txBody>
@@ -2279,8 +2285,8 @@
         </p:nvSpPr>
         <p:spPr>
           <a:xfrm>
-            <a:off x="1487781" y="4320064"/>
-            <a:ext cx="6966409" cy="8003453"/>
+            <a:off x="1517524" y="6479858"/>
+            <a:ext cx="7105676" cy="12004738"/>
           </a:xfrm>
         </p:spPr>
         <p:txBody>
@@ -2349,7 +2355,7 @@
           <a:p>
             <a:fld id="{BA663DEA-3594-42C6-9155-052AF93F8D6F}" type="datetimeFigureOut">
               <a:rPr lang="en-ZA" smtClean="0"/>
-              <a:t>2023/08/23</a:t>
+              <a:t>2023/10/16</a:t>
             </a:fld>
             <a:endParaRPr lang="en-ZA"/>
           </a:p>
@@ -2444,8 +2450,8 @@
         </p:nvSpPr>
         <p:spPr>
           <a:xfrm>
-            <a:off x="1484968" y="766681"/>
-            <a:ext cx="18629590" cy="2783376"/>
+            <a:off x="1514655" y="1149979"/>
+            <a:ext cx="19002017" cy="4174910"/>
           </a:xfrm>
           <a:prstGeom prst="rect">
             <a:avLst/>
@@ -2477,8 +2483,8 @@
         </p:nvSpPr>
         <p:spPr>
           <a:xfrm>
-            <a:off x="1484968" y="3833390"/>
-            <a:ext cx="18629590" cy="9136803"/>
+            <a:off x="1514655" y="5749874"/>
+            <a:ext cx="19002017" cy="13704700"/>
           </a:xfrm>
           <a:prstGeom prst="rect">
             <a:avLst/>
@@ -2539,8 +2545,8 @@
         </p:nvSpPr>
         <p:spPr>
           <a:xfrm>
-            <a:off x="1484967" y="13346867"/>
-            <a:ext cx="4859893" cy="766678"/>
+            <a:off x="1514654" y="20019564"/>
+            <a:ext cx="4957048" cy="1149975"/>
           </a:xfrm>
           <a:prstGeom prst="rect">
             <a:avLst/>
@@ -2562,7 +2568,7 @@
           <a:p>
             <a:fld id="{BA663DEA-3594-42C6-9155-052AF93F8D6F}" type="datetimeFigureOut">
               <a:rPr lang="en-ZA" smtClean="0"/>
-              <a:t>2023/08/23</a:t>
+              <a:t>2023/10/16</a:t>
             </a:fld>
             <a:endParaRPr lang="en-ZA"/>
           </a:p>
@@ -2580,8 +2586,8 @@
         </p:nvSpPr>
         <p:spPr>
           <a:xfrm>
-            <a:off x="7154843" y="13346867"/>
-            <a:ext cx="7289840" cy="766678"/>
+            <a:off x="7297877" y="20019564"/>
+            <a:ext cx="7435573" cy="1149975"/>
           </a:xfrm>
           <a:prstGeom prst="rect">
             <a:avLst/>
@@ -2617,8 +2623,8 @@
         </p:nvSpPr>
         <p:spPr>
           <a:xfrm>
-            <a:off x="15254665" y="13346867"/>
-            <a:ext cx="4859893" cy="766678"/>
+            <a:off x="15559624" y="20019564"/>
+            <a:ext cx="4957048" cy="1149975"/>
           </a:xfrm>
           <a:prstGeom prst="rect">
             <a:avLst/>
@@ -2967,686 +2973,1487 @@
           <a:chExt cx="0" cy="0"/>
         </a:xfrm>
       </p:grpSpPr>
-      <p:sp>
-        <p:nvSpPr>
-          <p:cNvPr id="5" name="Rectangle 4">
+      <p:grpSp>
+        <p:nvGrpSpPr>
+          <p:cNvPr id="47" name="Group 46">
             <a:extLst>
               <a:ext uri="{FF2B5EF4-FFF2-40B4-BE49-F238E27FC236}">
-                <a16:creationId xmlns:a16="http://schemas.microsoft.com/office/drawing/2014/main" id="{7BD776B0-9A1C-5C85-1140-EE5523C057FB}"/>
+                <a16:creationId xmlns:a16="http://schemas.microsoft.com/office/drawing/2014/main" id="{F1F30F22-C845-88EC-9589-8ACAAF571A62}"/>
               </a:ext>
             </a:extLst>
           </p:cNvPr>
-          <p:cNvSpPr/>
+          <p:cNvGrpSpPr/>
           <p:nvPr/>
-        </p:nvSpPr>
-        <p:spPr>
+        </p:nvGrpSpPr>
+        <p:grpSpPr>
           <a:xfrm>
-            <a:off x="1079762" y="630106"/>
-            <a:ext cx="19440000" cy="13140000"/>
+            <a:off x="887056" y="2739280"/>
+            <a:ext cx="19468583" cy="15414441"/>
+            <a:chOff x="887056" y="2739280"/>
+            <a:chExt cx="19468583" cy="15414441"/>
           </a:xfrm>
-          <a:prstGeom prst="rect">
-            <a:avLst/>
-          </a:prstGeom>
-          <a:noFill/>
-          <a:ln>
+        </p:grpSpPr>
+        <p:sp>
+          <p:nvSpPr>
+            <p:cNvPr id="2" name="Rectangle: Rounded Corners 1">
+              <a:extLst>
+                <a:ext uri="{FF2B5EF4-FFF2-40B4-BE49-F238E27FC236}">
+                  <a16:creationId xmlns:a16="http://schemas.microsoft.com/office/drawing/2014/main" id="{FCC031F1-8385-08EB-BA88-D42B642C8105}"/>
+                </a:ext>
+              </a:extLst>
+            </p:cNvPr>
+            <p:cNvSpPr/>
+            <p:nvPr/>
+          </p:nvSpPr>
+          <p:spPr>
+            <a:xfrm>
+              <a:off x="984739" y="3968430"/>
+              <a:ext cx="19296184" cy="13401332"/>
+            </a:xfrm>
+            <a:prstGeom prst="roundRect">
+              <a:avLst>
+                <a:gd name="adj" fmla="val 1322"/>
+              </a:avLst>
+            </a:prstGeom>
+            <a:noFill/>
+            <a:ln w="38100">
+              <a:solidFill>
+                <a:schemeClr val="tx1"/>
+              </a:solidFill>
+            </a:ln>
+          </p:spPr>
+          <p:style>
+            <a:lnRef idx="2">
+              <a:schemeClr val="accent1">
+                <a:shade val="15000"/>
+              </a:schemeClr>
+            </a:lnRef>
+            <a:fillRef idx="1">
+              <a:schemeClr val="accent1"/>
+            </a:fillRef>
+            <a:effectRef idx="0">
+              <a:schemeClr val="accent1"/>
+            </a:effectRef>
+            <a:fontRef idx="minor">
+              <a:schemeClr val="lt1"/>
+            </a:fontRef>
+          </p:style>
+          <p:txBody>
+            <a:bodyPr rtlCol="0" anchor="ctr"/>
+            <a:lstStyle/>
+            <a:p>
+              <a:pPr algn="ctr"/>
+              <a:r>
+                <a:rPr lang="en-US" dirty="0"/>
+                <a:t>x</a:t>
+              </a:r>
+              <a:endParaRPr lang="en-ZA" dirty="0"/>
+            </a:p>
+          </p:txBody>
+        </p:sp>
+        <p:sp>
+          <p:nvSpPr>
+            <p:cNvPr id="3" name="TextBox 2">
+              <a:extLst>
+                <a:ext uri="{FF2B5EF4-FFF2-40B4-BE49-F238E27FC236}">
+                  <a16:creationId xmlns:a16="http://schemas.microsoft.com/office/drawing/2014/main" id="{9B5B3454-C5CD-AB33-EAB5-312EE6686D8F}"/>
+                </a:ext>
+              </a:extLst>
+            </p:cNvPr>
+            <p:cNvSpPr txBox="1"/>
+            <p:nvPr/>
+          </p:nvSpPr>
+          <p:spPr>
+            <a:xfrm>
+              <a:off x="887056" y="3220027"/>
+              <a:ext cx="5064160" cy="707886"/>
+            </a:xfrm>
+            <a:prstGeom prst="rect">
+              <a:avLst/>
+            </a:prstGeom>
+            <a:noFill/>
+          </p:spPr>
+          <p:txBody>
+            <a:bodyPr wrap="square" rtlCol="0">
+              <a:spAutoFit/>
+            </a:bodyPr>
+            <a:lstStyle/>
+            <a:p>
+              <a:r>
+                <a:rPr lang="en-US" sz="4000" dirty="0"/>
+                <a:t>LID</a:t>
+              </a:r>
+              <a:endParaRPr lang="en-ZA" sz="4000" dirty="0"/>
+            </a:p>
+          </p:txBody>
+        </p:sp>
+        <p:sp>
+          <p:nvSpPr>
+            <p:cNvPr id="4" name="TextBox 3">
+              <a:extLst>
+                <a:ext uri="{FF2B5EF4-FFF2-40B4-BE49-F238E27FC236}">
+                  <a16:creationId xmlns:a16="http://schemas.microsoft.com/office/drawing/2014/main" id="{EE028FBD-FFD9-1B6C-A48E-8D670B86BB37}"/>
+                </a:ext>
+              </a:extLst>
+            </p:cNvPr>
+            <p:cNvSpPr txBox="1"/>
+            <p:nvPr/>
+          </p:nvSpPr>
+          <p:spPr>
+            <a:xfrm>
+              <a:off x="915639" y="17445835"/>
+              <a:ext cx="5064160" cy="707886"/>
+            </a:xfrm>
+            <a:prstGeom prst="rect">
+              <a:avLst/>
+            </a:prstGeom>
+            <a:noFill/>
+          </p:spPr>
+          <p:txBody>
+            <a:bodyPr wrap="square" rtlCol="0">
+              <a:spAutoFit/>
+            </a:bodyPr>
+            <a:lstStyle/>
+            <a:p>
+              <a:r>
+                <a:rPr lang="en-US" sz="4000" dirty="0"/>
+                <a:t>BASE</a:t>
+              </a:r>
+              <a:endParaRPr lang="en-ZA" sz="4000" dirty="0"/>
+            </a:p>
+          </p:txBody>
+        </p:sp>
+        <p:sp>
+          <p:nvSpPr>
+            <p:cNvPr id="20" name="Rectangle 19">
+              <a:extLst>
+                <a:ext uri="{FF2B5EF4-FFF2-40B4-BE49-F238E27FC236}">
+                  <a16:creationId xmlns:a16="http://schemas.microsoft.com/office/drawing/2014/main" id="{733739FF-4045-1A50-7F06-5095F0B37930}"/>
+                </a:ext>
+              </a:extLst>
+            </p:cNvPr>
+            <p:cNvSpPr/>
+            <p:nvPr/>
+          </p:nvSpPr>
+          <p:spPr>
+            <a:xfrm>
+              <a:off x="8309317" y="4229762"/>
+              <a:ext cx="72000" cy="288000"/>
+            </a:xfrm>
+            <a:prstGeom prst="rect">
+              <a:avLst/>
+            </a:prstGeom>
             <a:solidFill>
-              <a:schemeClr val="tx1"/>
+              <a:schemeClr val="bg1">
+                <a:lumMod val="75000"/>
+              </a:schemeClr>
             </a:solidFill>
-          </a:ln>
-        </p:spPr>
-        <p:style>
-          <a:lnRef idx="2">
-            <a:schemeClr val="accent1">
-              <a:shade val="15000"/>
-            </a:schemeClr>
-          </a:lnRef>
-          <a:fillRef idx="1">
-            <a:schemeClr val="accent1"/>
-          </a:fillRef>
-          <a:effectRef idx="0">
-            <a:schemeClr val="accent1"/>
-          </a:effectRef>
-          <a:fontRef idx="minor">
-            <a:schemeClr val="lt1"/>
-          </a:fontRef>
-        </p:style>
-        <p:txBody>
-          <a:bodyPr rtlCol="0" anchor="ctr"/>
-          <a:lstStyle/>
-          <a:p>
-            <a:pPr algn="ctr"/>
-            <a:r>
-              <a:rPr lang="en-US" dirty="0"/>
-              <a:t>x</a:t>
-            </a:r>
-            <a:endParaRPr lang="en-ZA" dirty="0"/>
-          </a:p>
-        </p:txBody>
-      </p:sp>
-      <p:sp>
-        <p:nvSpPr>
-          <p:cNvPr id="6" name="TextBox 5">
-            <a:extLst>
-              <a:ext uri="{FF2B5EF4-FFF2-40B4-BE49-F238E27FC236}">
-                <a16:creationId xmlns:a16="http://schemas.microsoft.com/office/drawing/2014/main" id="{3DFC3ACE-7184-B906-B7B9-E43E1F93CD8B}"/>
-              </a:ext>
-            </a:extLst>
-          </p:cNvPr>
-          <p:cNvSpPr txBox="1"/>
-          <p:nvPr/>
-        </p:nvSpPr>
-        <p:spPr>
-          <a:xfrm>
-            <a:off x="1079762" y="184702"/>
-            <a:ext cx="2790092" cy="369332"/>
-          </a:xfrm>
-          <a:prstGeom prst="rect">
-            <a:avLst/>
-          </a:prstGeom>
-          <a:noFill/>
-        </p:spPr>
-        <p:txBody>
-          <a:bodyPr wrap="square" rtlCol="0">
-            <a:spAutoFit/>
-          </a:bodyPr>
-          <a:lstStyle/>
-          <a:p>
-            <a:r>
-              <a:rPr lang="en-US" dirty="0"/>
-              <a:t>LID</a:t>
-            </a:r>
-            <a:endParaRPr lang="en-ZA" dirty="0"/>
-          </a:p>
-        </p:txBody>
-      </p:sp>
-      <p:sp>
-        <p:nvSpPr>
-          <p:cNvPr id="7" name="TextBox 6">
-            <a:extLst>
-              <a:ext uri="{FF2B5EF4-FFF2-40B4-BE49-F238E27FC236}">
-                <a16:creationId xmlns:a16="http://schemas.microsoft.com/office/drawing/2014/main" id="{6AEC3F25-2B7F-2AFB-14A4-4130E85E6793}"/>
-              </a:ext>
-            </a:extLst>
-          </p:cNvPr>
-          <p:cNvSpPr txBox="1"/>
-          <p:nvPr/>
-        </p:nvSpPr>
-        <p:spPr>
-          <a:xfrm>
-            <a:off x="1079762" y="13846179"/>
-            <a:ext cx="2790092" cy="369332"/>
-          </a:xfrm>
-          <a:prstGeom prst="rect">
-            <a:avLst/>
-          </a:prstGeom>
-          <a:noFill/>
-        </p:spPr>
-        <p:txBody>
-          <a:bodyPr wrap="square" rtlCol="0">
-            <a:spAutoFit/>
-          </a:bodyPr>
-          <a:lstStyle/>
-          <a:p>
-            <a:r>
-              <a:rPr lang="en-US" dirty="0"/>
-              <a:t>BASE</a:t>
-            </a:r>
-            <a:endParaRPr lang="en-ZA" dirty="0"/>
-          </a:p>
-        </p:txBody>
-      </p:sp>
-      <p:sp>
-        <p:nvSpPr>
-          <p:cNvPr id="8" name="Rectangle 7">
-            <a:extLst>
-              <a:ext uri="{FF2B5EF4-FFF2-40B4-BE49-F238E27FC236}">
-                <a16:creationId xmlns:a16="http://schemas.microsoft.com/office/drawing/2014/main" id="{B8806FBD-52F2-DF9F-ABAD-3E3512515AAA}"/>
-              </a:ext>
-            </a:extLst>
-          </p:cNvPr>
-          <p:cNvSpPr/>
-          <p:nvPr/>
-        </p:nvSpPr>
-        <p:spPr>
-          <a:xfrm>
-            <a:off x="8099762" y="13388532"/>
-            <a:ext cx="5400000" cy="108000"/>
-          </a:xfrm>
-          <a:prstGeom prst="rect">
-            <a:avLst/>
-          </a:prstGeom>
-        </p:spPr>
-        <p:style>
-          <a:lnRef idx="2">
-            <a:schemeClr val="dk1">
-              <a:shade val="15000"/>
-            </a:schemeClr>
-          </a:lnRef>
-          <a:fillRef idx="1">
-            <a:schemeClr val="dk1"/>
-          </a:fillRef>
-          <a:effectRef idx="0">
-            <a:schemeClr val="dk1"/>
-          </a:effectRef>
-          <a:fontRef idx="minor">
-            <a:schemeClr val="lt1"/>
-          </a:fontRef>
-        </p:style>
-        <p:txBody>
-          <a:bodyPr rtlCol="0" anchor="ctr"/>
-          <a:lstStyle/>
-          <a:p>
-            <a:pPr algn="ctr"/>
-            <a:endParaRPr lang="en-ZA"/>
-          </a:p>
-        </p:txBody>
-      </p:sp>
-      <p:sp>
-        <p:nvSpPr>
-          <p:cNvPr id="9" name="Rectangle 8">
-            <a:extLst>
-              <a:ext uri="{FF2B5EF4-FFF2-40B4-BE49-F238E27FC236}">
-                <a16:creationId xmlns:a16="http://schemas.microsoft.com/office/drawing/2014/main" id="{C548EF43-F54A-94ED-D5FD-26A179C6EC10}"/>
-              </a:ext>
-            </a:extLst>
-          </p:cNvPr>
-          <p:cNvSpPr/>
-          <p:nvPr/>
-        </p:nvSpPr>
-        <p:spPr>
-          <a:xfrm>
-            <a:off x="8099762" y="903681"/>
-            <a:ext cx="5400000" cy="108000"/>
-          </a:xfrm>
-          <a:prstGeom prst="rect">
-            <a:avLst/>
-          </a:prstGeom>
-        </p:spPr>
-        <p:style>
-          <a:lnRef idx="2">
-            <a:schemeClr val="dk1">
-              <a:shade val="15000"/>
-            </a:schemeClr>
-          </a:lnRef>
-          <a:fillRef idx="1">
-            <a:schemeClr val="dk1"/>
-          </a:fillRef>
-          <a:effectRef idx="0">
-            <a:schemeClr val="dk1"/>
-          </a:effectRef>
-          <a:fontRef idx="minor">
-            <a:schemeClr val="lt1"/>
-          </a:fontRef>
-        </p:style>
-        <p:txBody>
-          <a:bodyPr rtlCol="0" anchor="ctr"/>
-          <a:lstStyle/>
-          <a:p>
-            <a:pPr algn="ctr"/>
-            <a:endParaRPr lang="en-ZA"/>
-          </a:p>
-        </p:txBody>
-      </p:sp>
-      <p:sp>
-        <p:nvSpPr>
-          <p:cNvPr id="10" name="Rectangle 9">
-            <a:extLst>
-              <a:ext uri="{FF2B5EF4-FFF2-40B4-BE49-F238E27FC236}">
-                <a16:creationId xmlns:a16="http://schemas.microsoft.com/office/drawing/2014/main" id="{CBC30E36-FD38-EB28-BAF4-08C18916F9C6}"/>
-              </a:ext>
-            </a:extLst>
-          </p:cNvPr>
-          <p:cNvSpPr/>
-          <p:nvPr/>
-        </p:nvSpPr>
-        <p:spPr>
-          <a:xfrm>
-            <a:off x="8999762" y="13006958"/>
-            <a:ext cx="3600000" cy="108000"/>
-          </a:xfrm>
-          <a:prstGeom prst="rect">
-            <a:avLst/>
-          </a:prstGeom>
-        </p:spPr>
-        <p:style>
-          <a:lnRef idx="2">
-            <a:schemeClr val="accent6">
-              <a:shade val="15000"/>
-            </a:schemeClr>
-          </a:lnRef>
-          <a:fillRef idx="1">
-            <a:schemeClr val="accent6"/>
-          </a:fillRef>
-          <a:effectRef idx="0">
-            <a:schemeClr val="accent6"/>
-          </a:effectRef>
-          <a:fontRef idx="minor">
-            <a:schemeClr val="lt1"/>
-          </a:fontRef>
-        </p:style>
-        <p:txBody>
-          <a:bodyPr rtlCol="0" anchor="ctr"/>
-          <a:lstStyle/>
-          <a:p>
-            <a:pPr algn="ctr"/>
-            <a:endParaRPr lang="en-ZA"/>
-          </a:p>
-        </p:txBody>
-      </p:sp>
-      <p:sp>
-        <p:nvSpPr>
-          <p:cNvPr id="11" name="Rectangle 10">
-            <a:extLst>
-              <a:ext uri="{FF2B5EF4-FFF2-40B4-BE49-F238E27FC236}">
-                <a16:creationId xmlns:a16="http://schemas.microsoft.com/office/drawing/2014/main" id="{79D9313F-E044-B908-3BB1-482C9236805D}"/>
-              </a:ext>
-            </a:extLst>
-          </p:cNvPr>
-          <p:cNvSpPr/>
-          <p:nvPr/>
-        </p:nvSpPr>
-        <p:spPr>
-          <a:xfrm>
-            <a:off x="10169762" y="1300633"/>
-            <a:ext cx="1260000" cy="108000"/>
-          </a:xfrm>
-          <a:prstGeom prst="rect">
-            <a:avLst/>
-          </a:prstGeom>
-        </p:spPr>
-        <p:style>
-          <a:lnRef idx="2">
-            <a:schemeClr val="accent6">
-              <a:shade val="15000"/>
-            </a:schemeClr>
-          </a:lnRef>
-          <a:fillRef idx="1">
-            <a:schemeClr val="accent6"/>
-          </a:fillRef>
-          <a:effectRef idx="0">
-            <a:schemeClr val="accent6"/>
-          </a:effectRef>
-          <a:fontRef idx="minor">
-            <a:schemeClr val="lt1"/>
-          </a:fontRef>
-        </p:style>
-        <p:txBody>
-          <a:bodyPr rtlCol="0" anchor="ctr"/>
-          <a:lstStyle/>
-          <a:p>
-            <a:pPr algn="ctr"/>
-            <a:endParaRPr lang="en-ZA"/>
-          </a:p>
-        </p:txBody>
-      </p:sp>
-      <p:sp>
-        <p:nvSpPr>
-          <p:cNvPr id="12" name="Rectangle 11">
-            <a:extLst>
-              <a:ext uri="{FF2B5EF4-FFF2-40B4-BE49-F238E27FC236}">
-                <a16:creationId xmlns:a16="http://schemas.microsoft.com/office/drawing/2014/main" id="{E3F2AF68-AB34-2E27-629F-103861A09C67}"/>
-              </a:ext>
-            </a:extLst>
-          </p:cNvPr>
-          <p:cNvSpPr/>
-          <p:nvPr/>
-        </p:nvSpPr>
-        <p:spPr>
-          <a:xfrm>
-            <a:off x="8473440" y="630106"/>
-            <a:ext cx="72000" cy="288000"/>
-          </a:xfrm>
-          <a:prstGeom prst="rect">
-            <a:avLst/>
-          </a:prstGeom>
-        </p:spPr>
-        <p:style>
-          <a:lnRef idx="2">
-            <a:schemeClr val="dk1">
-              <a:shade val="15000"/>
-            </a:schemeClr>
-          </a:lnRef>
-          <a:fillRef idx="1">
-            <a:schemeClr val="dk1"/>
-          </a:fillRef>
-          <a:effectRef idx="0">
-            <a:schemeClr val="dk1"/>
-          </a:effectRef>
-          <a:fontRef idx="minor">
-            <a:schemeClr val="lt1"/>
-          </a:fontRef>
-        </p:style>
-        <p:txBody>
-          <a:bodyPr rtlCol="0" anchor="ctr"/>
-          <a:lstStyle/>
-          <a:p>
-            <a:pPr algn="ctr"/>
-            <a:endParaRPr lang="en-ZA"/>
-          </a:p>
-        </p:txBody>
-      </p:sp>
-      <p:sp>
-        <p:nvSpPr>
-          <p:cNvPr id="13" name="Rectangle 12">
-            <a:extLst>
-              <a:ext uri="{FF2B5EF4-FFF2-40B4-BE49-F238E27FC236}">
-                <a16:creationId xmlns:a16="http://schemas.microsoft.com/office/drawing/2014/main" id="{9368EF08-8017-3346-18F3-58D84FBD4CD4}"/>
-              </a:ext>
-            </a:extLst>
-          </p:cNvPr>
-          <p:cNvSpPr/>
-          <p:nvPr/>
-        </p:nvSpPr>
-        <p:spPr>
-          <a:xfrm>
-            <a:off x="13053012" y="630106"/>
-            <a:ext cx="72000" cy="288000"/>
-          </a:xfrm>
-          <a:prstGeom prst="rect">
-            <a:avLst/>
-          </a:prstGeom>
-        </p:spPr>
-        <p:style>
-          <a:lnRef idx="2">
-            <a:schemeClr val="dk1">
-              <a:shade val="15000"/>
-            </a:schemeClr>
-          </a:lnRef>
-          <a:fillRef idx="1">
-            <a:schemeClr val="dk1"/>
-          </a:fillRef>
-          <a:effectRef idx="0">
-            <a:schemeClr val="dk1"/>
-          </a:effectRef>
-          <a:fontRef idx="minor">
-            <a:schemeClr val="lt1"/>
-          </a:fontRef>
-        </p:style>
-        <p:txBody>
-          <a:bodyPr rtlCol="0" anchor="ctr"/>
-          <a:lstStyle/>
-          <a:p>
-            <a:pPr algn="ctr"/>
-            <a:endParaRPr lang="en-ZA"/>
-          </a:p>
-        </p:txBody>
-      </p:sp>
-      <p:sp>
-        <p:nvSpPr>
-          <p:cNvPr id="14" name="Rectangle 13">
-            <a:extLst>
-              <a:ext uri="{FF2B5EF4-FFF2-40B4-BE49-F238E27FC236}">
-                <a16:creationId xmlns:a16="http://schemas.microsoft.com/office/drawing/2014/main" id="{75A84B09-8474-FDFF-18B9-0F484A79CDBF}"/>
-              </a:ext>
-            </a:extLst>
-          </p:cNvPr>
-          <p:cNvSpPr/>
-          <p:nvPr/>
-        </p:nvSpPr>
-        <p:spPr>
-          <a:xfrm>
-            <a:off x="8437440" y="13474893"/>
-            <a:ext cx="72000" cy="288000"/>
-          </a:xfrm>
-          <a:prstGeom prst="rect">
-            <a:avLst/>
-          </a:prstGeom>
-        </p:spPr>
-        <p:style>
-          <a:lnRef idx="2">
-            <a:schemeClr val="dk1">
-              <a:shade val="15000"/>
-            </a:schemeClr>
-          </a:lnRef>
-          <a:fillRef idx="1">
-            <a:schemeClr val="dk1"/>
-          </a:fillRef>
-          <a:effectRef idx="0">
-            <a:schemeClr val="dk1"/>
-          </a:effectRef>
-          <a:fontRef idx="minor">
-            <a:schemeClr val="lt1"/>
-          </a:fontRef>
-        </p:style>
-        <p:txBody>
-          <a:bodyPr rtlCol="0" anchor="ctr"/>
-          <a:lstStyle/>
-          <a:p>
-            <a:pPr algn="ctr"/>
-            <a:endParaRPr lang="en-ZA"/>
-          </a:p>
-        </p:txBody>
-      </p:sp>
-      <p:sp>
-        <p:nvSpPr>
-          <p:cNvPr id="15" name="Rectangle 14">
-            <a:extLst>
-              <a:ext uri="{FF2B5EF4-FFF2-40B4-BE49-F238E27FC236}">
-                <a16:creationId xmlns:a16="http://schemas.microsoft.com/office/drawing/2014/main" id="{3C8E8ED0-79CD-E478-0EC7-1B7A6CCC126C}"/>
-              </a:ext>
-            </a:extLst>
-          </p:cNvPr>
-          <p:cNvSpPr/>
-          <p:nvPr/>
-        </p:nvSpPr>
-        <p:spPr>
-          <a:xfrm>
-            <a:off x="13017012" y="13474893"/>
-            <a:ext cx="72000" cy="288000"/>
-          </a:xfrm>
-          <a:prstGeom prst="rect">
-            <a:avLst/>
-          </a:prstGeom>
-        </p:spPr>
-        <p:style>
-          <a:lnRef idx="2">
-            <a:schemeClr val="dk1">
-              <a:shade val="15000"/>
-            </a:schemeClr>
-          </a:lnRef>
-          <a:fillRef idx="1">
-            <a:schemeClr val="dk1"/>
-          </a:fillRef>
-          <a:effectRef idx="0">
-            <a:schemeClr val="dk1"/>
-          </a:effectRef>
-          <a:fontRef idx="minor">
-            <a:schemeClr val="lt1"/>
-          </a:fontRef>
-        </p:style>
-        <p:txBody>
-          <a:bodyPr rtlCol="0" anchor="ctr"/>
-          <a:lstStyle/>
-          <a:p>
-            <a:pPr algn="ctr"/>
-            <a:endParaRPr lang="en-ZA"/>
-          </a:p>
-        </p:txBody>
-      </p:sp>
-      <p:sp>
-        <p:nvSpPr>
-          <p:cNvPr id="16" name="Rectangle 15">
-            <a:extLst>
-              <a:ext uri="{FF2B5EF4-FFF2-40B4-BE49-F238E27FC236}">
-                <a16:creationId xmlns:a16="http://schemas.microsoft.com/office/drawing/2014/main" id="{4AD7866B-CB66-E346-D0CC-536A5BAD8DEA}"/>
-              </a:ext>
-            </a:extLst>
-          </p:cNvPr>
-          <p:cNvSpPr/>
-          <p:nvPr/>
-        </p:nvSpPr>
-        <p:spPr>
-          <a:xfrm>
-            <a:off x="10312400" y="1005420"/>
-            <a:ext cx="72000" cy="288000"/>
-          </a:xfrm>
-          <a:prstGeom prst="rect">
-            <a:avLst/>
-          </a:prstGeom>
-        </p:spPr>
-        <p:style>
-          <a:lnRef idx="2">
-            <a:schemeClr val="dk1">
-              <a:shade val="15000"/>
-            </a:schemeClr>
-          </a:lnRef>
-          <a:fillRef idx="1">
-            <a:schemeClr val="dk1"/>
-          </a:fillRef>
-          <a:effectRef idx="0">
-            <a:schemeClr val="dk1"/>
-          </a:effectRef>
-          <a:fontRef idx="minor">
-            <a:schemeClr val="lt1"/>
-          </a:fontRef>
-        </p:style>
-        <p:txBody>
-          <a:bodyPr rtlCol="0" anchor="ctr"/>
-          <a:lstStyle/>
-          <a:p>
-            <a:pPr algn="ctr"/>
-            <a:endParaRPr lang="en-ZA"/>
-          </a:p>
-        </p:txBody>
-      </p:sp>
-      <p:sp>
-        <p:nvSpPr>
-          <p:cNvPr id="17" name="Rectangle 16">
-            <a:extLst>
-              <a:ext uri="{FF2B5EF4-FFF2-40B4-BE49-F238E27FC236}">
-                <a16:creationId xmlns:a16="http://schemas.microsoft.com/office/drawing/2014/main" id="{6E15188E-CA3A-A8CE-0F2B-C3F549BA1C9C}"/>
-              </a:ext>
-            </a:extLst>
-          </p:cNvPr>
-          <p:cNvSpPr/>
-          <p:nvPr/>
-        </p:nvSpPr>
-        <p:spPr>
-          <a:xfrm>
-            <a:off x="11215126" y="1012633"/>
-            <a:ext cx="72000" cy="288000"/>
-          </a:xfrm>
-          <a:prstGeom prst="rect">
-            <a:avLst/>
-          </a:prstGeom>
-        </p:spPr>
-        <p:style>
-          <a:lnRef idx="2">
-            <a:schemeClr val="dk1">
-              <a:shade val="15000"/>
-            </a:schemeClr>
-          </a:lnRef>
-          <a:fillRef idx="1">
-            <a:schemeClr val="dk1"/>
-          </a:fillRef>
-          <a:effectRef idx="0">
-            <a:schemeClr val="dk1"/>
-          </a:effectRef>
-          <a:fontRef idx="minor">
-            <a:schemeClr val="lt1"/>
-          </a:fontRef>
-        </p:style>
-        <p:txBody>
-          <a:bodyPr rtlCol="0" anchor="ctr"/>
-          <a:lstStyle/>
-          <a:p>
-            <a:pPr algn="ctr"/>
-            <a:endParaRPr lang="en-ZA"/>
-          </a:p>
-        </p:txBody>
-      </p:sp>
-      <p:sp>
-        <p:nvSpPr>
-          <p:cNvPr id="18" name="Rectangle 17">
-            <a:extLst>
-              <a:ext uri="{FF2B5EF4-FFF2-40B4-BE49-F238E27FC236}">
-                <a16:creationId xmlns:a16="http://schemas.microsoft.com/office/drawing/2014/main" id="{D78F76D0-E3E9-E522-30A4-FE5F44467CA5}"/>
-              </a:ext>
-            </a:extLst>
-          </p:cNvPr>
-          <p:cNvSpPr/>
-          <p:nvPr/>
-        </p:nvSpPr>
-        <p:spPr>
-          <a:xfrm>
-            <a:off x="9272220" y="13122171"/>
-            <a:ext cx="72000" cy="288000"/>
-          </a:xfrm>
-          <a:prstGeom prst="rect">
-            <a:avLst/>
-          </a:prstGeom>
-        </p:spPr>
-        <p:style>
-          <a:lnRef idx="2">
-            <a:schemeClr val="dk1">
-              <a:shade val="15000"/>
-            </a:schemeClr>
-          </a:lnRef>
-          <a:fillRef idx="1">
-            <a:schemeClr val="dk1"/>
-          </a:fillRef>
-          <a:effectRef idx="0">
-            <a:schemeClr val="dk1"/>
-          </a:effectRef>
-          <a:fontRef idx="minor">
-            <a:schemeClr val="lt1"/>
-          </a:fontRef>
-        </p:style>
-        <p:txBody>
-          <a:bodyPr rtlCol="0" anchor="ctr"/>
-          <a:lstStyle/>
-          <a:p>
-            <a:pPr algn="ctr"/>
-            <a:endParaRPr lang="en-ZA"/>
-          </a:p>
-        </p:txBody>
-      </p:sp>
-      <p:sp>
-        <p:nvSpPr>
-          <p:cNvPr id="19" name="Rectangle 18">
-            <a:extLst>
-              <a:ext uri="{FF2B5EF4-FFF2-40B4-BE49-F238E27FC236}">
-                <a16:creationId xmlns:a16="http://schemas.microsoft.com/office/drawing/2014/main" id="{8545E900-BD09-FFF6-00FA-F2586632F8E1}"/>
-              </a:ext>
-            </a:extLst>
-          </p:cNvPr>
-          <p:cNvSpPr/>
-          <p:nvPr/>
-        </p:nvSpPr>
-        <p:spPr>
-          <a:xfrm>
-            <a:off x="12255306" y="13122171"/>
-            <a:ext cx="72000" cy="288000"/>
-          </a:xfrm>
-          <a:prstGeom prst="rect">
-            <a:avLst/>
-          </a:prstGeom>
-        </p:spPr>
-        <p:style>
-          <a:lnRef idx="2">
-            <a:schemeClr val="dk1">
-              <a:shade val="15000"/>
-            </a:schemeClr>
-          </a:lnRef>
-          <a:fillRef idx="1">
-            <a:schemeClr val="dk1"/>
-          </a:fillRef>
-          <a:effectRef idx="0">
-            <a:schemeClr val="dk1"/>
-          </a:effectRef>
-          <a:fontRef idx="minor">
-            <a:schemeClr val="lt1"/>
-          </a:fontRef>
-        </p:style>
-        <p:txBody>
-          <a:bodyPr rtlCol="0" anchor="ctr"/>
-          <a:lstStyle/>
-          <a:p>
-            <a:pPr algn="ctr"/>
-            <a:endParaRPr lang="en-ZA"/>
-          </a:p>
-        </p:txBody>
-      </p:sp>
+            <a:ln>
+              <a:solidFill>
+                <a:schemeClr val="bg1">
+                  <a:lumMod val="75000"/>
+                </a:schemeClr>
+              </a:solidFill>
+            </a:ln>
+          </p:spPr>
+          <p:style>
+            <a:lnRef idx="2">
+              <a:schemeClr val="dk1">
+                <a:shade val="15000"/>
+              </a:schemeClr>
+            </a:lnRef>
+            <a:fillRef idx="1">
+              <a:schemeClr val="dk1"/>
+            </a:fillRef>
+            <a:effectRef idx="0">
+              <a:schemeClr val="dk1"/>
+            </a:effectRef>
+            <a:fontRef idx="minor">
+              <a:schemeClr val="lt1"/>
+            </a:fontRef>
+          </p:style>
+          <p:txBody>
+            <a:bodyPr rtlCol="0" anchor="ctr"/>
+            <a:lstStyle/>
+            <a:p>
+              <a:pPr algn="ctr"/>
+              <a:endParaRPr lang="en-ZA"/>
+            </a:p>
+          </p:txBody>
+        </p:sp>
+        <p:sp>
+          <p:nvSpPr>
+            <p:cNvPr id="21" name="Rectangle 20">
+              <a:extLst>
+                <a:ext uri="{FF2B5EF4-FFF2-40B4-BE49-F238E27FC236}">
+                  <a16:creationId xmlns:a16="http://schemas.microsoft.com/office/drawing/2014/main" id="{CC015B7C-A021-DA6F-907E-3AD9A3A8AF7B}"/>
+                </a:ext>
+              </a:extLst>
+            </p:cNvPr>
+            <p:cNvSpPr/>
+            <p:nvPr/>
+          </p:nvSpPr>
+          <p:spPr>
+            <a:xfrm>
+              <a:off x="12888889" y="4229762"/>
+              <a:ext cx="72000" cy="288000"/>
+            </a:xfrm>
+            <a:prstGeom prst="rect">
+              <a:avLst/>
+            </a:prstGeom>
+            <a:solidFill>
+              <a:schemeClr val="bg1">
+                <a:lumMod val="75000"/>
+              </a:schemeClr>
+            </a:solidFill>
+            <a:ln>
+              <a:solidFill>
+                <a:schemeClr val="bg1">
+                  <a:lumMod val="75000"/>
+                </a:schemeClr>
+              </a:solidFill>
+            </a:ln>
+          </p:spPr>
+          <p:style>
+            <a:lnRef idx="2">
+              <a:schemeClr val="dk1">
+                <a:shade val="15000"/>
+              </a:schemeClr>
+            </a:lnRef>
+            <a:fillRef idx="1">
+              <a:schemeClr val="dk1"/>
+            </a:fillRef>
+            <a:effectRef idx="0">
+              <a:schemeClr val="dk1"/>
+            </a:effectRef>
+            <a:fontRef idx="minor">
+              <a:schemeClr val="lt1"/>
+            </a:fontRef>
+          </p:style>
+          <p:txBody>
+            <a:bodyPr rtlCol="0" anchor="ctr"/>
+            <a:lstStyle/>
+            <a:p>
+              <a:pPr algn="ctr"/>
+              <a:endParaRPr lang="en-ZA"/>
+            </a:p>
+          </p:txBody>
+        </p:sp>
+        <p:sp>
+          <p:nvSpPr>
+            <p:cNvPr id="22" name="Rectangle 21">
+              <a:extLst>
+                <a:ext uri="{FF2B5EF4-FFF2-40B4-BE49-F238E27FC236}">
+                  <a16:creationId xmlns:a16="http://schemas.microsoft.com/office/drawing/2014/main" id="{79FC92DC-596A-7D97-42E3-466D77416956}"/>
+                </a:ext>
+              </a:extLst>
+            </p:cNvPr>
+            <p:cNvSpPr/>
+            <p:nvPr/>
+          </p:nvSpPr>
+          <p:spPr>
+            <a:xfrm>
+              <a:off x="8273317" y="17074549"/>
+              <a:ext cx="72000" cy="288000"/>
+            </a:xfrm>
+            <a:prstGeom prst="rect">
+              <a:avLst/>
+            </a:prstGeom>
+            <a:solidFill>
+              <a:schemeClr val="bg1">
+                <a:lumMod val="75000"/>
+              </a:schemeClr>
+            </a:solidFill>
+            <a:ln>
+              <a:solidFill>
+                <a:schemeClr val="bg1">
+                  <a:lumMod val="75000"/>
+                </a:schemeClr>
+              </a:solidFill>
+            </a:ln>
+          </p:spPr>
+          <p:style>
+            <a:lnRef idx="2">
+              <a:schemeClr val="dk1">
+                <a:shade val="15000"/>
+              </a:schemeClr>
+            </a:lnRef>
+            <a:fillRef idx="1">
+              <a:schemeClr val="dk1"/>
+            </a:fillRef>
+            <a:effectRef idx="0">
+              <a:schemeClr val="dk1"/>
+            </a:effectRef>
+            <a:fontRef idx="minor">
+              <a:schemeClr val="lt1"/>
+            </a:fontRef>
+          </p:style>
+          <p:txBody>
+            <a:bodyPr rtlCol="0" anchor="ctr"/>
+            <a:lstStyle/>
+            <a:p>
+              <a:pPr algn="ctr"/>
+              <a:endParaRPr lang="en-ZA"/>
+            </a:p>
+          </p:txBody>
+        </p:sp>
+        <p:sp>
+          <p:nvSpPr>
+            <p:cNvPr id="23" name="Rectangle 22">
+              <a:extLst>
+                <a:ext uri="{FF2B5EF4-FFF2-40B4-BE49-F238E27FC236}">
+                  <a16:creationId xmlns:a16="http://schemas.microsoft.com/office/drawing/2014/main" id="{B29CE452-D8B7-0B36-1C6E-F5164FAA209C}"/>
+                </a:ext>
+              </a:extLst>
+            </p:cNvPr>
+            <p:cNvSpPr/>
+            <p:nvPr/>
+          </p:nvSpPr>
+          <p:spPr>
+            <a:xfrm>
+              <a:off x="12852889" y="17074549"/>
+              <a:ext cx="72000" cy="288000"/>
+            </a:xfrm>
+            <a:prstGeom prst="rect">
+              <a:avLst/>
+            </a:prstGeom>
+            <a:solidFill>
+              <a:schemeClr val="bg1">
+                <a:lumMod val="75000"/>
+              </a:schemeClr>
+            </a:solidFill>
+            <a:ln>
+              <a:solidFill>
+                <a:schemeClr val="bg1">
+                  <a:lumMod val="75000"/>
+                </a:schemeClr>
+              </a:solidFill>
+            </a:ln>
+          </p:spPr>
+          <p:style>
+            <a:lnRef idx="2">
+              <a:schemeClr val="dk1">
+                <a:shade val="15000"/>
+              </a:schemeClr>
+            </a:lnRef>
+            <a:fillRef idx="1">
+              <a:schemeClr val="dk1"/>
+            </a:fillRef>
+            <a:effectRef idx="0">
+              <a:schemeClr val="dk1"/>
+            </a:effectRef>
+            <a:fontRef idx="minor">
+              <a:schemeClr val="lt1"/>
+            </a:fontRef>
+          </p:style>
+          <p:txBody>
+            <a:bodyPr rtlCol="0" anchor="ctr"/>
+            <a:lstStyle/>
+            <a:p>
+              <a:pPr algn="ctr"/>
+              <a:endParaRPr lang="en-ZA"/>
+            </a:p>
+          </p:txBody>
+        </p:sp>
+        <p:sp>
+          <p:nvSpPr>
+            <p:cNvPr id="24" name="Rectangle 23">
+              <a:extLst>
+                <a:ext uri="{FF2B5EF4-FFF2-40B4-BE49-F238E27FC236}">
+                  <a16:creationId xmlns:a16="http://schemas.microsoft.com/office/drawing/2014/main" id="{71F6F2F0-64A4-E450-8DA7-A078815513DB}"/>
+                </a:ext>
+              </a:extLst>
+            </p:cNvPr>
+            <p:cNvSpPr/>
+            <p:nvPr/>
+          </p:nvSpPr>
+          <p:spPr>
+            <a:xfrm>
+              <a:off x="10148277" y="4605076"/>
+              <a:ext cx="72000" cy="288000"/>
+            </a:xfrm>
+            <a:prstGeom prst="rect">
+              <a:avLst/>
+            </a:prstGeom>
+            <a:solidFill>
+              <a:schemeClr val="bg1">
+                <a:lumMod val="75000"/>
+              </a:schemeClr>
+            </a:solidFill>
+            <a:ln>
+              <a:solidFill>
+                <a:schemeClr val="bg1">
+                  <a:lumMod val="75000"/>
+                </a:schemeClr>
+              </a:solidFill>
+            </a:ln>
+          </p:spPr>
+          <p:style>
+            <a:lnRef idx="2">
+              <a:schemeClr val="dk1">
+                <a:shade val="15000"/>
+              </a:schemeClr>
+            </a:lnRef>
+            <a:fillRef idx="1">
+              <a:schemeClr val="dk1"/>
+            </a:fillRef>
+            <a:effectRef idx="0">
+              <a:schemeClr val="dk1"/>
+            </a:effectRef>
+            <a:fontRef idx="minor">
+              <a:schemeClr val="lt1"/>
+            </a:fontRef>
+          </p:style>
+          <p:txBody>
+            <a:bodyPr rtlCol="0" anchor="ctr"/>
+            <a:lstStyle/>
+            <a:p>
+              <a:pPr algn="ctr"/>
+              <a:endParaRPr lang="en-ZA"/>
+            </a:p>
+          </p:txBody>
+        </p:sp>
+        <p:sp>
+          <p:nvSpPr>
+            <p:cNvPr id="25" name="Rectangle 24">
+              <a:extLst>
+                <a:ext uri="{FF2B5EF4-FFF2-40B4-BE49-F238E27FC236}">
+                  <a16:creationId xmlns:a16="http://schemas.microsoft.com/office/drawing/2014/main" id="{BEADFBBD-E244-BF87-D4D5-6BB8B7133BB0}"/>
+                </a:ext>
+              </a:extLst>
+            </p:cNvPr>
+            <p:cNvSpPr/>
+            <p:nvPr/>
+          </p:nvSpPr>
+          <p:spPr>
+            <a:xfrm>
+              <a:off x="11051003" y="4612289"/>
+              <a:ext cx="72000" cy="288000"/>
+            </a:xfrm>
+            <a:prstGeom prst="rect">
+              <a:avLst/>
+            </a:prstGeom>
+            <a:solidFill>
+              <a:schemeClr val="bg1">
+                <a:lumMod val="75000"/>
+              </a:schemeClr>
+            </a:solidFill>
+            <a:ln>
+              <a:solidFill>
+                <a:schemeClr val="bg1">
+                  <a:lumMod val="75000"/>
+                </a:schemeClr>
+              </a:solidFill>
+            </a:ln>
+          </p:spPr>
+          <p:style>
+            <a:lnRef idx="2">
+              <a:schemeClr val="dk1">
+                <a:shade val="15000"/>
+              </a:schemeClr>
+            </a:lnRef>
+            <a:fillRef idx="1">
+              <a:schemeClr val="dk1"/>
+            </a:fillRef>
+            <a:effectRef idx="0">
+              <a:schemeClr val="dk1"/>
+            </a:effectRef>
+            <a:fontRef idx="minor">
+              <a:schemeClr val="lt1"/>
+            </a:fontRef>
+          </p:style>
+          <p:txBody>
+            <a:bodyPr rtlCol="0" anchor="ctr"/>
+            <a:lstStyle/>
+            <a:p>
+              <a:pPr algn="ctr"/>
+              <a:endParaRPr lang="en-ZA"/>
+            </a:p>
+          </p:txBody>
+        </p:sp>
+        <p:sp>
+          <p:nvSpPr>
+            <p:cNvPr id="26" name="Rectangle 25">
+              <a:extLst>
+                <a:ext uri="{FF2B5EF4-FFF2-40B4-BE49-F238E27FC236}">
+                  <a16:creationId xmlns:a16="http://schemas.microsoft.com/office/drawing/2014/main" id="{B1767E19-B177-27F2-9B2C-7F57CFD3A2B3}"/>
+                </a:ext>
+              </a:extLst>
+            </p:cNvPr>
+            <p:cNvSpPr/>
+            <p:nvPr/>
+          </p:nvSpPr>
+          <p:spPr>
+            <a:xfrm>
+              <a:off x="9108097" y="16721827"/>
+              <a:ext cx="72000" cy="288000"/>
+            </a:xfrm>
+            <a:prstGeom prst="rect">
+              <a:avLst/>
+            </a:prstGeom>
+            <a:solidFill>
+              <a:schemeClr val="bg1">
+                <a:lumMod val="75000"/>
+              </a:schemeClr>
+            </a:solidFill>
+            <a:ln>
+              <a:solidFill>
+                <a:schemeClr val="bg1">
+                  <a:lumMod val="75000"/>
+                </a:schemeClr>
+              </a:solidFill>
+            </a:ln>
+          </p:spPr>
+          <p:style>
+            <a:lnRef idx="2">
+              <a:schemeClr val="dk1">
+                <a:shade val="15000"/>
+              </a:schemeClr>
+            </a:lnRef>
+            <a:fillRef idx="1">
+              <a:schemeClr val="dk1"/>
+            </a:fillRef>
+            <a:effectRef idx="0">
+              <a:schemeClr val="dk1"/>
+            </a:effectRef>
+            <a:fontRef idx="minor">
+              <a:schemeClr val="lt1"/>
+            </a:fontRef>
+          </p:style>
+          <p:txBody>
+            <a:bodyPr rtlCol="0" anchor="ctr"/>
+            <a:lstStyle/>
+            <a:p>
+              <a:pPr algn="ctr"/>
+              <a:endParaRPr lang="en-ZA"/>
+            </a:p>
+          </p:txBody>
+        </p:sp>
+        <p:sp>
+          <p:nvSpPr>
+            <p:cNvPr id="27" name="Rectangle 26">
+              <a:extLst>
+                <a:ext uri="{FF2B5EF4-FFF2-40B4-BE49-F238E27FC236}">
+                  <a16:creationId xmlns:a16="http://schemas.microsoft.com/office/drawing/2014/main" id="{990549C9-08ED-D66C-B1DE-9D5A8B091FC6}"/>
+                </a:ext>
+              </a:extLst>
+            </p:cNvPr>
+            <p:cNvSpPr/>
+            <p:nvPr/>
+          </p:nvSpPr>
+          <p:spPr>
+            <a:xfrm>
+              <a:off x="12091183" y="16721827"/>
+              <a:ext cx="72000" cy="288000"/>
+            </a:xfrm>
+            <a:prstGeom prst="rect">
+              <a:avLst/>
+            </a:prstGeom>
+            <a:solidFill>
+              <a:schemeClr val="bg1">
+                <a:lumMod val="75000"/>
+              </a:schemeClr>
+            </a:solidFill>
+            <a:ln>
+              <a:solidFill>
+                <a:schemeClr val="bg1">
+                  <a:lumMod val="75000"/>
+                </a:schemeClr>
+              </a:solidFill>
+            </a:ln>
+          </p:spPr>
+          <p:style>
+            <a:lnRef idx="2">
+              <a:schemeClr val="dk1">
+                <a:shade val="15000"/>
+              </a:schemeClr>
+            </a:lnRef>
+            <a:fillRef idx="1">
+              <a:schemeClr val="dk1"/>
+            </a:fillRef>
+            <a:effectRef idx="0">
+              <a:schemeClr val="dk1"/>
+            </a:effectRef>
+            <a:fontRef idx="minor">
+              <a:schemeClr val="lt1"/>
+            </a:fontRef>
+          </p:style>
+          <p:txBody>
+            <a:bodyPr rtlCol="0" anchor="ctr"/>
+            <a:lstStyle/>
+            <a:p>
+              <a:pPr algn="ctr"/>
+              <a:endParaRPr lang="en-ZA"/>
+            </a:p>
+          </p:txBody>
+        </p:sp>
+        <p:sp>
+          <p:nvSpPr>
+            <p:cNvPr id="28" name="Rectangle 27">
+              <a:extLst>
+                <a:ext uri="{FF2B5EF4-FFF2-40B4-BE49-F238E27FC236}">
+                  <a16:creationId xmlns:a16="http://schemas.microsoft.com/office/drawing/2014/main" id="{65B863CC-AE2C-F515-BCFB-8A9D3F5C3F61}"/>
+                </a:ext>
+              </a:extLst>
+            </p:cNvPr>
+            <p:cNvSpPr/>
+            <p:nvPr/>
+          </p:nvSpPr>
+          <p:spPr>
+            <a:xfrm>
+              <a:off x="7935639" y="4503337"/>
+              <a:ext cx="5400000" cy="108000"/>
+            </a:xfrm>
+            <a:prstGeom prst="rect">
+              <a:avLst/>
+            </a:prstGeom>
+          </p:spPr>
+          <p:style>
+            <a:lnRef idx="2">
+              <a:schemeClr val="dk1">
+                <a:shade val="15000"/>
+              </a:schemeClr>
+            </a:lnRef>
+            <a:fillRef idx="1">
+              <a:schemeClr val="dk1"/>
+            </a:fillRef>
+            <a:effectRef idx="0">
+              <a:schemeClr val="dk1"/>
+            </a:effectRef>
+            <a:fontRef idx="minor">
+              <a:schemeClr val="lt1"/>
+            </a:fontRef>
+          </p:style>
+          <p:txBody>
+            <a:bodyPr rtlCol="0" anchor="ctr"/>
+            <a:lstStyle/>
+            <a:p>
+              <a:pPr algn="ctr"/>
+              <a:endParaRPr lang="en-ZA"/>
+            </a:p>
+          </p:txBody>
+        </p:sp>
+        <p:sp>
+          <p:nvSpPr>
+            <p:cNvPr id="29" name="Rectangle 28">
+              <a:extLst>
+                <a:ext uri="{FF2B5EF4-FFF2-40B4-BE49-F238E27FC236}">
+                  <a16:creationId xmlns:a16="http://schemas.microsoft.com/office/drawing/2014/main" id="{0EFFF8B3-8D15-E00A-1D5A-545BD7F57FED}"/>
+                </a:ext>
+              </a:extLst>
+            </p:cNvPr>
+            <p:cNvSpPr/>
+            <p:nvPr/>
+          </p:nvSpPr>
+          <p:spPr>
+            <a:xfrm>
+              <a:off x="10005639" y="4900289"/>
+              <a:ext cx="1260000" cy="108000"/>
+            </a:xfrm>
+            <a:prstGeom prst="rect">
+              <a:avLst/>
+            </a:prstGeom>
+          </p:spPr>
+          <p:style>
+            <a:lnRef idx="1">
+              <a:schemeClr val="accent6"/>
+            </a:lnRef>
+            <a:fillRef idx="3">
+              <a:schemeClr val="accent6"/>
+            </a:fillRef>
+            <a:effectRef idx="2">
+              <a:schemeClr val="accent6"/>
+            </a:effectRef>
+            <a:fontRef idx="minor">
+              <a:schemeClr val="lt1"/>
+            </a:fontRef>
+          </p:style>
+          <p:txBody>
+            <a:bodyPr rtlCol="0" anchor="ctr"/>
+            <a:lstStyle/>
+            <a:p>
+              <a:pPr algn="ctr"/>
+              <a:endParaRPr lang="en-ZA"/>
+            </a:p>
+          </p:txBody>
+        </p:sp>
+        <p:sp>
+          <p:nvSpPr>
+            <p:cNvPr id="30" name="Rectangle 29">
+              <a:extLst>
+                <a:ext uri="{FF2B5EF4-FFF2-40B4-BE49-F238E27FC236}">
+                  <a16:creationId xmlns:a16="http://schemas.microsoft.com/office/drawing/2014/main" id="{532B07B5-67F3-4ED6-741F-C667ED285DD4}"/>
+                </a:ext>
+              </a:extLst>
+            </p:cNvPr>
+            <p:cNvSpPr/>
+            <p:nvPr/>
+          </p:nvSpPr>
+          <p:spPr>
+            <a:xfrm>
+              <a:off x="8835639" y="16606614"/>
+              <a:ext cx="3600000" cy="108000"/>
+            </a:xfrm>
+            <a:prstGeom prst="rect">
+              <a:avLst/>
+            </a:prstGeom>
+          </p:spPr>
+          <p:style>
+            <a:lnRef idx="1">
+              <a:schemeClr val="accent6"/>
+            </a:lnRef>
+            <a:fillRef idx="3">
+              <a:schemeClr val="accent6"/>
+            </a:fillRef>
+            <a:effectRef idx="2">
+              <a:schemeClr val="accent6"/>
+            </a:effectRef>
+            <a:fontRef idx="minor">
+              <a:schemeClr val="lt1"/>
+            </a:fontRef>
+          </p:style>
+          <p:txBody>
+            <a:bodyPr rtlCol="0" anchor="ctr"/>
+            <a:lstStyle/>
+            <a:p>
+              <a:pPr algn="ctr"/>
+              <a:endParaRPr lang="en-ZA"/>
+            </a:p>
+          </p:txBody>
+        </p:sp>
+        <p:sp>
+          <p:nvSpPr>
+            <p:cNvPr id="31" name="Rectangle 30">
+              <a:extLst>
+                <a:ext uri="{FF2B5EF4-FFF2-40B4-BE49-F238E27FC236}">
+                  <a16:creationId xmlns:a16="http://schemas.microsoft.com/office/drawing/2014/main" id="{8921D944-1C21-2840-E422-7BC68107C6A0}"/>
+                </a:ext>
+              </a:extLst>
+            </p:cNvPr>
+            <p:cNvSpPr/>
+            <p:nvPr/>
+          </p:nvSpPr>
+          <p:spPr>
+            <a:xfrm>
+              <a:off x="7935639" y="16988188"/>
+              <a:ext cx="5400000" cy="108000"/>
+            </a:xfrm>
+            <a:prstGeom prst="rect">
+              <a:avLst/>
+            </a:prstGeom>
+          </p:spPr>
+          <p:style>
+            <a:lnRef idx="2">
+              <a:schemeClr val="dk1">
+                <a:shade val="15000"/>
+              </a:schemeClr>
+            </a:lnRef>
+            <a:fillRef idx="1">
+              <a:schemeClr val="dk1"/>
+            </a:fillRef>
+            <a:effectRef idx="0">
+              <a:schemeClr val="dk1"/>
+            </a:effectRef>
+            <a:fontRef idx="minor">
+              <a:schemeClr val="lt1"/>
+            </a:fontRef>
+          </p:style>
+          <p:txBody>
+            <a:bodyPr rtlCol="0" anchor="ctr"/>
+            <a:lstStyle/>
+            <a:p>
+              <a:pPr algn="ctr"/>
+              <a:endParaRPr lang="en-ZA"/>
+            </a:p>
+          </p:txBody>
+        </p:sp>
+        <p:sp>
+          <p:nvSpPr>
+            <p:cNvPr id="34" name="Rectangle 33">
+              <a:extLst>
+                <a:ext uri="{FF2B5EF4-FFF2-40B4-BE49-F238E27FC236}">
+                  <a16:creationId xmlns:a16="http://schemas.microsoft.com/office/drawing/2014/main" id="{375DDF31-4EE1-2069-B5E8-6BC0486397F4}"/>
+                </a:ext>
+              </a:extLst>
+            </p:cNvPr>
+            <p:cNvSpPr/>
+            <p:nvPr/>
+          </p:nvSpPr>
+          <p:spPr>
+            <a:xfrm>
+              <a:off x="7935639" y="3604357"/>
+              <a:ext cx="72000" cy="288000"/>
+            </a:xfrm>
+            <a:prstGeom prst="rect">
+              <a:avLst/>
+            </a:prstGeom>
+            <a:solidFill>
+              <a:schemeClr val="bg1">
+                <a:lumMod val="75000"/>
+              </a:schemeClr>
+            </a:solidFill>
+            <a:ln>
+              <a:solidFill>
+                <a:schemeClr val="bg1">
+                  <a:lumMod val="75000"/>
+                </a:schemeClr>
+              </a:solidFill>
+            </a:ln>
+          </p:spPr>
+          <p:style>
+            <a:lnRef idx="2">
+              <a:schemeClr val="dk1">
+                <a:shade val="15000"/>
+              </a:schemeClr>
+            </a:lnRef>
+            <a:fillRef idx="1">
+              <a:schemeClr val="dk1"/>
+            </a:fillRef>
+            <a:effectRef idx="0">
+              <a:schemeClr val="dk1"/>
+            </a:effectRef>
+            <a:fontRef idx="minor">
+              <a:schemeClr val="lt1"/>
+            </a:fontRef>
+          </p:style>
+          <p:txBody>
+            <a:bodyPr rtlCol="0" anchor="ctr"/>
+            <a:lstStyle/>
+            <a:p>
+              <a:pPr algn="ctr"/>
+              <a:endParaRPr lang="en-ZA"/>
+            </a:p>
+          </p:txBody>
+        </p:sp>
+        <p:sp>
+          <p:nvSpPr>
+            <p:cNvPr id="35" name="Rectangle 34">
+              <a:extLst>
+                <a:ext uri="{FF2B5EF4-FFF2-40B4-BE49-F238E27FC236}">
+                  <a16:creationId xmlns:a16="http://schemas.microsoft.com/office/drawing/2014/main" id="{624C5F23-5D1C-0B8D-8739-862F8ECC7CDC}"/>
+                </a:ext>
+              </a:extLst>
+            </p:cNvPr>
+            <p:cNvSpPr/>
+            <p:nvPr/>
+          </p:nvSpPr>
+          <p:spPr>
+            <a:xfrm>
+              <a:off x="13263639" y="3604357"/>
+              <a:ext cx="72000" cy="288000"/>
+            </a:xfrm>
+            <a:prstGeom prst="rect">
+              <a:avLst/>
+            </a:prstGeom>
+            <a:solidFill>
+              <a:schemeClr val="bg1">
+                <a:lumMod val="75000"/>
+              </a:schemeClr>
+            </a:solidFill>
+            <a:ln>
+              <a:solidFill>
+                <a:schemeClr val="bg1">
+                  <a:lumMod val="75000"/>
+                </a:schemeClr>
+              </a:solidFill>
+            </a:ln>
+          </p:spPr>
+          <p:style>
+            <a:lnRef idx="2">
+              <a:schemeClr val="dk1">
+                <a:shade val="15000"/>
+              </a:schemeClr>
+            </a:lnRef>
+            <a:fillRef idx="1">
+              <a:schemeClr val="dk1"/>
+            </a:fillRef>
+            <a:effectRef idx="0">
+              <a:schemeClr val="dk1"/>
+            </a:effectRef>
+            <a:fontRef idx="minor">
+              <a:schemeClr val="lt1"/>
+            </a:fontRef>
+          </p:style>
+          <p:txBody>
+            <a:bodyPr rtlCol="0" anchor="ctr"/>
+            <a:lstStyle/>
+            <a:p>
+              <a:pPr algn="ctr"/>
+              <a:endParaRPr lang="en-ZA"/>
+            </a:p>
+          </p:txBody>
+        </p:sp>
+        <p:sp>
+          <p:nvSpPr>
+            <p:cNvPr id="33" name="Rectangle 32">
+              <a:extLst>
+                <a:ext uri="{FF2B5EF4-FFF2-40B4-BE49-F238E27FC236}">
+                  <a16:creationId xmlns:a16="http://schemas.microsoft.com/office/drawing/2014/main" id="{C5DA82DE-90BF-2298-4E88-E98EFEA1FD04}"/>
+                </a:ext>
+              </a:extLst>
+            </p:cNvPr>
+            <p:cNvSpPr/>
+            <p:nvPr/>
+          </p:nvSpPr>
+          <p:spPr>
+            <a:xfrm>
+              <a:off x="7665639" y="3486431"/>
+              <a:ext cx="5940000" cy="108000"/>
+            </a:xfrm>
+            <a:prstGeom prst="rect">
+              <a:avLst/>
+            </a:prstGeom>
+            <a:solidFill>
+              <a:srgbClr val="FFC000"/>
+            </a:solidFill>
+            <a:ln>
+              <a:solidFill>
+                <a:srgbClr val="FFC000"/>
+              </a:solidFill>
+            </a:ln>
+          </p:spPr>
+          <p:style>
+            <a:lnRef idx="2">
+              <a:schemeClr val="dk1">
+                <a:shade val="15000"/>
+              </a:schemeClr>
+            </a:lnRef>
+            <a:fillRef idx="1">
+              <a:schemeClr val="dk1"/>
+            </a:fillRef>
+            <a:effectRef idx="0">
+              <a:schemeClr val="dk1"/>
+            </a:effectRef>
+            <a:fontRef idx="minor">
+              <a:schemeClr val="lt1"/>
+            </a:fontRef>
+          </p:style>
+          <p:txBody>
+            <a:bodyPr rtlCol="0" anchor="ctr"/>
+            <a:lstStyle/>
+            <a:p>
+              <a:pPr algn="ctr"/>
+              <a:endParaRPr lang="en-ZA"/>
+            </a:p>
+          </p:txBody>
+        </p:sp>
+        <p:sp>
+          <p:nvSpPr>
+            <p:cNvPr id="36" name="Rectangle 35">
+              <a:extLst>
+                <a:ext uri="{FF2B5EF4-FFF2-40B4-BE49-F238E27FC236}">
+                  <a16:creationId xmlns:a16="http://schemas.microsoft.com/office/drawing/2014/main" id="{6380E9D0-F996-CF19-35FF-74150C496D3E}"/>
+                </a:ext>
+              </a:extLst>
+            </p:cNvPr>
+            <p:cNvSpPr/>
+            <p:nvPr/>
+          </p:nvSpPr>
+          <p:spPr>
+            <a:xfrm>
+              <a:off x="14010967" y="8390022"/>
+              <a:ext cx="5534671" cy="5265017"/>
+            </a:xfrm>
+            <a:prstGeom prst="rect">
+              <a:avLst/>
+            </a:prstGeom>
+            <a:solidFill>
+              <a:srgbClr val="FFC000"/>
+            </a:solidFill>
+            <a:ln>
+              <a:solidFill>
+                <a:srgbClr val="FFC000"/>
+              </a:solidFill>
+            </a:ln>
+          </p:spPr>
+          <p:style>
+            <a:lnRef idx="2">
+              <a:schemeClr val="dk1">
+                <a:shade val="15000"/>
+              </a:schemeClr>
+            </a:lnRef>
+            <a:fillRef idx="1">
+              <a:schemeClr val="dk1"/>
+            </a:fillRef>
+            <a:effectRef idx="0">
+              <a:schemeClr val="dk1"/>
+            </a:effectRef>
+            <a:fontRef idx="minor">
+              <a:schemeClr val="lt1"/>
+            </a:fontRef>
+          </p:style>
+          <p:txBody>
+            <a:bodyPr rtlCol="0" anchor="ctr"/>
+            <a:lstStyle/>
+            <a:p>
+              <a:pPr algn="ctr"/>
+              <a:endParaRPr lang="en-ZA"/>
+            </a:p>
+          </p:txBody>
+        </p:sp>
+        <p:sp>
+          <p:nvSpPr>
+            <p:cNvPr id="32" name="Rectangle: Rounded Corners 31">
+              <a:extLst>
+                <a:ext uri="{FF2B5EF4-FFF2-40B4-BE49-F238E27FC236}">
+                  <a16:creationId xmlns:a16="http://schemas.microsoft.com/office/drawing/2014/main" id="{882E72FE-2BE3-F70C-A09F-FE908E8B58F4}"/>
+                </a:ext>
+              </a:extLst>
+            </p:cNvPr>
+            <p:cNvSpPr/>
+            <p:nvPr/>
+          </p:nvSpPr>
+          <p:spPr>
+            <a:xfrm>
+              <a:off x="915639" y="3902283"/>
+              <a:ext cx="19440000" cy="337404"/>
+            </a:xfrm>
+            <a:prstGeom prst="roundRect">
+              <a:avLst/>
+            </a:prstGeom>
+          </p:spPr>
+          <p:style>
+            <a:lnRef idx="2">
+              <a:schemeClr val="dk1">
+                <a:shade val="15000"/>
+              </a:schemeClr>
+            </a:lnRef>
+            <a:fillRef idx="1">
+              <a:schemeClr val="dk1"/>
+            </a:fillRef>
+            <a:effectRef idx="0">
+              <a:schemeClr val="dk1"/>
+            </a:effectRef>
+            <a:fontRef idx="minor">
+              <a:schemeClr val="lt1"/>
+            </a:fontRef>
+          </p:style>
+          <p:txBody>
+            <a:bodyPr rtlCol="0" anchor="ctr"/>
+            <a:lstStyle/>
+            <a:p>
+              <a:pPr algn="ctr"/>
+              <a:endParaRPr lang="en-ZA"/>
+            </a:p>
+          </p:txBody>
+        </p:sp>
+        <p:sp>
+          <p:nvSpPr>
+            <p:cNvPr id="37" name="TextBox 36">
+              <a:extLst>
+                <a:ext uri="{FF2B5EF4-FFF2-40B4-BE49-F238E27FC236}">
+                  <a16:creationId xmlns:a16="http://schemas.microsoft.com/office/drawing/2014/main" id="{B4E3A0CC-74FB-6A4C-47F4-A33A2701E681}"/>
+                </a:ext>
+              </a:extLst>
+            </p:cNvPr>
+            <p:cNvSpPr txBox="1"/>
+            <p:nvPr/>
+          </p:nvSpPr>
+          <p:spPr>
+            <a:xfrm>
+              <a:off x="8793788" y="2739280"/>
+              <a:ext cx="5064160" cy="707886"/>
+            </a:xfrm>
+            <a:prstGeom prst="rect">
+              <a:avLst/>
+            </a:prstGeom>
+            <a:noFill/>
+          </p:spPr>
+          <p:txBody>
+            <a:bodyPr wrap="square" rtlCol="0">
+              <a:spAutoFit/>
+            </a:bodyPr>
+            <a:lstStyle/>
+            <a:p>
+              <a:r>
+                <a:rPr lang="en-US" sz="4000" dirty="0"/>
+                <a:t>STM32 Mounting</a:t>
+              </a:r>
+              <a:endParaRPr lang="en-ZA" sz="4000" dirty="0"/>
+            </a:p>
+          </p:txBody>
+        </p:sp>
+        <p:sp>
+          <p:nvSpPr>
+            <p:cNvPr id="38" name="TextBox 37">
+              <a:extLst>
+                <a:ext uri="{FF2B5EF4-FFF2-40B4-BE49-F238E27FC236}">
+                  <a16:creationId xmlns:a16="http://schemas.microsoft.com/office/drawing/2014/main" id="{C98BC853-E5BA-ACAF-0A77-B63BA717FA18}"/>
+                </a:ext>
+              </a:extLst>
+            </p:cNvPr>
+            <p:cNvSpPr txBox="1"/>
+            <p:nvPr/>
+          </p:nvSpPr>
+          <p:spPr>
+            <a:xfrm>
+              <a:off x="14010967" y="7603289"/>
+              <a:ext cx="5064160" cy="707886"/>
+            </a:xfrm>
+            <a:prstGeom prst="rect">
+              <a:avLst/>
+            </a:prstGeom>
+            <a:noFill/>
+          </p:spPr>
+          <p:txBody>
+            <a:bodyPr wrap="square" rtlCol="0">
+              <a:spAutoFit/>
+            </a:bodyPr>
+            <a:lstStyle/>
+            <a:p>
+              <a:r>
+                <a:rPr lang="en-US" sz="4000" dirty="0"/>
+                <a:t>STM32 Mounting</a:t>
+              </a:r>
+              <a:endParaRPr lang="en-ZA" sz="4000" dirty="0"/>
+            </a:p>
+          </p:txBody>
+        </p:sp>
+        <p:sp>
+          <p:nvSpPr>
+            <p:cNvPr id="39" name="TextBox 38">
+              <a:extLst>
+                <a:ext uri="{FF2B5EF4-FFF2-40B4-BE49-F238E27FC236}">
+                  <a16:creationId xmlns:a16="http://schemas.microsoft.com/office/drawing/2014/main" id="{8F700A9A-C267-610B-45E9-766427006E3E}"/>
+                </a:ext>
+              </a:extLst>
+            </p:cNvPr>
+            <p:cNvSpPr txBox="1"/>
+            <p:nvPr/>
+          </p:nvSpPr>
+          <p:spPr>
+            <a:xfrm>
+              <a:off x="8191898" y="5083459"/>
+              <a:ext cx="5064160" cy="707886"/>
+            </a:xfrm>
+            <a:prstGeom prst="rect">
+              <a:avLst/>
+            </a:prstGeom>
+            <a:noFill/>
+          </p:spPr>
+          <p:txBody>
+            <a:bodyPr wrap="square" rtlCol="0">
+              <a:spAutoFit/>
+            </a:bodyPr>
+            <a:lstStyle/>
+            <a:p>
+              <a:pPr algn="ctr"/>
+              <a:r>
+                <a:rPr lang="en-US" sz="4000" dirty="0"/>
+                <a:t>Sensors</a:t>
+              </a:r>
+              <a:endParaRPr lang="en-ZA" sz="4000" dirty="0"/>
+            </a:p>
+          </p:txBody>
+        </p:sp>
+        <p:sp>
+          <p:nvSpPr>
+            <p:cNvPr id="40" name="TextBox 39">
+              <a:extLst>
+                <a:ext uri="{FF2B5EF4-FFF2-40B4-BE49-F238E27FC236}">
+                  <a16:creationId xmlns:a16="http://schemas.microsoft.com/office/drawing/2014/main" id="{A65B73BF-FCBF-C972-859C-1784F445FD80}"/>
+                </a:ext>
+              </a:extLst>
+            </p:cNvPr>
+            <p:cNvSpPr txBox="1"/>
+            <p:nvPr/>
+          </p:nvSpPr>
+          <p:spPr>
+            <a:xfrm>
+              <a:off x="9262957" y="15774529"/>
+              <a:ext cx="2790092" cy="707886"/>
+            </a:xfrm>
+            <a:prstGeom prst="rect">
+              <a:avLst/>
+            </a:prstGeom>
+            <a:noFill/>
+          </p:spPr>
+          <p:txBody>
+            <a:bodyPr wrap="square" rtlCol="0">
+              <a:spAutoFit/>
+            </a:bodyPr>
+            <a:lstStyle/>
+            <a:p>
+              <a:pPr algn="ctr"/>
+              <a:r>
+                <a:rPr lang="en-US" sz="4000" dirty="0"/>
+                <a:t>LEDs</a:t>
+              </a:r>
+              <a:endParaRPr lang="en-ZA" sz="4000" dirty="0"/>
+            </a:p>
+          </p:txBody>
+        </p:sp>
+        <p:sp>
+          <p:nvSpPr>
+            <p:cNvPr id="41" name="Rectangle: Rounded Corners 40">
+              <a:extLst>
+                <a:ext uri="{FF2B5EF4-FFF2-40B4-BE49-F238E27FC236}">
+                  <a16:creationId xmlns:a16="http://schemas.microsoft.com/office/drawing/2014/main" id="{2630C491-26F6-77D8-D524-B803A6972266}"/>
+                </a:ext>
+              </a:extLst>
+            </p:cNvPr>
+            <p:cNvSpPr/>
+            <p:nvPr/>
+          </p:nvSpPr>
+          <p:spPr>
+            <a:xfrm>
+              <a:off x="13507655" y="8595147"/>
+              <a:ext cx="350293" cy="1400874"/>
+            </a:xfrm>
+            <a:prstGeom prst="roundRect">
+              <a:avLst/>
+            </a:prstGeom>
+            <a:solidFill>
+              <a:schemeClr val="bg1"/>
+            </a:solidFill>
+            <a:ln w="28575">
+              <a:solidFill>
+                <a:schemeClr val="tx1"/>
+              </a:solidFill>
+            </a:ln>
+          </p:spPr>
+          <p:style>
+            <a:lnRef idx="2">
+              <a:schemeClr val="accent1">
+                <a:shade val="15000"/>
+              </a:schemeClr>
+            </a:lnRef>
+            <a:fillRef idx="1">
+              <a:schemeClr val="accent1"/>
+            </a:fillRef>
+            <a:effectRef idx="0">
+              <a:schemeClr val="accent1"/>
+            </a:effectRef>
+            <a:fontRef idx="minor">
+              <a:schemeClr val="lt1"/>
+            </a:fontRef>
+          </p:style>
+          <p:txBody>
+            <a:bodyPr rtlCol="0" anchor="ctr"/>
+            <a:lstStyle/>
+            <a:p>
+              <a:pPr algn="ctr"/>
+              <a:endParaRPr lang="en-ZA"/>
+            </a:p>
+          </p:txBody>
+        </p:sp>
+        <p:sp>
+          <p:nvSpPr>
+            <p:cNvPr id="42" name="TextBox 41">
+              <a:extLst>
+                <a:ext uri="{FF2B5EF4-FFF2-40B4-BE49-F238E27FC236}">
+                  <a16:creationId xmlns:a16="http://schemas.microsoft.com/office/drawing/2014/main" id="{6017BFCA-6A27-BA0A-E5D4-0EA8CE2DC600}"/>
+                </a:ext>
+              </a:extLst>
+            </p:cNvPr>
+            <p:cNvSpPr txBox="1"/>
+            <p:nvPr/>
+          </p:nvSpPr>
+          <p:spPr>
+            <a:xfrm>
+              <a:off x="12053713" y="8364449"/>
+              <a:ext cx="1629088" cy="1938992"/>
+            </a:xfrm>
+            <a:prstGeom prst="rect">
+              <a:avLst/>
+            </a:prstGeom>
+            <a:noFill/>
+          </p:spPr>
+          <p:txBody>
+            <a:bodyPr wrap="square" rtlCol="0">
+              <a:spAutoFit/>
+            </a:bodyPr>
+            <a:lstStyle/>
+            <a:p>
+              <a:r>
+                <a:rPr lang="en-US" sz="4000" dirty="0"/>
+                <a:t>Hole for wires</a:t>
+              </a:r>
+              <a:endParaRPr lang="en-ZA" sz="4000" dirty="0"/>
+            </a:p>
+          </p:txBody>
+        </p:sp>
+        <p:sp>
+          <p:nvSpPr>
+            <p:cNvPr id="43" name="Rectangle: Rounded Corners 42">
+              <a:extLst>
+                <a:ext uri="{FF2B5EF4-FFF2-40B4-BE49-F238E27FC236}">
+                  <a16:creationId xmlns:a16="http://schemas.microsoft.com/office/drawing/2014/main" id="{7F66A8CE-9C4A-B78A-AF86-C7A28B01887E}"/>
+                </a:ext>
+              </a:extLst>
+            </p:cNvPr>
+            <p:cNvSpPr/>
+            <p:nvPr/>
+          </p:nvSpPr>
+          <p:spPr>
+            <a:xfrm>
+              <a:off x="6768281" y="3826210"/>
+              <a:ext cx="350293" cy="489550"/>
+            </a:xfrm>
+            <a:prstGeom prst="roundRect">
+              <a:avLst/>
+            </a:prstGeom>
+            <a:solidFill>
+              <a:schemeClr val="bg1"/>
+            </a:solidFill>
+            <a:ln w="28575">
+              <a:solidFill>
+                <a:schemeClr val="bg1"/>
+              </a:solidFill>
+            </a:ln>
+          </p:spPr>
+          <p:style>
+            <a:lnRef idx="2">
+              <a:schemeClr val="accent1">
+                <a:shade val="15000"/>
+              </a:schemeClr>
+            </a:lnRef>
+            <a:fillRef idx="1">
+              <a:schemeClr val="accent1"/>
+            </a:fillRef>
+            <a:effectRef idx="0">
+              <a:schemeClr val="accent1"/>
+            </a:effectRef>
+            <a:fontRef idx="minor">
+              <a:schemeClr val="lt1"/>
+            </a:fontRef>
+          </p:style>
+          <p:txBody>
+            <a:bodyPr rtlCol="0" anchor="ctr"/>
+            <a:lstStyle/>
+            <a:p>
+              <a:pPr algn="ctr"/>
+              <a:endParaRPr lang="en-ZA"/>
+            </a:p>
+          </p:txBody>
+        </p:sp>
+        <p:sp>
+          <p:nvSpPr>
+            <p:cNvPr id="44" name="TextBox 43">
+              <a:extLst>
+                <a:ext uri="{FF2B5EF4-FFF2-40B4-BE49-F238E27FC236}">
+                  <a16:creationId xmlns:a16="http://schemas.microsoft.com/office/drawing/2014/main" id="{A9220A1F-59BA-5699-FC1D-97FA88B11A8F}"/>
+                </a:ext>
+              </a:extLst>
+            </p:cNvPr>
+            <p:cNvSpPr txBox="1"/>
+            <p:nvPr/>
+          </p:nvSpPr>
+          <p:spPr>
+            <a:xfrm>
+              <a:off x="4766733" y="4376003"/>
+              <a:ext cx="3204482" cy="707886"/>
+            </a:xfrm>
+            <a:prstGeom prst="rect">
+              <a:avLst/>
+            </a:prstGeom>
+            <a:noFill/>
+          </p:spPr>
+          <p:txBody>
+            <a:bodyPr wrap="square" rtlCol="0">
+              <a:spAutoFit/>
+            </a:bodyPr>
+            <a:lstStyle/>
+            <a:p>
+              <a:r>
+                <a:rPr lang="en-US" sz="4000" dirty="0"/>
+                <a:t>Hole for wires</a:t>
+              </a:r>
+              <a:endParaRPr lang="en-ZA" sz="4000" dirty="0"/>
+            </a:p>
+          </p:txBody>
+        </p:sp>
+        <p:sp>
+          <p:nvSpPr>
+            <p:cNvPr id="45" name="Rectangle: Rounded Corners 44">
+              <a:extLst>
+                <a:ext uri="{FF2B5EF4-FFF2-40B4-BE49-F238E27FC236}">
+                  <a16:creationId xmlns:a16="http://schemas.microsoft.com/office/drawing/2014/main" id="{0FF0895C-2CB7-5C38-0156-57CFECCB2181}"/>
+                </a:ext>
+              </a:extLst>
+            </p:cNvPr>
+            <p:cNvSpPr/>
+            <p:nvPr/>
+          </p:nvSpPr>
+          <p:spPr>
+            <a:xfrm>
+              <a:off x="14124121" y="3821248"/>
+              <a:ext cx="350293" cy="489550"/>
+            </a:xfrm>
+            <a:prstGeom prst="roundRect">
+              <a:avLst/>
+            </a:prstGeom>
+            <a:solidFill>
+              <a:schemeClr val="bg1"/>
+            </a:solidFill>
+            <a:ln w="28575">
+              <a:solidFill>
+                <a:schemeClr val="bg1"/>
+              </a:solidFill>
+            </a:ln>
+          </p:spPr>
+          <p:style>
+            <a:lnRef idx="2">
+              <a:schemeClr val="accent1">
+                <a:shade val="15000"/>
+              </a:schemeClr>
+            </a:lnRef>
+            <a:fillRef idx="1">
+              <a:schemeClr val="accent1"/>
+            </a:fillRef>
+            <a:effectRef idx="0">
+              <a:schemeClr val="accent1"/>
+            </a:effectRef>
+            <a:fontRef idx="minor">
+              <a:schemeClr val="lt1"/>
+            </a:fontRef>
+          </p:style>
+          <p:txBody>
+            <a:bodyPr rtlCol="0" anchor="ctr"/>
+            <a:lstStyle/>
+            <a:p>
+              <a:pPr algn="ctr"/>
+              <a:endParaRPr lang="en-ZA"/>
+            </a:p>
+          </p:txBody>
+        </p:sp>
+        <p:sp>
+          <p:nvSpPr>
+            <p:cNvPr id="46" name="TextBox 45">
+              <a:extLst>
+                <a:ext uri="{FF2B5EF4-FFF2-40B4-BE49-F238E27FC236}">
+                  <a16:creationId xmlns:a16="http://schemas.microsoft.com/office/drawing/2014/main" id="{ED1FEB5D-E6F2-62C1-0CC8-9100E702025A}"/>
+                </a:ext>
+              </a:extLst>
+            </p:cNvPr>
+            <p:cNvSpPr txBox="1"/>
+            <p:nvPr/>
+          </p:nvSpPr>
+          <p:spPr>
+            <a:xfrm>
+              <a:off x="13791174" y="4239687"/>
+              <a:ext cx="3204482" cy="707886"/>
+            </a:xfrm>
+            <a:prstGeom prst="rect">
+              <a:avLst/>
+            </a:prstGeom>
+            <a:noFill/>
+          </p:spPr>
+          <p:txBody>
+            <a:bodyPr wrap="square" rtlCol="0">
+              <a:spAutoFit/>
+            </a:bodyPr>
+            <a:lstStyle/>
+            <a:p>
+              <a:r>
+                <a:rPr lang="en-US" sz="4000" dirty="0"/>
+                <a:t>Hole for wires</a:t>
+              </a:r>
+              <a:endParaRPr lang="en-ZA" sz="4000" dirty="0"/>
+            </a:p>
+          </p:txBody>
+        </p:sp>
+      </p:grpSp>
     </p:spTree>
     <p:extLst>
       <p:ext uri="{BB962C8B-B14F-4D97-AF65-F5344CB8AC3E}">
@@ -3691,7 +4498,7 @@
         </p:nvSpPr>
         <p:spPr>
           <a:xfrm>
-            <a:off x="6119762" y="630106"/>
+            <a:off x="6335662" y="4229762"/>
             <a:ext cx="9360000" cy="13140000"/>
           </a:xfrm>
           <a:prstGeom prst="rect">
@@ -3747,8 +4554,8 @@
         </p:nvSpPr>
         <p:spPr>
           <a:xfrm>
-            <a:off x="6389248" y="260774"/>
-            <a:ext cx="2790092" cy="369332"/>
+            <a:off x="6605148" y="3860430"/>
+            <a:ext cx="2790092" cy="427938"/>
           </a:xfrm>
           <a:prstGeom prst="rect">
             <a:avLst/>
@@ -3783,8 +4590,8 @@
         </p:nvSpPr>
         <p:spPr>
           <a:xfrm>
-            <a:off x="6389248" y="13922251"/>
-            <a:ext cx="2790092" cy="369332"/>
+            <a:off x="6605148" y="17521907"/>
+            <a:ext cx="2790092" cy="427938"/>
           </a:xfrm>
           <a:prstGeom prst="rect">
             <a:avLst/>
@@ -3819,7 +4626,7 @@
         </p:nvSpPr>
         <p:spPr>
           <a:xfrm>
-            <a:off x="8099762" y="13388532"/>
+            <a:off x="8315662" y="16988188"/>
             <a:ext cx="5400000" cy="108000"/>
           </a:xfrm>
           <a:prstGeom prst="rect">
@@ -3865,7 +4672,7 @@
         </p:nvSpPr>
         <p:spPr>
           <a:xfrm>
-            <a:off x="8099762" y="903681"/>
+            <a:off x="8315662" y="4503337"/>
             <a:ext cx="5400000" cy="108000"/>
           </a:xfrm>
           <a:prstGeom prst="rect">
@@ -3911,7 +4718,7 @@
         </p:nvSpPr>
         <p:spPr>
           <a:xfrm>
-            <a:off x="8999762" y="13006958"/>
+            <a:off x="9215662" y="16606614"/>
             <a:ext cx="3600000" cy="108000"/>
           </a:xfrm>
           <a:prstGeom prst="rect">
@@ -3957,7 +4764,7 @@
         </p:nvSpPr>
         <p:spPr>
           <a:xfrm>
-            <a:off x="10371121" y="1300633"/>
+            <a:off x="10587021" y="4900289"/>
             <a:ext cx="828000" cy="108000"/>
           </a:xfrm>
           <a:prstGeom prst="rect">
@@ -4003,7 +4810,7 @@
         </p:nvSpPr>
         <p:spPr>
           <a:xfrm>
-            <a:off x="8473440" y="630106"/>
+            <a:off x="8689340" y="4229762"/>
             <a:ext cx="72000" cy="288000"/>
           </a:xfrm>
           <a:prstGeom prst="rect">
@@ -4049,7 +4856,7 @@
         </p:nvSpPr>
         <p:spPr>
           <a:xfrm>
-            <a:off x="13053012" y="630106"/>
+            <a:off x="13268912" y="4229762"/>
             <a:ext cx="72000" cy="288000"/>
           </a:xfrm>
           <a:prstGeom prst="rect">
@@ -4095,7 +4902,7 @@
         </p:nvSpPr>
         <p:spPr>
           <a:xfrm>
-            <a:off x="8437440" y="13474893"/>
+            <a:off x="8653340" y="17074549"/>
             <a:ext cx="72000" cy="288000"/>
           </a:xfrm>
           <a:prstGeom prst="rect">
@@ -4141,7 +4948,7 @@
         </p:nvSpPr>
         <p:spPr>
           <a:xfrm>
-            <a:off x="13017012" y="13474893"/>
+            <a:off x="13232912" y="17074549"/>
             <a:ext cx="72000" cy="288000"/>
           </a:xfrm>
           <a:prstGeom prst="rect">
@@ -4187,7 +4994,7 @@
         </p:nvSpPr>
         <p:spPr>
           <a:xfrm>
-            <a:off x="10510679" y="997255"/>
+            <a:off x="10726579" y="4596911"/>
             <a:ext cx="72000" cy="288000"/>
           </a:xfrm>
           <a:prstGeom prst="rect">
@@ -4233,7 +5040,7 @@
         </p:nvSpPr>
         <p:spPr>
           <a:xfrm>
-            <a:off x="11016846" y="1012633"/>
+            <a:off x="11232746" y="4612289"/>
             <a:ext cx="72000" cy="288000"/>
           </a:xfrm>
           <a:prstGeom prst="rect">
@@ -4279,7 +5086,7 @@
         </p:nvSpPr>
         <p:spPr>
           <a:xfrm>
-            <a:off x="9272220" y="13122171"/>
+            <a:off x="9488120" y="16721827"/>
             <a:ext cx="72000" cy="288000"/>
           </a:xfrm>
           <a:prstGeom prst="rect">
@@ -4325,7 +5132,7 @@
         </p:nvSpPr>
         <p:spPr>
           <a:xfrm>
-            <a:off x="12255306" y="13122171"/>
+            <a:off x="12471206" y="16721827"/>
             <a:ext cx="72000" cy="288000"/>
           </a:xfrm>
           <a:prstGeom prst="rect">
@@ -4361,6 +5168,339 @@
     <p:extLst>
       <p:ext uri="{BB962C8B-B14F-4D97-AF65-F5344CB8AC3E}">
         <p14:creationId xmlns:p14="http://schemas.microsoft.com/office/powerpoint/2010/main" val="2313316515"/>
+      </p:ext>
+    </p:extLst>
+  </p:cSld>
+  <p:clrMapOvr>
+    <a:masterClrMapping/>
+  </p:clrMapOvr>
+</p:sld>
+</file>
+
+<file path=ppt/slides/slide3.xml><?xml version="1.0" encoding="utf-8"?>
+<p:sld xmlns:a="http://schemas.openxmlformats.org/drawingml/2006/main" xmlns:r="http://schemas.openxmlformats.org/officeDocument/2006/relationships" xmlns:p="http://schemas.openxmlformats.org/presentationml/2006/main">
+  <p:cSld>
+    <p:spTree>
+      <p:nvGrpSpPr>
+        <p:cNvPr id="1" name=""/>
+        <p:cNvGrpSpPr/>
+        <p:nvPr/>
+      </p:nvGrpSpPr>
+      <p:grpSpPr>
+        <a:xfrm>
+          <a:off x="0" y="0"/>
+          <a:ext cx="0" cy="0"/>
+          <a:chOff x="0" y="0"/>
+          <a:chExt cx="0" cy="0"/>
+        </a:xfrm>
+      </p:grpSpPr>
+      <p:sp>
+        <p:nvSpPr>
+          <p:cNvPr id="4" name="Isosceles Triangle 3">
+            <a:extLst>
+              <a:ext uri="{FF2B5EF4-FFF2-40B4-BE49-F238E27FC236}">
+                <a16:creationId xmlns:a16="http://schemas.microsoft.com/office/drawing/2014/main" id="{93E43D46-D84B-9ECF-ACF4-9ED4371A0BA4}"/>
+              </a:ext>
+            </a:extLst>
+          </p:cNvPr>
+          <p:cNvSpPr/>
+          <p:nvPr/>
+        </p:nvSpPr>
+        <p:spPr>
+          <a:xfrm>
+            <a:off x="5673969" y="8487508"/>
+            <a:ext cx="1188000" cy="972000"/>
+          </a:xfrm>
+          <a:prstGeom prst="triangle">
+            <a:avLst/>
+          </a:prstGeom>
+          <a:ln w="38100"/>
+        </p:spPr>
+        <p:style>
+          <a:lnRef idx="2">
+            <a:schemeClr val="dk1"/>
+          </a:lnRef>
+          <a:fillRef idx="1">
+            <a:schemeClr val="lt1"/>
+          </a:fillRef>
+          <a:effectRef idx="0">
+            <a:schemeClr val="dk1"/>
+          </a:effectRef>
+          <a:fontRef idx="minor">
+            <a:schemeClr val="dk1"/>
+          </a:fontRef>
+        </p:style>
+        <p:txBody>
+          <a:bodyPr rtlCol="0" anchor="ctr"/>
+          <a:lstStyle/>
+          <a:p>
+            <a:pPr algn="ctr"/>
+            <a:endParaRPr lang="en-ZA"/>
+          </a:p>
+        </p:txBody>
+      </p:sp>
+      <p:cxnSp>
+        <p:nvCxnSpPr>
+          <p:cNvPr id="7" name="Straight Connector 6">
+            <a:extLst>
+              <a:ext uri="{FF2B5EF4-FFF2-40B4-BE49-F238E27FC236}">
+                <a16:creationId xmlns:a16="http://schemas.microsoft.com/office/drawing/2014/main" id="{0A6FB4E6-BEA5-F912-161C-8BE33C4ADAD6}"/>
+              </a:ext>
+            </a:extLst>
+          </p:cNvPr>
+          <p:cNvCxnSpPr>
+            <a:cxnSpLocks/>
+          </p:cNvCxnSpPr>
+          <p:nvPr/>
+        </p:nvCxnSpPr>
+        <p:spPr>
+          <a:xfrm>
+            <a:off x="5655969" y="8471096"/>
+            <a:ext cx="1224000" cy="0"/>
+          </a:xfrm>
+          <a:prstGeom prst="line">
+            <a:avLst/>
+          </a:prstGeom>
+          <a:ln w="38100">
+            <a:solidFill>
+              <a:schemeClr val="tx1"/>
+            </a:solidFill>
+          </a:ln>
+        </p:spPr>
+        <p:style>
+          <a:lnRef idx="1">
+            <a:schemeClr val="accent1"/>
+          </a:lnRef>
+          <a:fillRef idx="0">
+            <a:schemeClr val="accent1"/>
+          </a:fillRef>
+          <a:effectRef idx="0">
+            <a:schemeClr val="accent1"/>
+          </a:effectRef>
+          <a:fontRef idx="minor">
+            <a:schemeClr val="tx1"/>
+          </a:fontRef>
+        </p:style>
+      </p:cxnSp>
+      <p:cxnSp>
+        <p:nvCxnSpPr>
+          <p:cNvPr id="9" name="Straight Arrow Connector 8">
+            <a:extLst>
+              <a:ext uri="{FF2B5EF4-FFF2-40B4-BE49-F238E27FC236}">
+                <a16:creationId xmlns:a16="http://schemas.microsoft.com/office/drawing/2014/main" id="{3A5636EC-4617-4D0C-E35D-740CD1715BCF}"/>
+              </a:ext>
+            </a:extLst>
+          </p:cNvPr>
+          <p:cNvCxnSpPr>
+            <a:cxnSpLocks/>
+          </p:cNvCxnSpPr>
+          <p:nvPr/>
+        </p:nvCxnSpPr>
+        <p:spPr>
+          <a:xfrm flipH="1">
+            <a:off x="6980545" y="8107680"/>
+            <a:ext cx="410847" cy="560443"/>
+          </a:xfrm>
+          <a:prstGeom prst="straightConnector1">
+            <a:avLst/>
+          </a:prstGeom>
+          <a:ln w="38100">
+            <a:solidFill>
+              <a:schemeClr val="tx1"/>
+            </a:solidFill>
+            <a:tailEnd type="triangle"/>
+          </a:ln>
+        </p:spPr>
+        <p:style>
+          <a:lnRef idx="1">
+            <a:schemeClr val="accent1"/>
+          </a:lnRef>
+          <a:fillRef idx="0">
+            <a:schemeClr val="accent1"/>
+          </a:fillRef>
+          <a:effectRef idx="0">
+            <a:schemeClr val="accent1"/>
+          </a:effectRef>
+          <a:fontRef idx="minor">
+            <a:schemeClr val="tx1"/>
+          </a:fontRef>
+        </p:style>
+      </p:cxnSp>
+      <p:cxnSp>
+        <p:nvCxnSpPr>
+          <p:cNvPr id="14" name="Straight Connector 13">
+            <a:extLst>
+              <a:ext uri="{FF2B5EF4-FFF2-40B4-BE49-F238E27FC236}">
+                <a16:creationId xmlns:a16="http://schemas.microsoft.com/office/drawing/2014/main" id="{33053F4C-F97F-4B52-CBB3-7F211584D9AC}"/>
+              </a:ext>
+            </a:extLst>
+          </p:cNvPr>
+          <p:cNvCxnSpPr>
+            <a:stCxn id="4" idx="0"/>
+          </p:cNvCxnSpPr>
+          <p:nvPr/>
+        </p:nvCxnSpPr>
+        <p:spPr>
+          <a:xfrm flipV="1">
+            <a:off x="6267969" y="6681216"/>
+            <a:ext cx="0" cy="1806292"/>
+          </a:xfrm>
+          <a:prstGeom prst="line">
+            <a:avLst/>
+          </a:prstGeom>
+          <a:ln w="38100">
+            <a:solidFill>
+              <a:schemeClr val="tx1"/>
+            </a:solidFill>
+          </a:ln>
+        </p:spPr>
+        <p:style>
+          <a:lnRef idx="1">
+            <a:schemeClr val="accent1"/>
+          </a:lnRef>
+          <a:fillRef idx="0">
+            <a:schemeClr val="accent1"/>
+          </a:fillRef>
+          <a:effectRef idx="0">
+            <a:schemeClr val="accent1"/>
+          </a:effectRef>
+          <a:fontRef idx="minor">
+            <a:schemeClr val="tx1"/>
+          </a:fontRef>
+        </p:style>
+      </p:cxnSp>
+      <p:cxnSp>
+        <p:nvCxnSpPr>
+          <p:cNvPr id="16" name="Straight Connector 15">
+            <a:extLst>
+              <a:ext uri="{FF2B5EF4-FFF2-40B4-BE49-F238E27FC236}">
+                <a16:creationId xmlns:a16="http://schemas.microsoft.com/office/drawing/2014/main" id="{4A86B4B9-2343-0B7D-AE66-E7A730FA5C18}"/>
+              </a:ext>
+            </a:extLst>
+          </p:cNvPr>
+          <p:cNvCxnSpPr>
+            <a:stCxn id="4" idx="3"/>
+          </p:cNvCxnSpPr>
+          <p:nvPr/>
+        </p:nvCxnSpPr>
+        <p:spPr>
+          <a:xfrm>
+            <a:off x="6267969" y="9459508"/>
+            <a:ext cx="0" cy="733004"/>
+          </a:xfrm>
+          <a:prstGeom prst="line">
+            <a:avLst/>
+          </a:prstGeom>
+          <a:ln w="38100">
+            <a:solidFill>
+              <a:schemeClr val="tx1"/>
+            </a:solidFill>
+          </a:ln>
+        </p:spPr>
+        <p:style>
+          <a:lnRef idx="1">
+            <a:schemeClr val="accent1"/>
+          </a:lnRef>
+          <a:fillRef idx="0">
+            <a:schemeClr val="accent1"/>
+          </a:fillRef>
+          <a:effectRef idx="0">
+            <a:schemeClr val="accent1"/>
+          </a:effectRef>
+          <a:fontRef idx="minor">
+            <a:schemeClr val="tx1"/>
+          </a:fontRef>
+        </p:style>
+      </p:cxnSp>
+      <p:cxnSp>
+        <p:nvCxnSpPr>
+          <p:cNvPr id="18" name="Straight Connector 17">
+            <a:extLst>
+              <a:ext uri="{FF2B5EF4-FFF2-40B4-BE49-F238E27FC236}">
+                <a16:creationId xmlns:a16="http://schemas.microsoft.com/office/drawing/2014/main" id="{20FD51FF-0AE1-B4BC-4873-CFFBED61FC06}"/>
+              </a:ext>
+            </a:extLst>
+          </p:cNvPr>
+          <p:cNvCxnSpPr/>
+          <p:nvPr/>
+        </p:nvCxnSpPr>
+        <p:spPr>
+          <a:xfrm>
+            <a:off x="5819353" y="10192512"/>
+            <a:ext cx="897231" cy="0"/>
+          </a:xfrm>
+          <a:prstGeom prst="line">
+            <a:avLst/>
+          </a:prstGeom>
+          <a:ln w="38100">
+            <a:solidFill>
+              <a:schemeClr val="tx1"/>
+            </a:solidFill>
+          </a:ln>
+        </p:spPr>
+        <p:style>
+          <a:lnRef idx="1">
+            <a:schemeClr val="accent1"/>
+          </a:lnRef>
+          <a:fillRef idx="0">
+            <a:schemeClr val="accent1"/>
+          </a:fillRef>
+          <a:effectRef idx="0">
+            <a:schemeClr val="accent1"/>
+          </a:effectRef>
+          <a:fontRef idx="minor">
+            <a:schemeClr val="tx1"/>
+          </a:fontRef>
+        </p:style>
+      </p:cxnSp>
+      <p:cxnSp>
+        <p:nvCxnSpPr>
+          <p:cNvPr id="23" name="Straight Arrow Connector 22">
+            <a:extLst>
+              <a:ext uri="{FF2B5EF4-FFF2-40B4-BE49-F238E27FC236}">
+                <a16:creationId xmlns:a16="http://schemas.microsoft.com/office/drawing/2014/main" id="{E341E915-0C8C-77DC-AA8D-21A3426773AD}"/>
+              </a:ext>
+            </a:extLst>
+          </p:cNvPr>
+          <p:cNvCxnSpPr>
+            <a:cxnSpLocks/>
+          </p:cNvCxnSpPr>
+          <p:nvPr/>
+        </p:nvCxnSpPr>
+        <p:spPr>
+          <a:xfrm flipH="1">
+            <a:off x="7099121" y="8387901"/>
+            <a:ext cx="410847" cy="560443"/>
+          </a:xfrm>
+          <a:prstGeom prst="straightConnector1">
+            <a:avLst/>
+          </a:prstGeom>
+          <a:ln w="38100">
+            <a:solidFill>
+              <a:schemeClr val="tx1"/>
+            </a:solidFill>
+            <a:tailEnd type="triangle"/>
+          </a:ln>
+        </p:spPr>
+        <p:style>
+          <a:lnRef idx="1">
+            <a:schemeClr val="accent1"/>
+          </a:lnRef>
+          <a:fillRef idx="0">
+            <a:schemeClr val="accent1"/>
+          </a:fillRef>
+          <a:effectRef idx="0">
+            <a:schemeClr val="accent1"/>
+          </a:effectRef>
+          <a:fontRef idx="minor">
+            <a:schemeClr val="tx1"/>
+          </a:fontRef>
+        </p:style>
+      </p:cxnSp>
+    </p:spTree>
+    <p:extLst>
+      <p:ext uri="{BB962C8B-B14F-4D97-AF65-F5344CB8AC3E}">
+        <p14:creationId xmlns:p14="http://schemas.microsoft.com/office/powerpoint/2010/main" val="1632802614"/>
       </p:ext>
     </p:extLst>
   </p:cSld>

--- a/Testing/Testing rig configuration idea.pptx
+++ b/Testing/Testing rig configuration idea.pptx
@@ -252,7 +252,7 @@
           <a:p>
             <a:fld id="{BA663DEA-3594-42C6-9155-052AF93F8D6F}" type="datetimeFigureOut">
               <a:rPr lang="en-ZA" smtClean="0"/>
-              <a:t>2023/10/22</a:t>
+              <a:t>2023/10/23</a:t>
             </a:fld>
             <a:endParaRPr lang="en-ZA"/>
           </a:p>
@@ -422,7 +422,7 @@
           <a:p>
             <a:fld id="{BA663DEA-3594-42C6-9155-052AF93F8D6F}" type="datetimeFigureOut">
               <a:rPr lang="en-ZA" smtClean="0"/>
-              <a:t>2023/10/22</a:t>
+              <a:t>2023/10/23</a:t>
             </a:fld>
             <a:endParaRPr lang="en-ZA"/>
           </a:p>
@@ -602,7 +602,7 @@
           <a:p>
             <a:fld id="{BA663DEA-3594-42C6-9155-052AF93F8D6F}" type="datetimeFigureOut">
               <a:rPr lang="en-ZA" smtClean="0"/>
-              <a:t>2023/10/22</a:t>
+              <a:t>2023/10/23</a:t>
             </a:fld>
             <a:endParaRPr lang="en-ZA"/>
           </a:p>
@@ -772,7 +772,7 @@
           <a:p>
             <a:fld id="{BA663DEA-3594-42C6-9155-052AF93F8D6F}" type="datetimeFigureOut">
               <a:rPr lang="en-ZA" smtClean="0"/>
-              <a:t>2023/10/22</a:t>
+              <a:t>2023/10/23</a:t>
             </a:fld>
             <a:endParaRPr lang="en-ZA"/>
           </a:p>
@@ -1016,7 +1016,7 @@
           <a:p>
             <a:fld id="{BA663DEA-3594-42C6-9155-052AF93F8D6F}" type="datetimeFigureOut">
               <a:rPr lang="en-ZA" smtClean="0"/>
-              <a:t>2023/10/22</a:t>
+              <a:t>2023/10/23</a:t>
             </a:fld>
             <a:endParaRPr lang="en-ZA"/>
           </a:p>
@@ -1248,7 +1248,7 @@
           <a:p>
             <a:fld id="{BA663DEA-3594-42C6-9155-052AF93F8D6F}" type="datetimeFigureOut">
               <a:rPr lang="en-ZA" smtClean="0"/>
-              <a:t>2023/10/22</a:t>
+              <a:t>2023/10/23</a:t>
             </a:fld>
             <a:endParaRPr lang="en-ZA"/>
           </a:p>
@@ -1615,7 +1615,7 @@
           <a:p>
             <a:fld id="{BA663DEA-3594-42C6-9155-052AF93F8D6F}" type="datetimeFigureOut">
               <a:rPr lang="en-ZA" smtClean="0"/>
-              <a:t>2023/10/22</a:t>
+              <a:t>2023/10/23</a:t>
             </a:fld>
             <a:endParaRPr lang="en-ZA"/>
           </a:p>
@@ -1733,7 +1733,7 @@
           <a:p>
             <a:fld id="{BA663DEA-3594-42C6-9155-052AF93F8D6F}" type="datetimeFigureOut">
               <a:rPr lang="en-ZA" smtClean="0"/>
-              <a:t>2023/10/22</a:t>
+              <a:t>2023/10/23</a:t>
             </a:fld>
             <a:endParaRPr lang="en-ZA"/>
           </a:p>
@@ -1828,7 +1828,7 @@
           <a:p>
             <a:fld id="{BA663DEA-3594-42C6-9155-052AF93F8D6F}" type="datetimeFigureOut">
               <a:rPr lang="en-ZA" smtClean="0"/>
-              <a:t>2023/10/22</a:t>
+              <a:t>2023/10/23</a:t>
             </a:fld>
             <a:endParaRPr lang="en-ZA"/>
           </a:p>
@@ -2105,7 +2105,7 @@
           <a:p>
             <a:fld id="{BA663DEA-3594-42C6-9155-052AF93F8D6F}" type="datetimeFigureOut">
               <a:rPr lang="en-ZA" smtClean="0"/>
-              <a:t>2023/10/22</a:t>
+              <a:t>2023/10/23</a:t>
             </a:fld>
             <a:endParaRPr lang="en-ZA"/>
           </a:p>
@@ -2362,7 +2362,7 @@
           <a:p>
             <a:fld id="{BA663DEA-3594-42C6-9155-052AF93F8D6F}" type="datetimeFigureOut">
               <a:rPr lang="en-ZA" smtClean="0"/>
-              <a:t>2023/10/22</a:t>
+              <a:t>2023/10/23</a:t>
             </a:fld>
             <a:endParaRPr lang="en-ZA"/>
           </a:p>
@@ -2575,7 +2575,7 @@
           <a:p>
             <a:fld id="{BA663DEA-3594-42C6-9155-052AF93F8D6F}" type="datetimeFigureOut">
               <a:rPr lang="en-ZA" smtClean="0"/>
-              <a:t>2023/10/22</a:t>
+              <a:t>2023/10/23</a:t>
             </a:fld>
             <a:endParaRPr lang="en-ZA"/>
           </a:p>
@@ -16512,10 +16512,10 @@
       </p:grpSpPr>
       <p:grpSp>
         <p:nvGrpSpPr>
-          <p:cNvPr id="326" name="Group 325">
+          <p:cNvPr id="450" name="Group 449">
             <a:extLst>
               <a:ext uri="{FF2B5EF4-FFF2-40B4-BE49-F238E27FC236}">
-                <a16:creationId xmlns:a16="http://schemas.microsoft.com/office/drawing/2014/main" id="{A1941DA7-5227-588C-3269-DE023EE3EE38}"/>
+                <a16:creationId xmlns:a16="http://schemas.microsoft.com/office/drawing/2014/main" id="{83DA2C36-D14D-3D06-20DC-009F22F2FD21}"/>
               </a:ext>
             </a:extLst>
           </p:cNvPr>
@@ -16524,47 +16524,1369 @@
         </p:nvGrpSpPr>
         <p:grpSpPr>
           <a:xfrm>
-            <a:off x="3747998" y="3532098"/>
-            <a:ext cx="14535328" cy="7267757"/>
-            <a:chOff x="3747998" y="3532098"/>
-            <a:chExt cx="14535328" cy="7267757"/>
+            <a:off x="-4277455" y="2520641"/>
+            <a:ext cx="14106927" cy="7204568"/>
+            <a:chOff x="2409388" y="4194697"/>
+            <a:chExt cx="14106927" cy="7204568"/>
           </a:xfrm>
         </p:grpSpPr>
-        <p:cxnSp>
-          <p:nvCxnSpPr>
-            <p:cNvPr id="2" name="Straight Connector 1">
+        <p:sp>
+          <p:nvSpPr>
+            <p:cNvPr id="352" name="Rectangle 351">
               <a:extLst>
                 <a:ext uri="{FF2B5EF4-FFF2-40B4-BE49-F238E27FC236}">
-                  <a16:creationId xmlns:a16="http://schemas.microsoft.com/office/drawing/2014/main" id="{4AB3D093-2BEA-218A-94C7-A4F5BCDE1D6F}"/>
+                  <a16:creationId xmlns:a16="http://schemas.microsoft.com/office/drawing/2014/main" id="{91F390FF-EDCB-82C0-30C6-28CBFB8E74C5}"/>
                 </a:ext>
               </a:extLst>
             </p:cNvPr>
-            <p:cNvCxnSpPr>
-              <a:cxnSpLocks/>
-            </p:cNvCxnSpPr>
+            <p:cNvSpPr/>
+            <p:nvPr/>
+          </p:nvSpPr>
+          <p:spPr>
+            <a:xfrm rot="16200000">
+              <a:off x="1869358" y="10000310"/>
+              <a:ext cx="2257911" cy="540000"/>
+            </a:xfrm>
+            <a:prstGeom prst="rect">
+              <a:avLst/>
+            </a:prstGeom>
+            <a:ln w="28575"/>
+          </p:spPr>
+          <p:style>
+            <a:lnRef idx="2">
+              <a:schemeClr val="dk1"/>
+            </a:lnRef>
+            <a:fillRef idx="1">
+              <a:schemeClr val="lt1"/>
+            </a:fillRef>
+            <a:effectRef idx="0">
+              <a:schemeClr val="dk1"/>
+            </a:effectRef>
+            <a:fontRef idx="minor">
+              <a:schemeClr val="dk1"/>
+            </a:fontRef>
+          </p:style>
+          <p:txBody>
+            <a:bodyPr rtlCol="0" anchor="ctr"/>
+            <a:lstStyle/>
+            <a:p>
+              <a:pPr algn="ctr"/>
+              <a:endParaRPr lang="en-ZA"/>
+            </a:p>
+          </p:txBody>
+        </p:sp>
+        <p:sp>
+          <p:nvSpPr>
+            <p:cNvPr id="355" name="Rectangle 354">
+              <a:extLst>
+                <a:ext uri="{FF2B5EF4-FFF2-40B4-BE49-F238E27FC236}">
+                  <a16:creationId xmlns:a16="http://schemas.microsoft.com/office/drawing/2014/main" id="{DD5846BB-EBE8-04E2-CB05-5210F8B6FD00}"/>
+                </a:ext>
+              </a:extLst>
+            </p:cNvPr>
+            <p:cNvSpPr/>
+            <p:nvPr/>
+          </p:nvSpPr>
+          <p:spPr>
+            <a:xfrm>
+              <a:off x="2728314" y="8601353"/>
+              <a:ext cx="13788000" cy="540001"/>
+            </a:xfrm>
+            <a:prstGeom prst="rect">
+              <a:avLst/>
+            </a:prstGeom>
+            <a:ln w="28575"/>
+          </p:spPr>
+          <p:style>
+            <a:lnRef idx="2">
+              <a:schemeClr val="dk1"/>
+            </a:lnRef>
+            <a:fillRef idx="1">
+              <a:schemeClr val="lt1"/>
+            </a:fillRef>
+            <a:effectRef idx="0">
+              <a:schemeClr val="dk1"/>
+            </a:effectRef>
+            <a:fontRef idx="minor">
+              <a:schemeClr val="dk1"/>
+            </a:fontRef>
+          </p:style>
+          <p:txBody>
+            <a:bodyPr rtlCol="0" anchor="ctr"/>
+            <a:lstStyle/>
+            <a:p>
+              <a:pPr algn="ctr"/>
+              <a:endParaRPr lang="en-ZA"/>
+            </a:p>
+          </p:txBody>
+        </p:sp>
+        <p:sp>
+          <p:nvSpPr>
+            <p:cNvPr id="373" name="Rectangle 372">
+              <a:extLst>
+                <a:ext uri="{FF2B5EF4-FFF2-40B4-BE49-F238E27FC236}">
+                  <a16:creationId xmlns:a16="http://schemas.microsoft.com/office/drawing/2014/main" id="{2F441179-1219-38C7-DE22-E9869217985F}"/>
+                </a:ext>
+              </a:extLst>
+            </p:cNvPr>
+            <p:cNvSpPr/>
+            <p:nvPr/>
+          </p:nvSpPr>
+          <p:spPr>
+            <a:xfrm rot="16200000">
+              <a:off x="15117359" y="10000085"/>
+              <a:ext cx="2257911" cy="540000"/>
+            </a:xfrm>
+            <a:prstGeom prst="rect">
+              <a:avLst/>
+            </a:prstGeom>
+            <a:ln w="28575"/>
+          </p:spPr>
+          <p:style>
+            <a:lnRef idx="2">
+              <a:schemeClr val="dk1"/>
+            </a:lnRef>
+            <a:fillRef idx="1">
+              <a:schemeClr val="lt1"/>
+            </a:fillRef>
+            <a:effectRef idx="0">
+              <a:schemeClr val="dk1"/>
+            </a:effectRef>
+            <a:fontRef idx="minor">
+              <a:schemeClr val="dk1"/>
+            </a:fontRef>
+          </p:style>
+          <p:txBody>
+            <a:bodyPr rtlCol="0" anchor="ctr"/>
+            <a:lstStyle/>
+            <a:p>
+              <a:pPr algn="ctr"/>
+              <a:endParaRPr lang="en-ZA"/>
+            </a:p>
+          </p:txBody>
+        </p:sp>
+        <p:grpSp>
+          <p:nvGrpSpPr>
+            <p:cNvPr id="402" name="Group 401">
+              <a:extLst>
+                <a:ext uri="{FF2B5EF4-FFF2-40B4-BE49-F238E27FC236}">
+                  <a16:creationId xmlns:a16="http://schemas.microsoft.com/office/drawing/2014/main" id="{C4A7413B-F379-1E23-C242-DE84261DD061}"/>
+                </a:ext>
+              </a:extLst>
+            </p:cNvPr>
+            <p:cNvGrpSpPr/>
+            <p:nvPr/>
+          </p:nvGrpSpPr>
+          <p:grpSpPr>
+            <a:xfrm>
+              <a:off x="3133216" y="5913173"/>
+              <a:ext cx="817800" cy="1800000"/>
+              <a:chOff x="4970334" y="10796837"/>
+              <a:chExt cx="817800" cy="1800000"/>
+            </a:xfrm>
+          </p:grpSpPr>
+          <p:grpSp>
+            <p:nvGrpSpPr>
+              <p:cNvPr id="381" name="Group 380">
+                <a:extLst>
+                  <a:ext uri="{FF2B5EF4-FFF2-40B4-BE49-F238E27FC236}">
+                    <a16:creationId xmlns:a16="http://schemas.microsoft.com/office/drawing/2014/main" id="{0AC513EB-4F6C-FADD-4C9E-FDE35D8DE177}"/>
+                  </a:ext>
+                </a:extLst>
+              </p:cNvPr>
+              <p:cNvGrpSpPr/>
+              <p:nvPr/>
+            </p:nvGrpSpPr>
+            <p:grpSpPr>
+              <a:xfrm rot="16200000">
+                <a:off x="4274437" y="11492734"/>
+                <a:ext cx="1800000" cy="408206"/>
+                <a:chOff x="9146073" y="4781327"/>
+                <a:chExt cx="1800000" cy="408206"/>
+              </a:xfrm>
+            </p:grpSpPr>
+            <p:sp>
+              <p:nvSpPr>
+                <p:cNvPr id="390" name="Rectangle 389">
+                  <a:extLst>
+                    <a:ext uri="{FF2B5EF4-FFF2-40B4-BE49-F238E27FC236}">
+                      <a16:creationId xmlns:a16="http://schemas.microsoft.com/office/drawing/2014/main" id="{626A3335-3B2C-0888-6D7A-CA99893677CE}"/>
+                    </a:ext>
+                  </a:extLst>
+                </p:cNvPr>
+                <p:cNvSpPr/>
+                <p:nvPr/>
+              </p:nvSpPr>
+              <p:spPr>
+                <a:xfrm>
+                  <a:off x="9254469" y="4781327"/>
+                  <a:ext cx="72000" cy="288000"/>
+                </a:xfrm>
+                <a:prstGeom prst="rect">
+                  <a:avLst/>
+                </a:prstGeom>
+                <a:solidFill>
+                  <a:schemeClr val="bg1">
+                    <a:lumMod val="75000"/>
+                  </a:schemeClr>
+                </a:solidFill>
+                <a:ln>
+                  <a:solidFill>
+                    <a:schemeClr val="bg1">
+                      <a:lumMod val="75000"/>
+                    </a:schemeClr>
+                  </a:solidFill>
+                </a:ln>
+              </p:spPr>
+              <p:style>
+                <a:lnRef idx="2">
+                  <a:schemeClr val="dk1">
+                    <a:shade val="15000"/>
+                  </a:schemeClr>
+                </a:lnRef>
+                <a:fillRef idx="1">
+                  <a:schemeClr val="dk1"/>
+                </a:fillRef>
+                <a:effectRef idx="0">
+                  <a:schemeClr val="dk1"/>
+                </a:effectRef>
+                <a:fontRef idx="minor">
+                  <a:schemeClr val="lt1"/>
+                </a:fontRef>
+              </p:style>
+              <p:txBody>
+                <a:bodyPr rtlCol="0" anchor="ctr"/>
+                <a:lstStyle/>
+                <a:p>
+                  <a:pPr algn="ctr"/>
+                  <a:endParaRPr lang="en-ZA" sz="3200">
+                    <a:latin typeface="Arial" panose="020B0604020202020204" pitchFamily="34" charset="0"/>
+                    <a:cs typeface="Arial" panose="020B0604020202020204" pitchFamily="34" charset="0"/>
+                  </a:endParaRPr>
+                </a:p>
+              </p:txBody>
+            </p:sp>
+            <p:sp>
+              <p:nvSpPr>
+                <p:cNvPr id="391" name="Rectangle 390">
+                  <a:extLst>
+                    <a:ext uri="{FF2B5EF4-FFF2-40B4-BE49-F238E27FC236}">
+                      <a16:creationId xmlns:a16="http://schemas.microsoft.com/office/drawing/2014/main" id="{A2833BE1-496E-0A2A-E782-5EF51C721E51}"/>
+                    </a:ext>
+                  </a:extLst>
+                </p:cNvPr>
+                <p:cNvSpPr/>
+                <p:nvPr/>
+              </p:nvSpPr>
+              <p:spPr>
+                <a:xfrm>
+                  <a:off x="10782753" y="4781327"/>
+                  <a:ext cx="72000" cy="288000"/>
+                </a:xfrm>
+                <a:prstGeom prst="rect">
+                  <a:avLst/>
+                </a:prstGeom>
+                <a:solidFill>
+                  <a:schemeClr val="bg1">
+                    <a:lumMod val="75000"/>
+                  </a:schemeClr>
+                </a:solidFill>
+                <a:ln>
+                  <a:solidFill>
+                    <a:schemeClr val="bg1">
+                      <a:lumMod val="75000"/>
+                    </a:schemeClr>
+                  </a:solidFill>
+                </a:ln>
+              </p:spPr>
+              <p:style>
+                <a:lnRef idx="2">
+                  <a:schemeClr val="dk1">
+                    <a:shade val="15000"/>
+                  </a:schemeClr>
+                </a:lnRef>
+                <a:fillRef idx="1">
+                  <a:schemeClr val="dk1"/>
+                </a:fillRef>
+                <a:effectRef idx="0">
+                  <a:schemeClr val="dk1"/>
+                </a:effectRef>
+                <a:fontRef idx="minor">
+                  <a:schemeClr val="lt1"/>
+                </a:fontRef>
+              </p:style>
+              <p:txBody>
+                <a:bodyPr rtlCol="0" anchor="ctr"/>
+                <a:lstStyle/>
+                <a:p>
+                  <a:pPr algn="ctr"/>
+                  <a:endParaRPr lang="en-ZA" sz="3200">
+                    <a:latin typeface="Arial" panose="020B0604020202020204" pitchFamily="34" charset="0"/>
+                    <a:cs typeface="Arial" panose="020B0604020202020204" pitchFamily="34" charset="0"/>
+                  </a:endParaRPr>
+                </a:p>
+              </p:txBody>
+            </p:sp>
+            <p:sp>
+              <p:nvSpPr>
+                <p:cNvPr id="392" name="Rectangle 391">
+                  <a:extLst>
+                    <a:ext uri="{FF2B5EF4-FFF2-40B4-BE49-F238E27FC236}">
+                      <a16:creationId xmlns:a16="http://schemas.microsoft.com/office/drawing/2014/main" id="{262252FC-E64A-444A-49F1-449B007D31DF}"/>
+                    </a:ext>
+                  </a:extLst>
+                </p:cNvPr>
+                <p:cNvSpPr/>
+                <p:nvPr/>
+              </p:nvSpPr>
+              <p:spPr>
+                <a:xfrm>
+                  <a:off x="9146073" y="5081533"/>
+                  <a:ext cx="1800000" cy="108000"/>
+                </a:xfrm>
+                <a:prstGeom prst="rect">
+                  <a:avLst/>
+                </a:prstGeom>
+              </p:spPr>
+              <p:style>
+                <a:lnRef idx="2">
+                  <a:schemeClr val="dk1">
+                    <a:shade val="15000"/>
+                  </a:schemeClr>
+                </a:lnRef>
+                <a:fillRef idx="1">
+                  <a:schemeClr val="dk1"/>
+                </a:fillRef>
+                <a:effectRef idx="0">
+                  <a:schemeClr val="dk1"/>
+                </a:effectRef>
+                <a:fontRef idx="minor">
+                  <a:schemeClr val="lt1"/>
+                </a:fontRef>
+              </p:style>
+              <p:txBody>
+                <a:bodyPr rtlCol="0" anchor="ctr"/>
+                <a:lstStyle/>
+                <a:p>
+                  <a:pPr algn="ctr"/>
+                  <a:endParaRPr lang="en-ZA" sz="3200" dirty="0">
+                    <a:latin typeface="Arial" panose="020B0604020202020204" pitchFamily="34" charset="0"/>
+                    <a:cs typeface="Arial" panose="020B0604020202020204" pitchFamily="34" charset="0"/>
+                  </a:endParaRPr>
+                </a:p>
+              </p:txBody>
+            </p:sp>
+          </p:grpSp>
+          <p:sp>
+            <p:nvSpPr>
+              <p:cNvPr id="383" name="Rectangle 382">
+                <a:extLst>
+                  <a:ext uri="{FF2B5EF4-FFF2-40B4-BE49-F238E27FC236}">
+                    <a16:creationId xmlns:a16="http://schemas.microsoft.com/office/drawing/2014/main" id="{CAA5B4DA-933A-C596-4427-85933F69A2A5}"/>
+                  </a:ext>
+                </a:extLst>
+              </p:cNvPr>
+              <p:cNvSpPr/>
+              <p:nvPr/>
+            </p:nvSpPr>
+            <p:spPr>
+              <a:xfrm rot="16200000">
+                <a:off x="5494039" y="11196638"/>
+                <a:ext cx="72000" cy="288000"/>
+              </a:xfrm>
+              <a:prstGeom prst="rect">
+                <a:avLst/>
+              </a:prstGeom>
+              <a:solidFill>
+                <a:schemeClr val="bg1">
+                  <a:lumMod val="75000"/>
+                </a:schemeClr>
+              </a:solidFill>
+              <a:ln>
+                <a:solidFill>
+                  <a:schemeClr val="bg1">
+                    <a:lumMod val="75000"/>
+                  </a:schemeClr>
+                </a:solidFill>
+              </a:ln>
+            </p:spPr>
+            <p:style>
+              <a:lnRef idx="2">
+                <a:schemeClr val="dk1">
+                  <a:shade val="15000"/>
+                </a:schemeClr>
+              </a:lnRef>
+              <a:fillRef idx="1">
+                <a:schemeClr val="dk1"/>
+              </a:fillRef>
+              <a:effectRef idx="0">
+                <a:schemeClr val="dk1"/>
+              </a:effectRef>
+              <a:fontRef idx="minor">
+                <a:schemeClr val="lt1"/>
+              </a:fontRef>
+            </p:style>
+            <p:txBody>
+              <a:bodyPr rtlCol="0" anchor="ctr"/>
+              <a:lstStyle/>
+              <a:p>
+                <a:pPr algn="ctr"/>
+                <a:endParaRPr lang="en-ZA" sz="3200">
+                  <a:latin typeface="Arial" panose="020B0604020202020204" pitchFamily="34" charset="0"/>
+                  <a:cs typeface="Arial" panose="020B0604020202020204" pitchFamily="34" charset="0"/>
+                </a:endParaRPr>
+              </a:p>
+            </p:txBody>
+          </p:sp>
+          <p:sp>
+            <p:nvSpPr>
+              <p:cNvPr id="384" name="Rectangle 383">
+                <a:extLst>
+                  <a:ext uri="{FF2B5EF4-FFF2-40B4-BE49-F238E27FC236}">
+                    <a16:creationId xmlns:a16="http://schemas.microsoft.com/office/drawing/2014/main" id="{B7632E42-B80C-925A-05BC-F6E8E09376EA}"/>
+                  </a:ext>
+                </a:extLst>
+              </p:cNvPr>
+              <p:cNvSpPr/>
+              <p:nvPr/>
+            </p:nvSpPr>
+            <p:spPr>
+              <a:xfrm rot="16200000">
+                <a:off x="5494039" y="11872452"/>
+                <a:ext cx="72000" cy="288000"/>
+              </a:xfrm>
+              <a:prstGeom prst="rect">
+                <a:avLst/>
+              </a:prstGeom>
+              <a:solidFill>
+                <a:schemeClr val="bg1">
+                  <a:lumMod val="75000"/>
+                </a:schemeClr>
+              </a:solidFill>
+              <a:ln>
+                <a:solidFill>
+                  <a:schemeClr val="bg1">
+                    <a:lumMod val="75000"/>
+                  </a:schemeClr>
+                </a:solidFill>
+              </a:ln>
+            </p:spPr>
+            <p:style>
+              <a:lnRef idx="2">
+                <a:schemeClr val="dk1">
+                  <a:shade val="15000"/>
+                </a:schemeClr>
+              </a:lnRef>
+              <a:fillRef idx="1">
+                <a:schemeClr val="dk1"/>
+              </a:fillRef>
+              <a:effectRef idx="0">
+                <a:schemeClr val="dk1"/>
+              </a:effectRef>
+              <a:fontRef idx="minor">
+                <a:schemeClr val="lt1"/>
+              </a:fontRef>
+            </p:style>
+            <p:txBody>
+              <a:bodyPr rtlCol="0" anchor="ctr"/>
+              <a:lstStyle/>
+              <a:p>
+                <a:pPr algn="ctr"/>
+                <a:endParaRPr lang="en-ZA" sz="3200">
+                  <a:latin typeface="Arial" panose="020B0604020202020204" pitchFamily="34" charset="0"/>
+                  <a:cs typeface="Arial" panose="020B0604020202020204" pitchFamily="34" charset="0"/>
+                </a:endParaRPr>
+              </a:p>
+            </p:txBody>
+          </p:sp>
+          <p:sp>
+            <p:nvSpPr>
+              <p:cNvPr id="387" name="Rectangle 386">
+                <a:extLst>
+                  <a:ext uri="{FF2B5EF4-FFF2-40B4-BE49-F238E27FC236}">
+                    <a16:creationId xmlns:a16="http://schemas.microsoft.com/office/drawing/2014/main" id="{257B09FF-9C10-5214-53BE-ABF7D6AF3DED}"/>
+                  </a:ext>
+                </a:extLst>
+              </p:cNvPr>
+              <p:cNvSpPr/>
+              <p:nvPr/>
+            </p:nvSpPr>
+            <p:spPr>
+              <a:xfrm rot="16200000">
+                <a:off x="5300746" y="11641860"/>
+                <a:ext cx="828000" cy="72000"/>
+              </a:xfrm>
+              <a:prstGeom prst="rect">
+                <a:avLst/>
+              </a:prstGeom>
+            </p:spPr>
+            <p:style>
+              <a:lnRef idx="1">
+                <a:schemeClr val="accent6"/>
+              </a:lnRef>
+              <a:fillRef idx="3">
+                <a:schemeClr val="accent6"/>
+              </a:fillRef>
+              <a:effectRef idx="2">
+                <a:schemeClr val="accent6"/>
+              </a:effectRef>
+              <a:fontRef idx="minor">
+                <a:schemeClr val="lt1"/>
+              </a:fontRef>
+            </p:style>
+            <p:txBody>
+              <a:bodyPr rtlCol="0" anchor="ctr"/>
+              <a:lstStyle/>
+              <a:p>
+                <a:pPr algn="ctr"/>
+                <a:endParaRPr lang="en-ZA" sz="3200">
+                  <a:latin typeface="Arial" panose="020B0604020202020204" pitchFamily="34" charset="0"/>
+                  <a:cs typeface="Arial" panose="020B0604020202020204" pitchFamily="34" charset="0"/>
+                </a:endParaRPr>
+              </a:p>
+            </p:txBody>
+          </p:sp>
+          <p:sp>
+            <p:nvSpPr>
+              <p:cNvPr id="389" name="Rectangle 388">
+                <a:extLst>
+                  <a:ext uri="{FF2B5EF4-FFF2-40B4-BE49-F238E27FC236}">
+                    <a16:creationId xmlns:a16="http://schemas.microsoft.com/office/drawing/2014/main" id="{DFF631FB-3703-8A27-C3DD-985D10F89454}"/>
+                  </a:ext>
+                </a:extLst>
+              </p:cNvPr>
+              <p:cNvSpPr/>
+              <p:nvPr/>
+            </p:nvSpPr>
+            <p:spPr>
+              <a:xfrm rot="16200000">
+                <a:off x="5716134" y="11659859"/>
+                <a:ext cx="108000" cy="36000"/>
+              </a:xfrm>
+              <a:prstGeom prst="rect">
+                <a:avLst/>
+              </a:prstGeom>
+              <a:solidFill>
+                <a:srgbClr val="00FFFF"/>
+              </a:solidFill>
+              <a:ln>
+                <a:solidFill>
+                  <a:srgbClr val="00FFFF"/>
+                </a:solidFill>
+              </a:ln>
+            </p:spPr>
+            <p:style>
+              <a:lnRef idx="2">
+                <a:schemeClr val="dk1">
+                  <a:shade val="15000"/>
+                </a:schemeClr>
+              </a:lnRef>
+              <a:fillRef idx="1">
+                <a:schemeClr val="dk1"/>
+              </a:fillRef>
+              <a:effectRef idx="0">
+                <a:schemeClr val="dk1"/>
+              </a:effectRef>
+              <a:fontRef idx="minor">
+                <a:schemeClr val="lt1"/>
+              </a:fontRef>
+            </p:style>
+            <p:txBody>
+              <a:bodyPr rtlCol="0" anchor="ctr"/>
+              <a:lstStyle/>
+              <a:p>
+                <a:pPr algn="ctr"/>
+                <a:endParaRPr lang="en-ZA"/>
+              </a:p>
+            </p:txBody>
+          </p:sp>
+        </p:grpSp>
+        <p:sp>
+          <p:nvSpPr>
+            <p:cNvPr id="410" name="TextBox 409">
+              <a:extLst>
+                <a:ext uri="{FF2B5EF4-FFF2-40B4-BE49-F238E27FC236}">
+                  <a16:creationId xmlns:a16="http://schemas.microsoft.com/office/drawing/2014/main" id="{3EECB241-FCF8-BBF0-7B61-89211665B077}"/>
+                </a:ext>
+              </a:extLst>
+            </p:cNvPr>
+            <p:cNvSpPr txBox="1"/>
+            <p:nvPr/>
+          </p:nvSpPr>
+          <p:spPr>
+            <a:xfrm>
+              <a:off x="13509022" y="4194697"/>
+              <a:ext cx="2790092" cy="523220"/>
+            </a:xfrm>
+            <a:prstGeom prst="rect">
+              <a:avLst/>
+            </a:prstGeom>
+            <a:noFill/>
+          </p:spPr>
+          <p:txBody>
+            <a:bodyPr wrap="square" rtlCol="0">
+              <a:spAutoFit/>
+            </a:bodyPr>
+            <a:lstStyle/>
+            <a:p>
+              <a:pPr algn="ctr"/>
+              <a:r>
+                <a:rPr lang="en-US" sz="2800" dirty="0">
+                  <a:latin typeface="Arial" panose="020B0604020202020204" pitchFamily="34" charset="0"/>
+                  <a:cs typeface="Arial" panose="020B0604020202020204" pitchFamily="34" charset="0"/>
+                </a:rPr>
+                <a:t>LED</a:t>
+              </a:r>
+              <a:endParaRPr lang="en-ZA" sz="2800" dirty="0">
+                <a:latin typeface="Arial" panose="020B0604020202020204" pitchFamily="34" charset="0"/>
+                <a:cs typeface="Arial" panose="020B0604020202020204" pitchFamily="34" charset="0"/>
+              </a:endParaRPr>
+            </a:p>
+          </p:txBody>
+        </p:sp>
+        <p:sp>
+          <p:nvSpPr>
+            <p:cNvPr id="372" name="Rectangle 371">
+              <a:extLst>
+                <a:ext uri="{FF2B5EF4-FFF2-40B4-BE49-F238E27FC236}">
+                  <a16:creationId xmlns:a16="http://schemas.microsoft.com/office/drawing/2014/main" id="{F65DCD09-9963-23F3-6A11-1E57B937FEF8}"/>
+                </a:ext>
+              </a:extLst>
+            </p:cNvPr>
+            <p:cNvSpPr/>
+            <p:nvPr/>
+          </p:nvSpPr>
+          <p:spPr>
+            <a:xfrm rot="16200000">
+              <a:off x="1423243" y="6768643"/>
+              <a:ext cx="3150141" cy="540000"/>
+            </a:xfrm>
+            <a:prstGeom prst="rect">
+              <a:avLst/>
+            </a:prstGeom>
+            <a:ln w="28575"/>
+          </p:spPr>
+          <p:style>
+            <a:lnRef idx="2">
+              <a:schemeClr val="dk1"/>
+            </a:lnRef>
+            <a:fillRef idx="1">
+              <a:schemeClr val="lt1"/>
+            </a:fillRef>
+            <a:effectRef idx="0">
+              <a:schemeClr val="dk1"/>
+            </a:effectRef>
+            <a:fontRef idx="minor">
+              <a:schemeClr val="dk1"/>
+            </a:fontRef>
+          </p:style>
+          <p:txBody>
+            <a:bodyPr rtlCol="0" anchor="ctr"/>
+            <a:lstStyle/>
+            <a:p>
+              <a:pPr algn="ctr"/>
+              <a:endParaRPr lang="en-ZA"/>
+            </a:p>
+          </p:txBody>
+        </p:sp>
+        <p:grpSp>
+          <p:nvGrpSpPr>
+            <p:cNvPr id="432" name="Group 431">
+              <a:extLst>
+                <a:ext uri="{FF2B5EF4-FFF2-40B4-BE49-F238E27FC236}">
+                  <a16:creationId xmlns:a16="http://schemas.microsoft.com/office/drawing/2014/main" id="{01A2C0C7-59E3-876B-81B6-F2E31BB94D0F}"/>
+                </a:ext>
+              </a:extLst>
+            </p:cNvPr>
+            <p:cNvGrpSpPr/>
+            <p:nvPr/>
+          </p:nvGrpSpPr>
+          <p:grpSpPr>
+            <a:xfrm>
+              <a:off x="6255007" y="5007902"/>
+              <a:ext cx="9310174" cy="3947640"/>
+              <a:chOff x="6691076" y="11992812"/>
+              <a:chExt cx="9310174" cy="3947640"/>
+            </a:xfrm>
+          </p:grpSpPr>
+          <p:sp>
+            <p:nvSpPr>
+              <p:cNvPr id="375" name="Flowchart: Process 374">
+                <a:extLst>
+                  <a:ext uri="{FF2B5EF4-FFF2-40B4-BE49-F238E27FC236}">
+                    <a16:creationId xmlns:a16="http://schemas.microsoft.com/office/drawing/2014/main" id="{6E288AA2-EA23-D57C-C7B1-C93E14D9C174}"/>
+                  </a:ext>
+                </a:extLst>
+              </p:cNvPr>
+              <p:cNvSpPr/>
+              <p:nvPr/>
+            </p:nvSpPr>
+            <p:spPr>
+              <a:xfrm>
+                <a:off x="6691076" y="15580452"/>
+                <a:ext cx="72000" cy="360000"/>
+              </a:xfrm>
+              <a:prstGeom prst="flowChartProcess">
+                <a:avLst/>
+              </a:prstGeom>
+              <a:ln>
+                <a:prstDash val="dash"/>
+              </a:ln>
+            </p:spPr>
+            <p:style>
+              <a:lnRef idx="2">
+                <a:schemeClr val="dk1"/>
+              </a:lnRef>
+              <a:fillRef idx="1">
+                <a:schemeClr val="lt1"/>
+              </a:fillRef>
+              <a:effectRef idx="0">
+                <a:schemeClr val="dk1"/>
+              </a:effectRef>
+              <a:fontRef idx="minor">
+                <a:schemeClr val="dk1"/>
+              </a:fontRef>
+            </p:style>
+            <p:txBody>
+              <a:bodyPr rtlCol="0" anchor="ctr"/>
+              <a:lstStyle/>
+              <a:p>
+                <a:pPr algn="ctr"/>
+                <a:endParaRPr lang="en-ZA"/>
+              </a:p>
+            </p:txBody>
+          </p:sp>
+          <p:sp>
+            <p:nvSpPr>
+              <p:cNvPr id="376" name="Flowchart: Process 375">
+                <a:extLst>
+                  <a:ext uri="{FF2B5EF4-FFF2-40B4-BE49-F238E27FC236}">
+                    <a16:creationId xmlns:a16="http://schemas.microsoft.com/office/drawing/2014/main" id="{EB195D3C-55FF-115D-D5AA-1A0E69D1EC60}"/>
+                  </a:ext>
+                </a:extLst>
+              </p:cNvPr>
+              <p:cNvSpPr/>
+              <p:nvPr/>
+            </p:nvSpPr>
+            <p:spPr>
+              <a:xfrm>
+                <a:off x="10290874" y="15580452"/>
+                <a:ext cx="72000" cy="360000"/>
+              </a:xfrm>
+              <a:prstGeom prst="flowChartProcess">
+                <a:avLst/>
+              </a:prstGeom>
+              <a:ln>
+                <a:prstDash val="dash"/>
+              </a:ln>
+            </p:spPr>
+            <p:style>
+              <a:lnRef idx="2">
+                <a:schemeClr val="dk1"/>
+              </a:lnRef>
+              <a:fillRef idx="1">
+                <a:schemeClr val="lt1"/>
+              </a:fillRef>
+              <a:effectRef idx="0">
+                <a:schemeClr val="dk1"/>
+              </a:effectRef>
+              <a:fontRef idx="minor">
+                <a:schemeClr val="dk1"/>
+              </a:fontRef>
+            </p:style>
+            <p:txBody>
+              <a:bodyPr rtlCol="0" anchor="ctr"/>
+              <a:lstStyle/>
+              <a:p>
+                <a:pPr algn="ctr"/>
+                <a:endParaRPr lang="en-ZA"/>
+              </a:p>
+            </p:txBody>
+          </p:sp>
+          <p:sp>
+            <p:nvSpPr>
+              <p:cNvPr id="377" name="Flowchart: Process 376">
+                <a:extLst>
+                  <a:ext uri="{FF2B5EF4-FFF2-40B4-BE49-F238E27FC236}">
+                    <a16:creationId xmlns:a16="http://schemas.microsoft.com/office/drawing/2014/main" id="{295AFD01-F89F-9C29-B509-55AD6B5EBCF8}"/>
+                  </a:ext>
+                </a:extLst>
+              </p:cNvPr>
+              <p:cNvSpPr/>
+              <p:nvPr/>
+            </p:nvSpPr>
+            <p:spPr>
+              <a:xfrm>
+                <a:off x="12090773" y="15580452"/>
+                <a:ext cx="72000" cy="360000"/>
+              </a:xfrm>
+              <a:prstGeom prst="flowChartProcess">
+                <a:avLst/>
+              </a:prstGeom>
+              <a:ln>
+                <a:prstDash val="dash"/>
+              </a:ln>
+            </p:spPr>
+            <p:style>
+              <a:lnRef idx="2">
+                <a:schemeClr val="dk1"/>
+              </a:lnRef>
+              <a:fillRef idx="1">
+                <a:schemeClr val="lt1"/>
+              </a:fillRef>
+              <a:effectRef idx="0">
+                <a:schemeClr val="dk1"/>
+              </a:effectRef>
+              <a:fontRef idx="minor">
+                <a:schemeClr val="dk1"/>
+              </a:fontRef>
+            </p:style>
+            <p:txBody>
+              <a:bodyPr rtlCol="0" anchor="ctr"/>
+              <a:lstStyle/>
+              <a:p>
+                <a:pPr algn="ctr"/>
+                <a:endParaRPr lang="en-ZA"/>
+              </a:p>
+            </p:txBody>
+          </p:sp>
+          <p:sp>
+            <p:nvSpPr>
+              <p:cNvPr id="378" name="Flowchart: Process 377">
+                <a:extLst>
+                  <a:ext uri="{FF2B5EF4-FFF2-40B4-BE49-F238E27FC236}">
+                    <a16:creationId xmlns:a16="http://schemas.microsoft.com/office/drawing/2014/main" id="{5FBD84DF-91BA-F736-F9A8-F2BEECE16751}"/>
+                  </a:ext>
+                </a:extLst>
+              </p:cNvPr>
+              <p:cNvSpPr/>
+              <p:nvPr/>
+            </p:nvSpPr>
+            <p:spPr>
+              <a:xfrm>
+                <a:off x="13890672" y="15580452"/>
+                <a:ext cx="72000" cy="360000"/>
+              </a:xfrm>
+              <a:prstGeom prst="flowChartProcess">
+                <a:avLst/>
+              </a:prstGeom>
+              <a:ln>
+                <a:prstDash val="dash"/>
+              </a:ln>
+            </p:spPr>
+            <p:style>
+              <a:lnRef idx="2">
+                <a:schemeClr val="dk1"/>
+              </a:lnRef>
+              <a:fillRef idx="1">
+                <a:schemeClr val="lt1"/>
+              </a:fillRef>
+              <a:effectRef idx="0">
+                <a:schemeClr val="dk1"/>
+              </a:effectRef>
+              <a:fontRef idx="minor">
+                <a:schemeClr val="dk1"/>
+              </a:fontRef>
+            </p:style>
+            <p:txBody>
+              <a:bodyPr rtlCol="0" anchor="ctr"/>
+              <a:lstStyle/>
+              <a:p>
+                <a:pPr algn="ctr"/>
+                <a:endParaRPr lang="en-ZA"/>
+              </a:p>
+            </p:txBody>
+          </p:sp>
+          <p:sp>
+            <p:nvSpPr>
+              <p:cNvPr id="379" name="Flowchart: Process 378">
+                <a:extLst>
+                  <a:ext uri="{FF2B5EF4-FFF2-40B4-BE49-F238E27FC236}">
+                    <a16:creationId xmlns:a16="http://schemas.microsoft.com/office/drawing/2014/main" id="{4869F487-62AC-3F7F-2C88-B2104A03F71C}"/>
+                  </a:ext>
+                </a:extLst>
+              </p:cNvPr>
+              <p:cNvSpPr/>
+              <p:nvPr/>
+            </p:nvSpPr>
+            <p:spPr>
+              <a:xfrm>
+                <a:off x="15690569" y="15577572"/>
+                <a:ext cx="72000" cy="360000"/>
+              </a:xfrm>
+              <a:prstGeom prst="flowChartProcess">
+                <a:avLst/>
+              </a:prstGeom>
+              <a:ln>
+                <a:prstDash val="dash"/>
+              </a:ln>
+            </p:spPr>
+            <p:style>
+              <a:lnRef idx="2">
+                <a:schemeClr val="dk1"/>
+              </a:lnRef>
+              <a:fillRef idx="1">
+                <a:schemeClr val="lt1"/>
+              </a:fillRef>
+              <a:effectRef idx="0">
+                <a:schemeClr val="dk1"/>
+              </a:effectRef>
+              <a:fontRef idx="minor">
+                <a:schemeClr val="dk1"/>
+              </a:fontRef>
+            </p:style>
+            <p:txBody>
+              <a:bodyPr rtlCol="0" anchor="ctr"/>
+              <a:lstStyle/>
+              <a:p>
+                <a:pPr algn="ctr"/>
+                <a:endParaRPr lang="en-ZA"/>
+              </a:p>
+            </p:txBody>
+          </p:sp>
+          <p:grpSp>
+            <p:nvGrpSpPr>
+              <p:cNvPr id="412" name="Group 411">
+                <a:extLst>
+                  <a:ext uri="{FF2B5EF4-FFF2-40B4-BE49-F238E27FC236}">
+                    <a16:creationId xmlns:a16="http://schemas.microsoft.com/office/drawing/2014/main" id="{3C2120C3-1032-2D7E-913E-F146105AE1A5}"/>
+                  </a:ext>
+                </a:extLst>
+              </p:cNvPr>
+              <p:cNvGrpSpPr/>
+              <p:nvPr/>
+            </p:nvGrpSpPr>
+            <p:grpSpPr>
+              <a:xfrm>
+                <a:off x="15290579" y="11992812"/>
+                <a:ext cx="367498" cy="3600000"/>
+                <a:chOff x="15917777" y="11991536"/>
+                <a:chExt cx="367498" cy="3600000"/>
+              </a:xfrm>
+            </p:grpSpPr>
+            <p:sp>
+              <p:nvSpPr>
+                <p:cNvPr id="406" name="Rectangle 405">
+                  <a:extLst>
+                    <a:ext uri="{FF2B5EF4-FFF2-40B4-BE49-F238E27FC236}">
+                      <a16:creationId xmlns:a16="http://schemas.microsoft.com/office/drawing/2014/main" id="{772867C9-59F7-BEB3-2B57-420245CF22FC}"/>
+                    </a:ext>
+                  </a:extLst>
+                </p:cNvPr>
+                <p:cNvSpPr/>
+                <p:nvPr/>
+              </p:nvSpPr>
+              <p:spPr>
+                <a:xfrm rot="16200000">
+                  <a:off x="16105275" y="15139078"/>
+                  <a:ext cx="72000" cy="288000"/>
+                </a:xfrm>
+                <a:prstGeom prst="rect">
+                  <a:avLst/>
+                </a:prstGeom>
+                <a:solidFill>
+                  <a:schemeClr val="bg1">
+                    <a:lumMod val="75000"/>
+                  </a:schemeClr>
+                </a:solidFill>
+                <a:ln>
+                  <a:solidFill>
+                    <a:schemeClr val="bg1">
+                      <a:lumMod val="75000"/>
+                    </a:schemeClr>
+                  </a:solidFill>
+                </a:ln>
+              </p:spPr>
+              <p:style>
+                <a:lnRef idx="2">
+                  <a:schemeClr val="dk1">
+                    <a:shade val="15000"/>
+                  </a:schemeClr>
+                </a:lnRef>
+                <a:fillRef idx="1">
+                  <a:schemeClr val="dk1"/>
+                </a:fillRef>
+                <a:effectRef idx="0">
+                  <a:schemeClr val="dk1"/>
+                </a:effectRef>
+                <a:fontRef idx="minor">
+                  <a:schemeClr val="lt1"/>
+                </a:fontRef>
+              </p:style>
+              <p:txBody>
+                <a:bodyPr rtlCol="0" anchor="ctr"/>
+                <a:lstStyle/>
+                <a:p>
+                  <a:pPr algn="ctr"/>
+                  <a:endParaRPr lang="en-ZA" sz="3200">
+                    <a:latin typeface="Arial" panose="020B0604020202020204" pitchFamily="34" charset="0"/>
+                    <a:cs typeface="Arial" panose="020B0604020202020204" pitchFamily="34" charset="0"/>
+                  </a:endParaRPr>
+                </a:p>
+              </p:txBody>
+            </p:sp>
+            <p:sp>
+              <p:nvSpPr>
+                <p:cNvPr id="408" name="Rectangle 407">
+                  <a:extLst>
+                    <a:ext uri="{FF2B5EF4-FFF2-40B4-BE49-F238E27FC236}">
+                      <a16:creationId xmlns:a16="http://schemas.microsoft.com/office/drawing/2014/main" id="{9BFBC344-914E-9F42-726D-931915D7A810}"/>
+                    </a:ext>
+                  </a:extLst>
+                </p:cNvPr>
+                <p:cNvSpPr/>
+                <p:nvPr/>
+              </p:nvSpPr>
+              <p:spPr>
+                <a:xfrm rot="16200000">
+                  <a:off x="14153777" y="13755536"/>
+                  <a:ext cx="3600000" cy="72000"/>
+                </a:xfrm>
+                <a:prstGeom prst="rect">
+                  <a:avLst/>
+                </a:prstGeom>
+              </p:spPr>
+              <p:style>
+                <a:lnRef idx="1">
+                  <a:schemeClr val="accent6"/>
+                </a:lnRef>
+                <a:fillRef idx="3">
+                  <a:schemeClr val="accent6"/>
+                </a:fillRef>
+                <a:effectRef idx="2">
+                  <a:schemeClr val="accent6"/>
+                </a:effectRef>
+                <a:fontRef idx="minor">
+                  <a:schemeClr val="lt1"/>
+                </a:fontRef>
+              </p:style>
+              <p:txBody>
+                <a:bodyPr rtlCol="0" anchor="ctr"/>
+                <a:lstStyle/>
+                <a:p>
+                  <a:pPr algn="ctr"/>
+                  <a:endParaRPr lang="en-ZA" sz="3200">
+                    <a:latin typeface="Arial" panose="020B0604020202020204" pitchFamily="34" charset="0"/>
+                    <a:cs typeface="Arial" panose="020B0604020202020204" pitchFamily="34" charset="0"/>
+                  </a:endParaRPr>
+                </a:p>
+              </p:txBody>
+            </p:sp>
+          </p:grpSp>
+          <p:sp>
+            <p:nvSpPr>
+              <p:cNvPr id="411" name="Rectangle 410">
+                <a:extLst>
+                  <a:ext uri="{FF2B5EF4-FFF2-40B4-BE49-F238E27FC236}">
+                    <a16:creationId xmlns:a16="http://schemas.microsoft.com/office/drawing/2014/main" id="{F98140C2-2241-13B3-D436-D4221FEB4581}"/>
+                  </a:ext>
+                </a:extLst>
+              </p:cNvPr>
+              <p:cNvSpPr/>
+              <p:nvPr/>
+            </p:nvSpPr>
+            <p:spPr>
+              <a:xfrm rot="16200000">
+                <a:off x="15461250" y="15047732"/>
+                <a:ext cx="540000" cy="540000"/>
+              </a:xfrm>
+              <a:prstGeom prst="rect">
+                <a:avLst/>
+              </a:prstGeom>
+              <a:ln w="28575"/>
+            </p:spPr>
+            <p:style>
+              <a:lnRef idx="2">
+                <a:schemeClr val="dk1"/>
+              </a:lnRef>
+              <a:fillRef idx="1">
+                <a:schemeClr val="lt1"/>
+              </a:fillRef>
+              <a:effectRef idx="0">
+                <a:schemeClr val="dk1"/>
+              </a:effectRef>
+              <a:fontRef idx="minor">
+                <a:schemeClr val="dk1"/>
+              </a:fontRef>
+            </p:style>
+            <p:txBody>
+              <a:bodyPr rtlCol="0" anchor="ctr"/>
+              <a:lstStyle/>
+              <a:p>
+                <a:pPr algn="ctr"/>
+                <a:endParaRPr lang="en-ZA"/>
+              </a:p>
+            </p:txBody>
+          </p:sp>
+          <p:sp>
+            <p:nvSpPr>
+              <p:cNvPr id="422" name="Rectangle 421">
+                <a:extLst>
+                  <a:ext uri="{FF2B5EF4-FFF2-40B4-BE49-F238E27FC236}">
+                    <a16:creationId xmlns:a16="http://schemas.microsoft.com/office/drawing/2014/main" id="{19332E00-B9A2-B4AA-731F-DF740969A0A6}"/>
+                  </a:ext>
+                </a:extLst>
+              </p:cNvPr>
+              <p:cNvSpPr/>
+              <p:nvPr/>
+            </p:nvSpPr>
+            <p:spPr>
+              <a:xfrm rot="16200000">
+                <a:off x="15157082" y="13748652"/>
+                <a:ext cx="180000" cy="72000"/>
+              </a:xfrm>
+              <a:prstGeom prst="rect">
+                <a:avLst/>
+              </a:prstGeom>
+            </p:spPr>
+            <p:style>
+              <a:lnRef idx="2">
+                <a:schemeClr val="dk1">
+                  <a:shade val="15000"/>
+                </a:schemeClr>
+              </a:lnRef>
+              <a:fillRef idx="1">
+                <a:schemeClr val="dk1"/>
+              </a:fillRef>
+              <a:effectRef idx="0">
+                <a:schemeClr val="dk1"/>
+              </a:effectRef>
+              <a:fontRef idx="minor">
+                <a:schemeClr val="lt1"/>
+              </a:fontRef>
+            </p:style>
+            <p:txBody>
+              <a:bodyPr rtlCol="0" anchor="ctr"/>
+              <a:lstStyle/>
+              <a:p>
+                <a:pPr algn="ctr"/>
+                <a:endParaRPr lang="en-ZA" dirty="0"/>
+              </a:p>
+            </p:txBody>
+          </p:sp>
+          <p:sp>
+            <p:nvSpPr>
+              <p:cNvPr id="423" name="Rectangle 422">
+                <a:extLst>
+                  <a:ext uri="{FF2B5EF4-FFF2-40B4-BE49-F238E27FC236}">
+                    <a16:creationId xmlns:a16="http://schemas.microsoft.com/office/drawing/2014/main" id="{DBBF9AB0-7034-3C01-90A2-8878AF2BF37D}"/>
+                  </a:ext>
+                </a:extLst>
+              </p:cNvPr>
+              <p:cNvSpPr/>
+              <p:nvPr/>
+            </p:nvSpPr>
+            <p:spPr>
+              <a:xfrm rot="16200000">
+                <a:off x="15157082" y="15106812"/>
+                <a:ext cx="180000" cy="72000"/>
+              </a:xfrm>
+              <a:prstGeom prst="rect">
+                <a:avLst/>
+              </a:prstGeom>
+            </p:spPr>
+            <p:style>
+              <a:lnRef idx="2">
+                <a:schemeClr val="dk1">
+                  <a:shade val="15000"/>
+                </a:schemeClr>
+              </a:lnRef>
+              <a:fillRef idx="1">
+                <a:schemeClr val="dk1"/>
+              </a:fillRef>
+              <a:effectRef idx="0">
+                <a:schemeClr val="dk1"/>
+              </a:effectRef>
+              <a:fontRef idx="minor">
+                <a:schemeClr val="lt1"/>
+              </a:fontRef>
+            </p:style>
+            <p:txBody>
+              <a:bodyPr rtlCol="0" anchor="ctr"/>
+              <a:lstStyle/>
+              <a:p>
+                <a:pPr algn="ctr"/>
+                <a:endParaRPr lang="en-ZA" dirty="0"/>
+              </a:p>
+            </p:txBody>
+          </p:sp>
+          <p:sp>
+            <p:nvSpPr>
+              <p:cNvPr id="424" name="Rectangle 423">
+                <a:extLst>
+                  <a:ext uri="{FF2B5EF4-FFF2-40B4-BE49-F238E27FC236}">
+                    <a16:creationId xmlns:a16="http://schemas.microsoft.com/office/drawing/2014/main" id="{A64ADB52-EB93-0D34-01A3-52E35543C789}"/>
+                  </a:ext>
+                </a:extLst>
+              </p:cNvPr>
+              <p:cNvSpPr/>
+              <p:nvPr/>
+            </p:nvSpPr>
+            <p:spPr>
+              <a:xfrm rot="16200000">
+                <a:off x="15162627" y="12316671"/>
+                <a:ext cx="180000" cy="72000"/>
+              </a:xfrm>
+              <a:prstGeom prst="rect">
+                <a:avLst/>
+              </a:prstGeom>
+            </p:spPr>
+            <p:style>
+              <a:lnRef idx="2">
+                <a:schemeClr val="dk1">
+                  <a:shade val="15000"/>
+                </a:schemeClr>
+              </a:lnRef>
+              <a:fillRef idx="1">
+                <a:schemeClr val="dk1"/>
+              </a:fillRef>
+              <a:effectRef idx="0">
+                <a:schemeClr val="dk1"/>
+              </a:effectRef>
+              <a:fontRef idx="minor">
+                <a:schemeClr val="lt1"/>
+              </a:fontRef>
+            </p:style>
+            <p:txBody>
+              <a:bodyPr rtlCol="0" anchor="ctr"/>
+              <a:lstStyle/>
+              <a:p>
+                <a:pPr algn="ctr"/>
+                <a:endParaRPr lang="en-ZA" dirty="0"/>
+              </a:p>
+            </p:txBody>
+          </p:sp>
+          <p:sp>
+            <p:nvSpPr>
+              <p:cNvPr id="425" name="Rectangle 424">
+                <a:extLst>
+                  <a:ext uri="{FF2B5EF4-FFF2-40B4-BE49-F238E27FC236}">
+                    <a16:creationId xmlns:a16="http://schemas.microsoft.com/office/drawing/2014/main" id="{0B113EBF-49C9-6CEB-6DE7-B9F0D9DF2B52}"/>
+                  </a:ext>
+                </a:extLst>
+              </p:cNvPr>
+              <p:cNvSpPr/>
+              <p:nvPr/>
+            </p:nvSpPr>
+            <p:spPr>
+              <a:xfrm>
+                <a:off x="15699966" y="15052812"/>
+                <a:ext cx="67284" cy="810944"/>
+              </a:xfrm>
+              <a:prstGeom prst="rect">
+                <a:avLst/>
+              </a:prstGeom>
+            </p:spPr>
+            <p:style>
+              <a:lnRef idx="2">
+                <a:schemeClr val="dk1">
+                  <a:shade val="15000"/>
+                </a:schemeClr>
+              </a:lnRef>
+              <a:fillRef idx="1">
+                <a:schemeClr val="dk1"/>
+              </a:fillRef>
+              <a:effectRef idx="0">
+                <a:schemeClr val="dk1"/>
+              </a:effectRef>
+              <a:fontRef idx="minor">
+                <a:schemeClr val="lt1"/>
+              </a:fontRef>
+            </p:style>
+            <p:txBody>
+              <a:bodyPr rtlCol="0" anchor="ctr"/>
+              <a:lstStyle/>
+              <a:p>
+                <a:pPr algn="ctr"/>
+                <a:endParaRPr lang="en-ZA"/>
+              </a:p>
+            </p:txBody>
+          </p:sp>
+          <p:sp>
+            <p:nvSpPr>
+              <p:cNvPr id="431" name="Flowchart: Process 430">
+                <a:extLst>
+                  <a:ext uri="{FF2B5EF4-FFF2-40B4-BE49-F238E27FC236}">
+                    <a16:creationId xmlns:a16="http://schemas.microsoft.com/office/drawing/2014/main" id="{D0153A30-EB98-A227-C968-892198858F71}"/>
+                  </a:ext>
+                </a:extLst>
+              </p:cNvPr>
+              <p:cNvSpPr/>
+              <p:nvPr/>
+            </p:nvSpPr>
+            <p:spPr>
+              <a:xfrm>
+                <a:off x="8490975" y="15577572"/>
+                <a:ext cx="72000" cy="360000"/>
+              </a:xfrm>
+              <a:prstGeom prst="flowChartProcess">
+                <a:avLst/>
+              </a:prstGeom>
+              <a:ln>
+                <a:prstDash val="dash"/>
+              </a:ln>
+            </p:spPr>
+            <p:style>
+              <a:lnRef idx="2">
+                <a:schemeClr val="dk1"/>
+              </a:lnRef>
+              <a:fillRef idx="1">
+                <a:schemeClr val="lt1"/>
+              </a:fillRef>
+              <a:effectRef idx="0">
+                <a:schemeClr val="dk1"/>
+              </a:effectRef>
+              <a:fontRef idx="minor">
+                <a:schemeClr val="dk1"/>
+              </a:fontRef>
+            </p:style>
+            <p:txBody>
+              <a:bodyPr rtlCol="0" anchor="ctr"/>
+              <a:lstStyle/>
+              <a:p>
+                <a:pPr algn="ctr"/>
+                <a:endParaRPr lang="en-ZA"/>
+              </a:p>
+            </p:txBody>
+          </p:sp>
+        </p:grpSp>
+        <p:cxnSp>
+          <p:nvCxnSpPr>
+            <p:cNvPr id="433" name="Straight Arrow Connector 432">
+              <a:extLst>
+                <a:ext uri="{FF2B5EF4-FFF2-40B4-BE49-F238E27FC236}">
+                  <a16:creationId xmlns:a16="http://schemas.microsoft.com/office/drawing/2014/main" id="{A844DD61-BEE6-9076-71CA-2C13EEC57CF8}"/>
+                </a:ext>
+              </a:extLst>
+            </p:cNvPr>
+            <p:cNvCxnSpPr/>
             <p:nvPr/>
           </p:nvCxnSpPr>
           <p:spPr>
-            <a:xfrm flipV="1">
-              <a:off x="3747998" y="10799669"/>
-              <a:ext cx="14535328" cy="186"/>
+            <a:xfrm>
+              <a:off x="3967393" y="6792661"/>
+              <a:ext cx="10800000" cy="0"/>
             </a:xfrm>
-            <a:prstGeom prst="line">
+            <a:prstGeom prst="straightConnector1">
               <a:avLst/>
             </a:prstGeom>
-            <a:ln>
-              <a:prstDash val="lgDash"/>
+            <a:ln w="28575">
+              <a:solidFill>
+                <a:schemeClr val="tx1"/>
+              </a:solidFill>
+              <a:headEnd type="triangle"/>
+              <a:tailEnd type="triangle"/>
             </a:ln>
           </p:spPr>
           <p:style>
             <a:lnRef idx="1">
-              <a:schemeClr val="dk1"/>
+              <a:schemeClr val="accent1"/>
             </a:lnRef>
             <a:fillRef idx="0">
-              <a:schemeClr val="dk1"/>
+              <a:schemeClr val="accent1"/>
             </a:fillRef>
             <a:effectRef idx="0">
-              <a:schemeClr val="dk1"/>
+              <a:schemeClr val="accent1"/>
             </a:effectRef>
             <a:fontRef idx="minor">
               <a:schemeClr val="tx1"/>
@@ -16573,701 +17895,944 @@
         </p:cxnSp>
         <p:cxnSp>
           <p:nvCxnSpPr>
-            <p:cNvPr id="3" name="Straight Connector 2">
+            <p:cNvPr id="428" name="Straight Arrow Connector 427">
               <a:extLst>
                 <a:ext uri="{FF2B5EF4-FFF2-40B4-BE49-F238E27FC236}">
-                  <a16:creationId xmlns:a16="http://schemas.microsoft.com/office/drawing/2014/main" id="{0B9DACA5-90FB-79C7-6E8F-9A77E14DF87D}"/>
+                  <a16:creationId xmlns:a16="http://schemas.microsoft.com/office/drawing/2014/main" id="{75C9283C-4545-3680-9078-98C08DA60EFA}"/>
                 </a:ext>
               </a:extLst>
             </p:cNvPr>
-            <p:cNvCxnSpPr>
-              <a:cxnSpLocks/>
-            </p:cNvCxnSpPr>
+            <p:cNvCxnSpPr/>
             <p:nvPr/>
           </p:nvCxnSpPr>
           <p:spPr>
             <a:xfrm>
-              <a:off x="3858394" y="9537837"/>
-              <a:ext cx="7157268" cy="1261925"/>
+              <a:off x="6291007" y="8433894"/>
+              <a:ext cx="1800000" cy="0"/>
             </a:xfrm>
-            <a:prstGeom prst="line">
+            <a:prstGeom prst="straightConnector1">
               <a:avLst/>
             </a:prstGeom>
-            <a:ln>
-              <a:prstDash val="lgDash"/>
+            <a:ln w="28575">
+              <a:solidFill>
+                <a:schemeClr val="tx1"/>
+              </a:solidFill>
+              <a:headEnd type="triangle"/>
+              <a:tailEnd type="triangle"/>
             </a:ln>
           </p:spPr>
           <p:style>
             <a:lnRef idx="1">
-              <a:schemeClr val="dk1"/>
+              <a:schemeClr val="accent1"/>
             </a:lnRef>
             <a:fillRef idx="0">
-              <a:schemeClr val="dk1"/>
+              <a:schemeClr val="accent1"/>
             </a:fillRef>
             <a:effectRef idx="0">
-              <a:schemeClr val="dk1"/>
+              <a:schemeClr val="accent1"/>
             </a:effectRef>
             <a:fontRef idx="minor">
               <a:schemeClr val="tx1"/>
             </a:fontRef>
           </p:style>
         </p:cxnSp>
-        <p:cxnSp>
-          <p:nvCxnSpPr>
-            <p:cNvPr id="4" name="Straight Connector 3">
+        <p:sp>
+          <p:nvSpPr>
+            <p:cNvPr id="434" name="TextBox 433">
               <a:extLst>
                 <a:ext uri="{FF2B5EF4-FFF2-40B4-BE49-F238E27FC236}">
-                  <a16:creationId xmlns:a16="http://schemas.microsoft.com/office/drawing/2014/main" id="{CAD56FE1-3891-2963-1001-79DEB23AD5D5}"/>
+                  <a16:creationId xmlns:a16="http://schemas.microsoft.com/office/drawing/2014/main" id="{6D449C43-BCFF-49D4-51BA-6D82D2ACDBF6}"/>
                 </a:ext>
               </a:extLst>
             </p:cNvPr>
-            <p:cNvCxnSpPr>
-              <a:cxnSpLocks/>
-            </p:cNvCxnSpPr>
+            <p:cNvSpPr txBox="1"/>
             <p:nvPr/>
-          </p:nvCxnSpPr>
+          </p:nvSpPr>
           <p:spPr>
             <a:xfrm>
-              <a:off x="4186324" y="8313987"/>
-              <a:ext cx="6829338" cy="2485775"/>
+              <a:off x="2409388" y="4758656"/>
+              <a:ext cx="2790092" cy="523220"/>
             </a:xfrm>
-            <a:prstGeom prst="line">
+            <a:prstGeom prst="rect">
               <a:avLst/>
             </a:prstGeom>
-            <a:ln>
-              <a:prstDash val="lgDash"/>
-            </a:ln>
+            <a:noFill/>
           </p:spPr>
-          <p:style>
-            <a:lnRef idx="1">
-              <a:schemeClr val="dk1"/>
-            </a:lnRef>
-            <a:fillRef idx="0">
-              <a:schemeClr val="dk1"/>
-            </a:fillRef>
-            <a:effectRef idx="0">
-              <a:schemeClr val="dk1"/>
-            </a:effectRef>
-            <a:fontRef idx="minor">
-              <a:schemeClr val="tx1"/>
-            </a:fontRef>
-          </p:style>
-        </p:cxnSp>
-        <p:cxnSp>
-          <p:nvCxnSpPr>
-            <p:cNvPr id="5" name="Straight Connector 4">
+          <p:txBody>
+            <a:bodyPr wrap="square" rtlCol="0">
+              <a:spAutoFit/>
+            </a:bodyPr>
+            <a:lstStyle/>
+            <a:p>
+              <a:pPr algn="ctr"/>
+              <a:r>
+                <a:rPr lang="en-US" sz="2800" dirty="0">
+                  <a:latin typeface="Arial" panose="020B0604020202020204" pitchFamily="34" charset="0"/>
+                  <a:cs typeface="Arial" panose="020B0604020202020204" pitchFamily="34" charset="0"/>
+                </a:rPr>
+                <a:t>sensor</a:t>
+              </a:r>
+              <a:endParaRPr lang="en-ZA" sz="2800" dirty="0">
+                <a:latin typeface="Arial" panose="020B0604020202020204" pitchFamily="34" charset="0"/>
+                <a:cs typeface="Arial" panose="020B0604020202020204" pitchFamily="34" charset="0"/>
+              </a:endParaRPr>
+            </a:p>
+          </p:txBody>
+        </p:sp>
+        <p:sp>
+          <p:nvSpPr>
+            <p:cNvPr id="435" name="TextBox 434">
               <a:extLst>
                 <a:ext uri="{FF2B5EF4-FFF2-40B4-BE49-F238E27FC236}">
-                  <a16:creationId xmlns:a16="http://schemas.microsoft.com/office/drawing/2014/main" id="{72F8E876-364E-3079-22F2-826B1798C81D}"/>
+                  <a16:creationId xmlns:a16="http://schemas.microsoft.com/office/drawing/2014/main" id="{87844248-247B-BADD-E52C-2A02413AB555}"/>
                 </a:ext>
               </a:extLst>
             </p:cNvPr>
-            <p:cNvCxnSpPr>
-              <a:cxnSpLocks/>
-            </p:cNvCxnSpPr>
+            <p:cNvSpPr txBox="1"/>
             <p:nvPr/>
-          </p:nvCxnSpPr>
+          </p:nvSpPr>
           <p:spPr>
             <a:xfrm>
-              <a:off x="4721727" y="7165849"/>
-              <a:ext cx="6293935" cy="3633913"/>
+              <a:off x="7909526" y="6236036"/>
+              <a:ext cx="2790092" cy="523220"/>
             </a:xfrm>
-            <a:prstGeom prst="line">
+            <a:prstGeom prst="rect">
               <a:avLst/>
             </a:prstGeom>
-            <a:ln>
-              <a:prstDash val="lgDash"/>
-            </a:ln>
+            <a:noFill/>
           </p:spPr>
-          <p:style>
-            <a:lnRef idx="1">
-              <a:schemeClr val="dk1"/>
-            </a:lnRef>
-            <a:fillRef idx="0">
-              <a:schemeClr val="dk1"/>
-            </a:fillRef>
-            <a:effectRef idx="0">
-              <a:schemeClr val="dk1"/>
-            </a:effectRef>
-            <a:fontRef idx="minor">
-              <a:schemeClr val="tx1"/>
-            </a:fontRef>
-          </p:style>
-        </p:cxnSp>
-        <p:cxnSp>
-          <p:nvCxnSpPr>
-            <p:cNvPr id="6" name="Straight Connector 5">
+          <p:txBody>
+            <a:bodyPr wrap="square" rtlCol="0">
+              <a:spAutoFit/>
+            </a:bodyPr>
+            <a:lstStyle/>
+            <a:p>
+              <a:pPr algn="ctr"/>
+              <a:r>
+                <a:rPr lang="en-US" sz="2800" dirty="0">
+                  <a:latin typeface="Arial" panose="020B0604020202020204" pitchFamily="34" charset="0"/>
+                  <a:cs typeface="Arial" panose="020B0604020202020204" pitchFamily="34" charset="0"/>
+                </a:rPr>
+                <a:t>30 cm</a:t>
+              </a:r>
+              <a:endParaRPr lang="en-ZA" sz="2800" dirty="0">
+                <a:latin typeface="Arial" panose="020B0604020202020204" pitchFamily="34" charset="0"/>
+                <a:cs typeface="Arial" panose="020B0604020202020204" pitchFamily="34" charset="0"/>
+              </a:endParaRPr>
+            </a:p>
+          </p:txBody>
+        </p:sp>
+        <p:sp>
+          <p:nvSpPr>
+            <p:cNvPr id="436" name="TextBox 435">
               <a:extLst>
                 <a:ext uri="{FF2B5EF4-FFF2-40B4-BE49-F238E27FC236}">
-                  <a16:creationId xmlns:a16="http://schemas.microsoft.com/office/drawing/2014/main" id="{0AF8C340-4736-A7F8-899D-F65DC2AD1D83}"/>
+                  <a16:creationId xmlns:a16="http://schemas.microsoft.com/office/drawing/2014/main" id="{EC5EFB8A-8FD3-CA49-04D0-B5120A1811E6}"/>
                 </a:ext>
               </a:extLst>
             </p:cNvPr>
-            <p:cNvCxnSpPr>
-              <a:cxnSpLocks/>
-            </p:cNvCxnSpPr>
+            <p:cNvSpPr txBox="1"/>
             <p:nvPr/>
-          </p:nvCxnSpPr>
+          </p:nvSpPr>
           <p:spPr>
             <a:xfrm>
-              <a:off x="5448369" y="6128126"/>
-              <a:ext cx="5567293" cy="4671636"/>
+              <a:off x="5812207" y="7901408"/>
+              <a:ext cx="2790092" cy="523220"/>
             </a:xfrm>
-            <a:prstGeom prst="line">
+            <a:prstGeom prst="rect">
               <a:avLst/>
             </a:prstGeom>
-            <a:ln>
-              <a:prstDash val="lgDash"/>
-            </a:ln>
+            <a:noFill/>
           </p:spPr>
-          <p:style>
-            <a:lnRef idx="1">
-              <a:schemeClr val="dk1"/>
-            </a:lnRef>
-            <a:fillRef idx="0">
-              <a:schemeClr val="dk1"/>
-            </a:fillRef>
-            <a:effectRef idx="0">
-              <a:schemeClr val="dk1"/>
-            </a:effectRef>
-            <a:fontRef idx="minor">
-              <a:schemeClr val="tx1"/>
-            </a:fontRef>
-          </p:style>
-        </p:cxnSp>
-        <p:cxnSp>
-          <p:nvCxnSpPr>
-            <p:cNvPr id="7" name="Straight Connector 6">
+          <p:txBody>
+            <a:bodyPr wrap="square" rtlCol="0">
+              <a:spAutoFit/>
+            </a:bodyPr>
+            <a:lstStyle/>
+            <a:p>
+              <a:pPr algn="ctr"/>
+              <a:r>
+                <a:rPr lang="en-US" sz="2800" dirty="0">
+                  <a:latin typeface="Arial" panose="020B0604020202020204" pitchFamily="34" charset="0"/>
+                  <a:cs typeface="Arial" panose="020B0604020202020204" pitchFamily="34" charset="0"/>
+                </a:rPr>
+                <a:t>5 cm</a:t>
+              </a:r>
+              <a:endParaRPr lang="en-ZA" sz="2800" dirty="0">
+                <a:latin typeface="Arial" panose="020B0604020202020204" pitchFamily="34" charset="0"/>
+                <a:cs typeface="Arial" panose="020B0604020202020204" pitchFamily="34" charset="0"/>
+              </a:endParaRPr>
+            </a:p>
+          </p:txBody>
+        </p:sp>
+      </p:grpSp>
+      <p:grpSp>
+        <p:nvGrpSpPr>
+          <p:cNvPr id="505" name="Group 504">
+            <a:extLst>
+              <a:ext uri="{FF2B5EF4-FFF2-40B4-BE49-F238E27FC236}">
+                <a16:creationId xmlns:a16="http://schemas.microsoft.com/office/drawing/2014/main" id="{4AE11EEB-C0C9-E4BE-AD60-550DCD2BE9DB}"/>
+              </a:ext>
+            </a:extLst>
+          </p:cNvPr>
+          <p:cNvGrpSpPr/>
+          <p:nvPr/>
+        </p:nvGrpSpPr>
+        <p:grpSpPr>
+          <a:xfrm>
+            <a:off x="10528491" y="4046694"/>
+            <a:ext cx="13788001" cy="5669824"/>
+            <a:chOff x="10528491" y="4046694"/>
+            <a:chExt cx="13788001" cy="5669824"/>
+          </a:xfrm>
+        </p:grpSpPr>
+        <p:grpSp>
+          <p:nvGrpSpPr>
+            <p:cNvPr id="496" name="Group 495">
               <a:extLst>
                 <a:ext uri="{FF2B5EF4-FFF2-40B4-BE49-F238E27FC236}">
-                  <a16:creationId xmlns:a16="http://schemas.microsoft.com/office/drawing/2014/main" id="{B2D49856-E6FE-F5E8-3AC1-2BBEBEC1DA12}"/>
+                  <a16:creationId xmlns:a16="http://schemas.microsoft.com/office/drawing/2014/main" id="{CD75DA81-C439-CB2D-9425-6A5EF6C65DA4}"/>
                 </a:ext>
               </a:extLst>
             </p:cNvPr>
-            <p:cNvCxnSpPr>
-              <a:cxnSpLocks/>
-            </p:cNvCxnSpPr>
+            <p:cNvGrpSpPr/>
             <p:nvPr/>
-          </p:nvCxnSpPr>
-          <p:spPr>
+          </p:nvGrpSpPr>
+          <p:grpSpPr>
             <a:xfrm>
-              <a:off x="6344202" y="5232532"/>
-              <a:ext cx="4671460" cy="5567230"/>
+              <a:off x="10528491" y="4046694"/>
+              <a:ext cx="13788001" cy="5669824"/>
+              <a:chOff x="10528491" y="4046694"/>
+              <a:chExt cx="13788001" cy="5669824"/>
             </a:xfrm>
-            <a:prstGeom prst="line">
-              <a:avLst/>
-            </a:prstGeom>
-            <a:ln>
-              <a:prstDash val="lgDash"/>
-            </a:ln>
-          </p:spPr>
-          <p:style>
-            <a:lnRef idx="1">
-              <a:schemeClr val="dk1"/>
-            </a:lnRef>
-            <a:fillRef idx="0">
-              <a:schemeClr val="dk1"/>
-            </a:fillRef>
-            <a:effectRef idx="0">
-              <a:schemeClr val="dk1"/>
-            </a:effectRef>
-            <a:fontRef idx="minor">
-              <a:schemeClr val="tx1"/>
-            </a:fontRef>
-          </p:style>
-        </p:cxnSp>
-        <p:cxnSp>
-          <p:nvCxnSpPr>
-            <p:cNvPr id="8" name="Straight Connector 7">
+          </p:grpSpPr>
+          <p:sp>
+            <p:nvSpPr>
+              <p:cNvPr id="456" name="Rectangle 455">
+                <a:extLst>
+                  <a:ext uri="{FF2B5EF4-FFF2-40B4-BE49-F238E27FC236}">
+                    <a16:creationId xmlns:a16="http://schemas.microsoft.com/office/drawing/2014/main" id="{D13E95B6-A601-2658-7678-957D202FCB2F}"/>
+                  </a:ext>
+                </a:extLst>
+              </p:cNvPr>
+              <p:cNvSpPr/>
+              <p:nvPr/>
+            </p:nvSpPr>
+            <p:spPr>
+              <a:xfrm rot="16200000">
+                <a:off x="9669535" y="8317563"/>
+                <a:ext cx="2257911" cy="540000"/>
+              </a:xfrm>
+              <a:prstGeom prst="rect">
+                <a:avLst/>
+              </a:prstGeom>
+              <a:ln w="28575"/>
+            </p:spPr>
+            <p:style>
+              <a:lnRef idx="2">
+                <a:schemeClr val="dk1"/>
+              </a:lnRef>
+              <a:fillRef idx="1">
+                <a:schemeClr val="lt1"/>
+              </a:fillRef>
+              <a:effectRef idx="0">
+                <a:schemeClr val="dk1"/>
+              </a:effectRef>
+              <a:fontRef idx="minor">
+                <a:schemeClr val="dk1"/>
+              </a:fontRef>
+            </p:style>
+            <p:txBody>
+              <a:bodyPr rtlCol="0" anchor="ctr"/>
+              <a:lstStyle/>
+              <a:p>
+                <a:pPr algn="ctr"/>
+                <a:endParaRPr lang="en-ZA"/>
+              </a:p>
+            </p:txBody>
+          </p:sp>
+          <p:sp>
+            <p:nvSpPr>
+              <p:cNvPr id="457" name="Rectangle 456">
+                <a:extLst>
+                  <a:ext uri="{FF2B5EF4-FFF2-40B4-BE49-F238E27FC236}">
+                    <a16:creationId xmlns:a16="http://schemas.microsoft.com/office/drawing/2014/main" id="{7CBE3DAD-3B33-38DC-8AB4-3FA8B8A394C1}"/>
+                  </a:ext>
+                </a:extLst>
+              </p:cNvPr>
+              <p:cNvSpPr/>
+              <p:nvPr/>
+            </p:nvSpPr>
+            <p:spPr>
+              <a:xfrm>
+                <a:off x="10528491" y="6918606"/>
+                <a:ext cx="13788000" cy="540001"/>
+              </a:xfrm>
+              <a:prstGeom prst="rect">
+                <a:avLst/>
+              </a:prstGeom>
+              <a:ln w="28575"/>
+            </p:spPr>
+            <p:style>
+              <a:lnRef idx="2">
+                <a:schemeClr val="dk1"/>
+              </a:lnRef>
+              <a:fillRef idx="1">
+                <a:schemeClr val="lt1"/>
+              </a:fillRef>
+              <a:effectRef idx="0">
+                <a:schemeClr val="dk1"/>
+              </a:effectRef>
+              <a:fontRef idx="minor">
+                <a:schemeClr val="dk1"/>
+              </a:fontRef>
+            </p:style>
+            <p:txBody>
+              <a:bodyPr rtlCol="0" anchor="ctr"/>
+              <a:lstStyle/>
+              <a:p>
+                <a:pPr algn="ctr"/>
+                <a:endParaRPr lang="en-ZA"/>
+              </a:p>
+            </p:txBody>
+          </p:sp>
+          <p:sp>
+            <p:nvSpPr>
+              <p:cNvPr id="458" name="Rectangle 457">
+                <a:extLst>
+                  <a:ext uri="{FF2B5EF4-FFF2-40B4-BE49-F238E27FC236}">
+                    <a16:creationId xmlns:a16="http://schemas.microsoft.com/office/drawing/2014/main" id="{B83C3C78-CA82-E76D-7A36-0B3867BEAA2A}"/>
+                  </a:ext>
+                </a:extLst>
+              </p:cNvPr>
+              <p:cNvSpPr/>
+              <p:nvPr/>
+            </p:nvSpPr>
+            <p:spPr>
+              <a:xfrm rot="16200000">
+                <a:off x="22917536" y="8317338"/>
+                <a:ext cx="2257911" cy="540000"/>
+              </a:xfrm>
+              <a:prstGeom prst="rect">
+                <a:avLst/>
+              </a:prstGeom>
+              <a:ln w="28575"/>
+            </p:spPr>
+            <p:style>
+              <a:lnRef idx="2">
+                <a:schemeClr val="dk1"/>
+              </a:lnRef>
+              <a:fillRef idx="1">
+                <a:schemeClr val="lt1"/>
+              </a:fillRef>
+              <a:effectRef idx="0">
+                <a:schemeClr val="dk1"/>
+              </a:effectRef>
+              <a:fontRef idx="minor">
+                <a:schemeClr val="dk1"/>
+              </a:fontRef>
+            </p:style>
+            <p:txBody>
+              <a:bodyPr rtlCol="0" anchor="ctr"/>
+              <a:lstStyle/>
+              <a:p>
+                <a:pPr algn="ctr"/>
+                <a:endParaRPr lang="en-ZA"/>
+              </a:p>
+            </p:txBody>
+          </p:sp>
+          <p:sp>
+            <p:nvSpPr>
+              <p:cNvPr id="490" name="Rectangle 489">
+                <a:extLst>
+                  <a:ext uri="{FF2B5EF4-FFF2-40B4-BE49-F238E27FC236}">
+                    <a16:creationId xmlns:a16="http://schemas.microsoft.com/office/drawing/2014/main" id="{72407861-169C-4DCD-09ED-B53FF1BB34A5}"/>
+                  </a:ext>
+                </a:extLst>
+              </p:cNvPr>
+              <p:cNvSpPr/>
+              <p:nvPr/>
+            </p:nvSpPr>
+            <p:spPr>
+              <a:xfrm>
+                <a:off x="13845119" y="4649881"/>
+                <a:ext cx="7200000" cy="2268725"/>
+              </a:xfrm>
+              <a:prstGeom prst="rect">
+                <a:avLst/>
+              </a:prstGeom>
+              <a:solidFill>
+                <a:schemeClr val="accent3">
+                  <a:alpha val="50000"/>
+                </a:schemeClr>
+              </a:solidFill>
+              <a:ln w="38100">
+                <a:solidFill>
+                  <a:schemeClr val="tx1"/>
+                </a:solidFill>
+              </a:ln>
+            </p:spPr>
+            <p:style>
+              <a:lnRef idx="0">
+                <a:scrgbClr r="0" g="0" b="0"/>
+              </a:lnRef>
+              <a:fillRef idx="0">
+                <a:scrgbClr r="0" g="0" b="0"/>
+              </a:fillRef>
+              <a:effectRef idx="0">
+                <a:scrgbClr r="0" g="0" b="0"/>
+              </a:effectRef>
+              <a:fontRef idx="minor">
+                <a:schemeClr val="lt1"/>
+              </a:fontRef>
+            </p:style>
+            <p:txBody>
+              <a:bodyPr rtlCol="0" anchor="ctr"/>
+              <a:lstStyle/>
+              <a:p>
+                <a:pPr algn="ctr"/>
+                <a:endParaRPr lang="en-ZA"/>
+              </a:p>
+            </p:txBody>
+          </p:sp>
+          <p:sp>
+            <p:nvSpPr>
+              <p:cNvPr id="491" name="Rectangle 490">
+                <a:extLst>
+                  <a:ext uri="{FF2B5EF4-FFF2-40B4-BE49-F238E27FC236}">
+                    <a16:creationId xmlns:a16="http://schemas.microsoft.com/office/drawing/2014/main" id="{01855998-A04A-B7BB-6099-A5E7E15D3C4E}"/>
+                  </a:ext>
+                </a:extLst>
+              </p:cNvPr>
+              <p:cNvSpPr/>
+              <p:nvPr/>
+            </p:nvSpPr>
+            <p:spPr>
+              <a:xfrm rot="10800000">
+                <a:off x="12684941" y="6368725"/>
+                <a:ext cx="1080000" cy="540000"/>
+              </a:xfrm>
+              <a:prstGeom prst="rect">
+                <a:avLst/>
+              </a:prstGeom>
+              <a:ln w="28575"/>
+            </p:spPr>
+            <p:style>
+              <a:lnRef idx="2">
+                <a:schemeClr val="dk1"/>
+              </a:lnRef>
+              <a:fillRef idx="1">
+                <a:schemeClr val="lt1"/>
+              </a:fillRef>
+              <a:effectRef idx="0">
+                <a:schemeClr val="dk1"/>
+              </a:effectRef>
+              <a:fontRef idx="minor">
+                <a:schemeClr val="dk1"/>
+              </a:fontRef>
+            </p:style>
+            <p:txBody>
+              <a:bodyPr rtlCol="0" anchor="ctr"/>
+              <a:lstStyle/>
+              <a:p>
+                <a:pPr algn="ctr"/>
+                <a:endParaRPr lang="en-ZA"/>
+              </a:p>
+            </p:txBody>
+          </p:sp>
+          <p:sp>
+            <p:nvSpPr>
+              <p:cNvPr id="492" name="Rectangle 491">
+                <a:extLst>
+                  <a:ext uri="{FF2B5EF4-FFF2-40B4-BE49-F238E27FC236}">
+                    <a16:creationId xmlns:a16="http://schemas.microsoft.com/office/drawing/2014/main" id="{EF4F9B25-3EC3-549D-12B1-0F3F573B96B4}"/>
+                  </a:ext>
+                </a:extLst>
+              </p:cNvPr>
+              <p:cNvSpPr/>
+              <p:nvPr/>
+            </p:nvSpPr>
+            <p:spPr>
+              <a:xfrm rot="10800000">
+                <a:off x="21125299" y="6368725"/>
+                <a:ext cx="1080000" cy="540000"/>
+              </a:xfrm>
+              <a:prstGeom prst="rect">
+                <a:avLst/>
+              </a:prstGeom>
+              <a:ln w="28575"/>
+            </p:spPr>
+            <p:style>
+              <a:lnRef idx="2">
+                <a:schemeClr val="dk1"/>
+              </a:lnRef>
+              <a:fillRef idx="1">
+                <a:schemeClr val="lt1"/>
+              </a:fillRef>
+              <a:effectRef idx="0">
+                <a:schemeClr val="dk1"/>
+              </a:effectRef>
+              <a:fontRef idx="minor">
+                <a:schemeClr val="dk1"/>
+              </a:fontRef>
+            </p:style>
+            <p:txBody>
+              <a:bodyPr rtlCol="0" anchor="ctr"/>
+              <a:lstStyle/>
+              <a:p>
+                <a:pPr algn="ctr"/>
+                <a:endParaRPr lang="en-ZA"/>
+              </a:p>
+            </p:txBody>
+          </p:sp>
+          <p:sp>
+            <p:nvSpPr>
+              <p:cNvPr id="495" name="TextBox 494">
+                <a:extLst>
+                  <a:ext uri="{FF2B5EF4-FFF2-40B4-BE49-F238E27FC236}">
+                    <a16:creationId xmlns:a16="http://schemas.microsoft.com/office/drawing/2014/main" id="{753794D6-60D0-13B9-AA15-1F075A73B9FD}"/>
+                  </a:ext>
+                </a:extLst>
+              </p:cNvPr>
+              <p:cNvSpPr txBox="1"/>
+              <p:nvPr/>
+            </p:nvSpPr>
+            <p:spPr>
+              <a:xfrm>
+                <a:off x="15232017" y="4046694"/>
+                <a:ext cx="4380948" cy="523220"/>
+              </a:xfrm>
+              <a:prstGeom prst="rect">
+                <a:avLst/>
+              </a:prstGeom>
+              <a:noFill/>
+            </p:spPr>
+            <p:txBody>
+              <a:bodyPr wrap="square" rtlCol="0">
+                <a:spAutoFit/>
+              </a:bodyPr>
+              <a:lstStyle/>
+              <a:p>
+                <a:pPr algn="ctr"/>
+                <a:r>
+                  <a:rPr lang="en-US" sz="2800" dirty="0">
+                    <a:latin typeface="Arial" panose="020B0604020202020204" pitchFamily="34" charset="0"/>
+                    <a:cs typeface="Arial" panose="020B0604020202020204" pitchFamily="34" charset="0"/>
+                  </a:rPr>
+                  <a:t>Container for ice/water</a:t>
+                </a:r>
+                <a:endParaRPr lang="en-ZA" sz="2800" dirty="0">
+                  <a:latin typeface="Arial" panose="020B0604020202020204" pitchFamily="34" charset="0"/>
+                  <a:cs typeface="Arial" panose="020B0604020202020204" pitchFamily="34" charset="0"/>
+                </a:endParaRPr>
+              </a:p>
+            </p:txBody>
+          </p:sp>
+        </p:grpSp>
+        <p:grpSp>
+          <p:nvGrpSpPr>
+            <p:cNvPr id="497" name="Group 496">
               <a:extLst>
                 <a:ext uri="{FF2B5EF4-FFF2-40B4-BE49-F238E27FC236}">
-                  <a16:creationId xmlns:a16="http://schemas.microsoft.com/office/drawing/2014/main" id="{3FC00445-7B53-1A7C-237B-10E177755B25}"/>
+                  <a16:creationId xmlns:a16="http://schemas.microsoft.com/office/drawing/2014/main" id="{CFA035DF-7A4F-7E04-EF76-8C45DC942287}"/>
                 </a:ext>
               </a:extLst>
             </p:cNvPr>
-            <p:cNvCxnSpPr>
-              <a:cxnSpLocks/>
-            </p:cNvCxnSpPr>
+            <p:cNvGrpSpPr/>
             <p:nvPr/>
-          </p:nvCxnSpPr>
-          <p:spPr>
+          </p:nvGrpSpPr>
+          <p:grpSpPr>
             <a:xfrm>
-              <a:off x="7381911" y="4505921"/>
-              <a:ext cx="3633751" cy="6293841"/>
+              <a:off x="14745119" y="8334419"/>
+              <a:ext cx="5400000" cy="1381875"/>
+              <a:chOff x="8151197" y="11909387"/>
+              <a:chExt cx="5400000" cy="1381875"/>
             </a:xfrm>
-            <a:prstGeom prst="line">
-              <a:avLst/>
-            </a:prstGeom>
-            <a:ln>
-              <a:prstDash val="lgDash"/>
-            </a:ln>
-          </p:spPr>
-          <p:style>
-            <a:lnRef idx="1">
-              <a:schemeClr val="dk1"/>
-            </a:lnRef>
-            <a:fillRef idx="0">
-              <a:schemeClr val="dk1"/>
-            </a:fillRef>
-            <a:effectRef idx="0">
-              <a:schemeClr val="dk1"/>
-            </a:effectRef>
-            <a:fontRef idx="minor">
-              <a:schemeClr val="tx1"/>
-            </a:fontRef>
-          </p:style>
-        </p:cxnSp>
-        <p:cxnSp>
-          <p:nvCxnSpPr>
-            <p:cNvPr id="9" name="Straight Connector 8">
-              <a:extLst>
-                <a:ext uri="{FF2B5EF4-FFF2-40B4-BE49-F238E27FC236}">
-                  <a16:creationId xmlns:a16="http://schemas.microsoft.com/office/drawing/2014/main" id="{FF0D33D9-0763-F756-2705-986A5C975DCA}"/>
-                </a:ext>
-              </a:extLst>
-            </p:cNvPr>
-            <p:cNvCxnSpPr>
-              <a:cxnSpLocks/>
-            </p:cNvCxnSpPr>
-            <p:nvPr/>
-          </p:nvCxnSpPr>
-          <p:spPr>
-            <a:xfrm>
-              <a:off x="8530030" y="3970544"/>
-              <a:ext cx="2485632" cy="6829218"/>
-            </a:xfrm>
-            <a:prstGeom prst="line">
-              <a:avLst/>
-            </a:prstGeom>
-            <a:ln>
-              <a:prstDash val="lgDash"/>
-            </a:ln>
-          </p:spPr>
-          <p:style>
-            <a:lnRef idx="1">
-              <a:schemeClr val="dk1"/>
-            </a:lnRef>
-            <a:fillRef idx="0">
-              <a:schemeClr val="dk1"/>
-            </a:fillRef>
-            <a:effectRef idx="0">
-              <a:schemeClr val="dk1"/>
-            </a:effectRef>
-            <a:fontRef idx="minor">
-              <a:schemeClr val="tx1"/>
-            </a:fontRef>
-          </p:style>
-        </p:cxnSp>
-        <p:cxnSp>
-          <p:nvCxnSpPr>
-            <p:cNvPr id="10" name="Straight Connector 9">
-              <a:extLst>
-                <a:ext uri="{FF2B5EF4-FFF2-40B4-BE49-F238E27FC236}">
-                  <a16:creationId xmlns:a16="http://schemas.microsoft.com/office/drawing/2014/main" id="{76745C9E-9745-E138-07CE-27B1209826C2}"/>
-                </a:ext>
-              </a:extLst>
-            </p:cNvPr>
-            <p:cNvCxnSpPr>
-              <a:cxnSpLocks/>
-            </p:cNvCxnSpPr>
-            <p:nvPr/>
-          </p:nvCxnSpPr>
-          <p:spPr>
-            <a:xfrm>
-              <a:off x="9753553" y="3642527"/>
-              <a:ext cx="1262109" cy="7157235"/>
-            </a:xfrm>
-            <a:prstGeom prst="line">
-              <a:avLst/>
-            </a:prstGeom>
-            <a:ln>
-              <a:prstDash val="lgDash"/>
-            </a:ln>
-          </p:spPr>
-          <p:style>
-            <a:lnRef idx="1">
-              <a:schemeClr val="dk1"/>
-            </a:lnRef>
-            <a:fillRef idx="0">
-              <a:schemeClr val="dk1"/>
-            </a:fillRef>
-            <a:effectRef idx="0">
-              <a:schemeClr val="dk1"/>
-            </a:effectRef>
-            <a:fontRef idx="minor">
-              <a:schemeClr val="tx1"/>
-            </a:fontRef>
-          </p:style>
-        </p:cxnSp>
-        <p:cxnSp>
-          <p:nvCxnSpPr>
-            <p:cNvPr id="11" name="Straight Connector 10">
-              <a:extLst>
-                <a:ext uri="{FF2B5EF4-FFF2-40B4-BE49-F238E27FC236}">
-                  <a16:creationId xmlns:a16="http://schemas.microsoft.com/office/drawing/2014/main" id="{5B9C9857-F8F5-1BB3-04DC-0E14BDB997F8}"/>
-                </a:ext>
-              </a:extLst>
-            </p:cNvPr>
-            <p:cNvCxnSpPr>
-              <a:cxnSpLocks/>
-            </p:cNvCxnSpPr>
-            <p:nvPr/>
-          </p:nvCxnSpPr>
-          <p:spPr>
-            <a:xfrm>
-              <a:off x="11015569" y="3532098"/>
-              <a:ext cx="0" cy="7267664"/>
-            </a:xfrm>
-            <a:prstGeom prst="line">
-              <a:avLst/>
-            </a:prstGeom>
-            <a:ln>
-              <a:prstDash val="lgDash"/>
-            </a:ln>
-          </p:spPr>
-          <p:style>
-            <a:lnRef idx="1">
-              <a:schemeClr val="dk1"/>
-            </a:lnRef>
-            <a:fillRef idx="0">
-              <a:schemeClr val="dk1"/>
-            </a:fillRef>
-            <a:effectRef idx="0">
-              <a:schemeClr val="dk1"/>
-            </a:effectRef>
-            <a:fontRef idx="minor">
-              <a:schemeClr val="tx1"/>
-            </a:fontRef>
-          </p:style>
-        </p:cxnSp>
-        <p:cxnSp>
-          <p:nvCxnSpPr>
-            <p:cNvPr id="12" name="Straight Connector 11">
-              <a:extLst>
-                <a:ext uri="{FF2B5EF4-FFF2-40B4-BE49-F238E27FC236}">
-                  <a16:creationId xmlns:a16="http://schemas.microsoft.com/office/drawing/2014/main" id="{FF2489C1-F6B8-C5AC-D5FB-D1A8CE70AB73}"/>
-                </a:ext>
-              </a:extLst>
-            </p:cNvPr>
-            <p:cNvCxnSpPr>
-              <a:cxnSpLocks/>
-            </p:cNvCxnSpPr>
-            <p:nvPr/>
-          </p:nvCxnSpPr>
-          <p:spPr>
-            <a:xfrm flipH="1">
-              <a:off x="11015662" y="3642494"/>
-              <a:ext cx="1261925" cy="7157268"/>
-            </a:xfrm>
-            <a:prstGeom prst="line">
-              <a:avLst/>
-            </a:prstGeom>
-            <a:ln>
-              <a:prstDash val="lgDash"/>
-            </a:ln>
-          </p:spPr>
-          <p:style>
-            <a:lnRef idx="1">
-              <a:schemeClr val="dk1"/>
-            </a:lnRef>
-            <a:fillRef idx="0">
-              <a:schemeClr val="dk1"/>
-            </a:fillRef>
-            <a:effectRef idx="0">
-              <a:schemeClr val="dk1"/>
-            </a:effectRef>
-            <a:fontRef idx="minor">
-              <a:schemeClr val="tx1"/>
-            </a:fontRef>
-          </p:style>
-        </p:cxnSp>
-        <p:cxnSp>
-          <p:nvCxnSpPr>
-            <p:cNvPr id="13" name="Straight Connector 12">
-              <a:extLst>
-                <a:ext uri="{FF2B5EF4-FFF2-40B4-BE49-F238E27FC236}">
-                  <a16:creationId xmlns:a16="http://schemas.microsoft.com/office/drawing/2014/main" id="{E545D750-7094-85AB-6999-CD40A37763F9}"/>
-                </a:ext>
-              </a:extLst>
-            </p:cNvPr>
-            <p:cNvCxnSpPr>
-              <a:cxnSpLocks/>
-            </p:cNvCxnSpPr>
-            <p:nvPr/>
-          </p:nvCxnSpPr>
-          <p:spPr>
-            <a:xfrm flipH="1">
-              <a:off x="11015662" y="3970424"/>
-              <a:ext cx="2485775" cy="6829338"/>
-            </a:xfrm>
-            <a:prstGeom prst="line">
-              <a:avLst/>
-            </a:prstGeom>
-            <a:ln>
-              <a:prstDash val="lgDash"/>
-            </a:ln>
-          </p:spPr>
-          <p:style>
-            <a:lnRef idx="1">
-              <a:schemeClr val="dk1"/>
-            </a:lnRef>
-            <a:fillRef idx="0">
-              <a:schemeClr val="dk1"/>
-            </a:fillRef>
-            <a:effectRef idx="0">
-              <a:schemeClr val="dk1"/>
-            </a:effectRef>
-            <a:fontRef idx="minor">
-              <a:schemeClr val="tx1"/>
-            </a:fontRef>
-          </p:style>
-        </p:cxnSp>
-        <p:cxnSp>
-          <p:nvCxnSpPr>
-            <p:cNvPr id="14" name="Straight Connector 13">
-              <a:extLst>
-                <a:ext uri="{FF2B5EF4-FFF2-40B4-BE49-F238E27FC236}">
-                  <a16:creationId xmlns:a16="http://schemas.microsoft.com/office/drawing/2014/main" id="{088F196A-33F7-79FC-73BE-0C901D4B868D}"/>
-                </a:ext>
-              </a:extLst>
-            </p:cNvPr>
-            <p:cNvCxnSpPr>
-              <a:cxnSpLocks/>
-            </p:cNvCxnSpPr>
-            <p:nvPr/>
-          </p:nvCxnSpPr>
-          <p:spPr>
-            <a:xfrm flipH="1">
-              <a:off x="11015662" y="4505827"/>
-              <a:ext cx="3633913" cy="6293935"/>
-            </a:xfrm>
-            <a:prstGeom prst="line">
-              <a:avLst/>
-            </a:prstGeom>
-            <a:ln>
-              <a:prstDash val="lgDash"/>
-            </a:ln>
-          </p:spPr>
-          <p:style>
-            <a:lnRef idx="1">
-              <a:schemeClr val="dk1"/>
-            </a:lnRef>
-            <a:fillRef idx="0">
-              <a:schemeClr val="dk1"/>
-            </a:fillRef>
-            <a:effectRef idx="0">
-              <a:schemeClr val="dk1"/>
-            </a:effectRef>
-            <a:fontRef idx="minor">
-              <a:schemeClr val="tx1"/>
-            </a:fontRef>
-          </p:style>
-        </p:cxnSp>
-        <p:cxnSp>
-          <p:nvCxnSpPr>
-            <p:cNvPr id="15" name="Straight Connector 14">
-              <a:extLst>
-                <a:ext uri="{FF2B5EF4-FFF2-40B4-BE49-F238E27FC236}">
-                  <a16:creationId xmlns:a16="http://schemas.microsoft.com/office/drawing/2014/main" id="{D42E9CC7-E0F3-DEA0-01B1-850B54A52145}"/>
-                </a:ext>
-              </a:extLst>
-            </p:cNvPr>
-            <p:cNvCxnSpPr>
-              <a:cxnSpLocks/>
-            </p:cNvCxnSpPr>
-            <p:nvPr/>
-          </p:nvCxnSpPr>
-          <p:spPr>
-            <a:xfrm flipH="1">
-              <a:off x="11015662" y="5232469"/>
-              <a:ext cx="4671636" cy="5567293"/>
-            </a:xfrm>
-            <a:prstGeom prst="line">
-              <a:avLst/>
-            </a:prstGeom>
-            <a:ln>
-              <a:prstDash val="lgDash"/>
-            </a:ln>
-          </p:spPr>
-          <p:style>
-            <a:lnRef idx="1">
-              <a:schemeClr val="dk1"/>
-            </a:lnRef>
-            <a:fillRef idx="0">
-              <a:schemeClr val="dk1"/>
-            </a:fillRef>
-            <a:effectRef idx="0">
-              <a:schemeClr val="dk1"/>
-            </a:effectRef>
-            <a:fontRef idx="minor">
-              <a:schemeClr val="tx1"/>
-            </a:fontRef>
-          </p:style>
-        </p:cxnSp>
-        <p:cxnSp>
-          <p:nvCxnSpPr>
-            <p:cNvPr id="16" name="Straight Connector 15">
-              <a:extLst>
-                <a:ext uri="{FF2B5EF4-FFF2-40B4-BE49-F238E27FC236}">
-                  <a16:creationId xmlns:a16="http://schemas.microsoft.com/office/drawing/2014/main" id="{B018B1D7-452E-E760-3060-F63EE8AAEF16}"/>
-                </a:ext>
-              </a:extLst>
-            </p:cNvPr>
-            <p:cNvCxnSpPr>
-              <a:cxnSpLocks/>
-            </p:cNvCxnSpPr>
-            <p:nvPr/>
-          </p:nvCxnSpPr>
-          <p:spPr>
-            <a:xfrm flipV="1">
-              <a:off x="11015662" y="6128302"/>
-              <a:ext cx="5567230" cy="4671460"/>
-            </a:xfrm>
-            <a:prstGeom prst="line">
-              <a:avLst/>
-            </a:prstGeom>
-            <a:ln>
-              <a:prstDash val="lgDash"/>
-            </a:ln>
-          </p:spPr>
-          <p:style>
-            <a:lnRef idx="1">
-              <a:schemeClr val="dk1"/>
-            </a:lnRef>
-            <a:fillRef idx="0">
-              <a:schemeClr val="dk1"/>
-            </a:fillRef>
-            <a:effectRef idx="0">
-              <a:schemeClr val="dk1"/>
-            </a:effectRef>
-            <a:fontRef idx="minor">
-              <a:schemeClr val="tx1"/>
-            </a:fontRef>
-          </p:style>
-        </p:cxnSp>
-        <p:cxnSp>
-          <p:nvCxnSpPr>
-            <p:cNvPr id="17" name="Straight Connector 16">
-              <a:extLst>
-                <a:ext uri="{FF2B5EF4-FFF2-40B4-BE49-F238E27FC236}">
-                  <a16:creationId xmlns:a16="http://schemas.microsoft.com/office/drawing/2014/main" id="{D9FDBB9B-1D0B-17DE-EB35-F868A8743D7D}"/>
-                </a:ext>
-              </a:extLst>
-            </p:cNvPr>
-            <p:cNvCxnSpPr>
-              <a:cxnSpLocks/>
-            </p:cNvCxnSpPr>
-            <p:nvPr/>
-          </p:nvCxnSpPr>
-          <p:spPr>
-            <a:xfrm flipV="1">
-              <a:off x="11015662" y="7166011"/>
-              <a:ext cx="6293841" cy="3633751"/>
-            </a:xfrm>
-            <a:prstGeom prst="line">
-              <a:avLst/>
-            </a:prstGeom>
-            <a:ln>
-              <a:prstDash val="lgDash"/>
-            </a:ln>
-          </p:spPr>
-          <p:style>
-            <a:lnRef idx="1">
-              <a:schemeClr val="dk1"/>
-            </a:lnRef>
-            <a:fillRef idx="0">
-              <a:schemeClr val="dk1"/>
-            </a:fillRef>
-            <a:effectRef idx="0">
-              <a:schemeClr val="dk1"/>
-            </a:effectRef>
-            <a:fontRef idx="minor">
-              <a:schemeClr val="tx1"/>
-            </a:fontRef>
-          </p:style>
-        </p:cxnSp>
-        <p:cxnSp>
-          <p:nvCxnSpPr>
-            <p:cNvPr id="18" name="Straight Connector 17">
-              <a:extLst>
-                <a:ext uri="{FF2B5EF4-FFF2-40B4-BE49-F238E27FC236}">
-                  <a16:creationId xmlns:a16="http://schemas.microsoft.com/office/drawing/2014/main" id="{FB2FF0EB-60FF-845F-5F7E-42114F39BBB5}"/>
-                </a:ext>
-              </a:extLst>
-            </p:cNvPr>
-            <p:cNvCxnSpPr>
-              <a:cxnSpLocks/>
-            </p:cNvCxnSpPr>
-            <p:nvPr/>
-          </p:nvCxnSpPr>
-          <p:spPr>
-            <a:xfrm flipV="1">
-              <a:off x="11015662" y="8314130"/>
-              <a:ext cx="6829218" cy="2485632"/>
-            </a:xfrm>
-            <a:prstGeom prst="line">
-              <a:avLst/>
-            </a:prstGeom>
-            <a:ln>
-              <a:prstDash val="lgDash"/>
-            </a:ln>
-          </p:spPr>
-          <p:style>
-            <a:lnRef idx="1">
-              <a:schemeClr val="dk1"/>
-            </a:lnRef>
-            <a:fillRef idx="0">
-              <a:schemeClr val="dk1"/>
-            </a:fillRef>
-            <a:effectRef idx="0">
-              <a:schemeClr val="dk1"/>
-            </a:effectRef>
-            <a:fontRef idx="minor">
-              <a:schemeClr val="tx1"/>
-            </a:fontRef>
-          </p:style>
-        </p:cxnSp>
-        <p:cxnSp>
-          <p:nvCxnSpPr>
-            <p:cNvPr id="19" name="Straight Connector 18">
-              <a:extLst>
-                <a:ext uri="{FF2B5EF4-FFF2-40B4-BE49-F238E27FC236}">
-                  <a16:creationId xmlns:a16="http://schemas.microsoft.com/office/drawing/2014/main" id="{124FAE56-3180-53C8-DC4F-C56C95187BA5}"/>
-                </a:ext>
-              </a:extLst>
-            </p:cNvPr>
-            <p:cNvCxnSpPr>
-              <a:cxnSpLocks/>
-            </p:cNvCxnSpPr>
-            <p:nvPr/>
-          </p:nvCxnSpPr>
-          <p:spPr>
-            <a:xfrm flipV="1">
-              <a:off x="11015662" y="9537653"/>
-              <a:ext cx="7157235" cy="1262109"/>
-            </a:xfrm>
-            <a:prstGeom prst="line">
-              <a:avLst/>
-            </a:prstGeom>
-            <a:ln>
-              <a:prstDash val="lgDash"/>
-            </a:ln>
-          </p:spPr>
-          <p:style>
-            <a:lnRef idx="1">
-              <a:schemeClr val="dk1"/>
-            </a:lnRef>
-            <a:fillRef idx="0">
-              <a:schemeClr val="dk1"/>
-            </a:fillRef>
-            <a:effectRef idx="0">
-              <a:schemeClr val="dk1"/>
-            </a:effectRef>
-            <a:fontRef idx="minor">
-              <a:schemeClr val="tx1"/>
-            </a:fontRef>
-          </p:style>
-        </p:cxnSp>
+          </p:grpSpPr>
+          <p:sp>
+            <p:nvSpPr>
+              <p:cNvPr id="498" name="Rectangle 497">
+                <a:extLst>
+                  <a:ext uri="{FF2B5EF4-FFF2-40B4-BE49-F238E27FC236}">
+                    <a16:creationId xmlns:a16="http://schemas.microsoft.com/office/drawing/2014/main" id="{F0EFF9F0-F70E-48E8-1500-DAC4BC566F07}"/>
+                  </a:ext>
+                </a:extLst>
+              </p:cNvPr>
+              <p:cNvSpPr/>
+              <p:nvPr/>
+            </p:nvSpPr>
+            <p:spPr>
+              <a:xfrm>
+                <a:off x="8488875" y="13003262"/>
+                <a:ext cx="72000" cy="288000"/>
+              </a:xfrm>
+              <a:prstGeom prst="rect">
+                <a:avLst/>
+              </a:prstGeom>
+              <a:solidFill>
+                <a:schemeClr val="bg1">
+                  <a:lumMod val="75000"/>
+                </a:schemeClr>
+              </a:solidFill>
+              <a:ln>
+                <a:solidFill>
+                  <a:schemeClr val="bg1">
+                    <a:lumMod val="75000"/>
+                  </a:schemeClr>
+                </a:solidFill>
+              </a:ln>
+            </p:spPr>
+            <p:style>
+              <a:lnRef idx="2">
+                <a:schemeClr val="dk1">
+                  <a:shade val="15000"/>
+                </a:schemeClr>
+              </a:lnRef>
+              <a:fillRef idx="1">
+                <a:schemeClr val="dk1"/>
+              </a:fillRef>
+              <a:effectRef idx="0">
+                <a:schemeClr val="dk1"/>
+              </a:effectRef>
+              <a:fontRef idx="minor">
+                <a:schemeClr val="lt1"/>
+              </a:fontRef>
+            </p:style>
+            <p:txBody>
+              <a:bodyPr rtlCol="0" anchor="ctr"/>
+              <a:lstStyle/>
+              <a:p>
+                <a:pPr algn="ctr"/>
+                <a:endParaRPr lang="en-ZA" sz="3200">
+                  <a:latin typeface="Arial" panose="020B0604020202020204" pitchFamily="34" charset="0"/>
+                  <a:cs typeface="Arial" panose="020B0604020202020204" pitchFamily="34" charset="0"/>
+                </a:endParaRPr>
+              </a:p>
+            </p:txBody>
+          </p:sp>
+          <p:sp>
+            <p:nvSpPr>
+              <p:cNvPr id="499" name="Rectangle 498">
+                <a:extLst>
+                  <a:ext uri="{FF2B5EF4-FFF2-40B4-BE49-F238E27FC236}">
+                    <a16:creationId xmlns:a16="http://schemas.microsoft.com/office/drawing/2014/main" id="{57B88DDC-078A-5E9D-CB53-23F2B3F25FF5}"/>
+                  </a:ext>
+                </a:extLst>
+              </p:cNvPr>
+              <p:cNvSpPr/>
+              <p:nvPr/>
+            </p:nvSpPr>
+            <p:spPr>
+              <a:xfrm>
+                <a:off x="13068447" y="13003262"/>
+                <a:ext cx="72000" cy="288000"/>
+              </a:xfrm>
+              <a:prstGeom prst="rect">
+                <a:avLst/>
+              </a:prstGeom>
+              <a:solidFill>
+                <a:schemeClr val="bg1">
+                  <a:lumMod val="75000"/>
+                </a:schemeClr>
+              </a:solidFill>
+              <a:ln>
+                <a:solidFill>
+                  <a:schemeClr val="bg1">
+                    <a:lumMod val="75000"/>
+                  </a:schemeClr>
+                </a:solidFill>
+              </a:ln>
+            </p:spPr>
+            <p:style>
+              <a:lnRef idx="2">
+                <a:schemeClr val="dk1">
+                  <a:shade val="15000"/>
+                </a:schemeClr>
+              </a:lnRef>
+              <a:fillRef idx="1">
+                <a:schemeClr val="dk1"/>
+              </a:fillRef>
+              <a:effectRef idx="0">
+                <a:schemeClr val="dk1"/>
+              </a:effectRef>
+              <a:fontRef idx="minor">
+                <a:schemeClr val="lt1"/>
+              </a:fontRef>
+            </p:style>
+            <p:txBody>
+              <a:bodyPr rtlCol="0" anchor="ctr"/>
+              <a:lstStyle/>
+              <a:p>
+                <a:pPr algn="ctr"/>
+                <a:endParaRPr lang="en-ZA" sz="3200">
+                  <a:latin typeface="Arial" panose="020B0604020202020204" pitchFamily="34" charset="0"/>
+                  <a:cs typeface="Arial" panose="020B0604020202020204" pitchFamily="34" charset="0"/>
+                </a:endParaRPr>
+              </a:p>
+            </p:txBody>
+          </p:sp>
+          <p:sp>
+            <p:nvSpPr>
+              <p:cNvPr id="500" name="Rectangle 499">
+                <a:extLst>
+                  <a:ext uri="{FF2B5EF4-FFF2-40B4-BE49-F238E27FC236}">
+                    <a16:creationId xmlns:a16="http://schemas.microsoft.com/office/drawing/2014/main" id="{DA75F33C-9504-2D0E-12C4-5BAE7D4AE2CC}"/>
+                  </a:ext>
+                </a:extLst>
+              </p:cNvPr>
+              <p:cNvSpPr/>
+              <p:nvPr/>
+            </p:nvSpPr>
+            <p:spPr>
+              <a:xfrm>
+                <a:off x="9323655" y="12650540"/>
+                <a:ext cx="72000" cy="288000"/>
+              </a:xfrm>
+              <a:prstGeom prst="rect">
+                <a:avLst/>
+              </a:prstGeom>
+              <a:solidFill>
+                <a:schemeClr val="bg1">
+                  <a:lumMod val="75000"/>
+                </a:schemeClr>
+              </a:solidFill>
+              <a:ln>
+                <a:solidFill>
+                  <a:schemeClr val="bg1">
+                    <a:lumMod val="75000"/>
+                  </a:schemeClr>
+                </a:solidFill>
+              </a:ln>
+            </p:spPr>
+            <p:style>
+              <a:lnRef idx="2">
+                <a:schemeClr val="dk1">
+                  <a:shade val="15000"/>
+                </a:schemeClr>
+              </a:lnRef>
+              <a:fillRef idx="1">
+                <a:schemeClr val="dk1"/>
+              </a:fillRef>
+              <a:effectRef idx="0">
+                <a:schemeClr val="dk1"/>
+              </a:effectRef>
+              <a:fontRef idx="minor">
+                <a:schemeClr val="lt1"/>
+              </a:fontRef>
+            </p:style>
+            <p:txBody>
+              <a:bodyPr rtlCol="0" anchor="ctr"/>
+              <a:lstStyle/>
+              <a:p>
+                <a:pPr algn="ctr"/>
+                <a:endParaRPr lang="en-ZA" sz="3200">
+                  <a:latin typeface="Arial" panose="020B0604020202020204" pitchFamily="34" charset="0"/>
+                  <a:cs typeface="Arial" panose="020B0604020202020204" pitchFamily="34" charset="0"/>
+                </a:endParaRPr>
+              </a:p>
+            </p:txBody>
+          </p:sp>
+          <p:sp>
+            <p:nvSpPr>
+              <p:cNvPr id="501" name="Rectangle 500">
+                <a:extLst>
+                  <a:ext uri="{FF2B5EF4-FFF2-40B4-BE49-F238E27FC236}">
+                    <a16:creationId xmlns:a16="http://schemas.microsoft.com/office/drawing/2014/main" id="{872B68F4-379A-6328-2685-299B7869902D}"/>
+                  </a:ext>
+                </a:extLst>
+              </p:cNvPr>
+              <p:cNvSpPr/>
+              <p:nvPr/>
+            </p:nvSpPr>
+            <p:spPr>
+              <a:xfrm>
+                <a:off x="12306741" y="12650540"/>
+                <a:ext cx="72000" cy="288000"/>
+              </a:xfrm>
+              <a:prstGeom prst="rect">
+                <a:avLst/>
+              </a:prstGeom>
+              <a:solidFill>
+                <a:schemeClr val="bg1">
+                  <a:lumMod val="75000"/>
+                </a:schemeClr>
+              </a:solidFill>
+              <a:ln>
+                <a:solidFill>
+                  <a:schemeClr val="bg1">
+                    <a:lumMod val="75000"/>
+                  </a:schemeClr>
+                </a:solidFill>
+              </a:ln>
+            </p:spPr>
+            <p:style>
+              <a:lnRef idx="2">
+                <a:schemeClr val="dk1">
+                  <a:shade val="15000"/>
+                </a:schemeClr>
+              </a:lnRef>
+              <a:fillRef idx="1">
+                <a:schemeClr val="dk1"/>
+              </a:fillRef>
+              <a:effectRef idx="0">
+                <a:schemeClr val="dk1"/>
+              </a:effectRef>
+              <a:fontRef idx="minor">
+                <a:schemeClr val="lt1"/>
+              </a:fontRef>
+            </p:style>
+            <p:txBody>
+              <a:bodyPr rtlCol="0" anchor="ctr"/>
+              <a:lstStyle/>
+              <a:p>
+                <a:pPr algn="ctr"/>
+                <a:endParaRPr lang="en-ZA" sz="3200">
+                  <a:latin typeface="Arial" panose="020B0604020202020204" pitchFamily="34" charset="0"/>
+                  <a:cs typeface="Arial" panose="020B0604020202020204" pitchFamily="34" charset="0"/>
+                </a:endParaRPr>
+              </a:p>
+            </p:txBody>
+          </p:sp>
+          <p:sp>
+            <p:nvSpPr>
+              <p:cNvPr id="502" name="Rectangle 501">
+                <a:extLst>
+                  <a:ext uri="{FF2B5EF4-FFF2-40B4-BE49-F238E27FC236}">
+                    <a16:creationId xmlns:a16="http://schemas.microsoft.com/office/drawing/2014/main" id="{A0F855A3-BF48-4EC9-D823-0EA765C1261A}"/>
+                  </a:ext>
+                </a:extLst>
+              </p:cNvPr>
+              <p:cNvSpPr/>
+              <p:nvPr/>
+            </p:nvSpPr>
+            <p:spPr>
+              <a:xfrm>
+                <a:off x="9051197" y="12571042"/>
+                <a:ext cx="3600000" cy="72000"/>
+              </a:xfrm>
+              <a:prstGeom prst="rect">
+                <a:avLst/>
+              </a:prstGeom>
+            </p:spPr>
+            <p:style>
+              <a:lnRef idx="1">
+                <a:schemeClr val="accent6"/>
+              </a:lnRef>
+              <a:fillRef idx="3">
+                <a:schemeClr val="accent6"/>
+              </a:fillRef>
+              <a:effectRef idx="2">
+                <a:schemeClr val="accent6"/>
+              </a:effectRef>
+              <a:fontRef idx="minor">
+                <a:schemeClr val="lt1"/>
+              </a:fontRef>
+            </p:style>
+            <p:txBody>
+              <a:bodyPr rtlCol="0" anchor="ctr"/>
+              <a:lstStyle/>
+              <a:p>
+                <a:pPr algn="ctr"/>
+                <a:endParaRPr lang="en-ZA" sz="3200">
+                  <a:latin typeface="Arial" panose="020B0604020202020204" pitchFamily="34" charset="0"/>
+                  <a:cs typeface="Arial" panose="020B0604020202020204" pitchFamily="34" charset="0"/>
+                </a:endParaRPr>
+              </a:p>
+            </p:txBody>
+          </p:sp>
+          <p:sp>
+            <p:nvSpPr>
+              <p:cNvPr id="503" name="Rectangle 502">
+                <a:extLst>
+                  <a:ext uri="{FF2B5EF4-FFF2-40B4-BE49-F238E27FC236}">
+                    <a16:creationId xmlns:a16="http://schemas.microsoft.com/office/drawing/2014/main" id="{D3C955FB-7967-0317-C268-43CB662DF7FA}"/>
+                  </a:ext>
+                </a:extLst>
+              </p:cNvPr>
+              <p:cNvSpPr/>
+              <p:nvPr/>
+            </p:nvSpPr>
+            <p:spPr>
+              <a:xfrm>
+                <a:off x="8151197" y="12916901"/>
+                <a:ext cx="5400000" cy="108000"/>
+              </a:xfrm>
+              <a:prstGeom prst="rect">
+                <a:avLst/>
+              </a:prstGeom>
+            </p:spPr>
+            <p:style>
+              <a:lnRef idx="2">
+                <a:schemeClr val="dk1">
+                  <a:shade val="15000"/>
+                </a:schemeClr>
+              </a:lnRef>
+              <a:fillRef idx="1">
+                <a:schemeClr val="dk1"/>
+              </a:fillRef>
+              <a:effectRef idx="0">
+                <a:schemeClr val="dk1"/>
+              </a:effectRef>
+              <a:fontRef idx="minor">
+                <a:schemeClr val="lt1"/>
+              </a:fontRef>
+            </p:style>
+            <p:txBody>
+              <a:bodyPr rtlCol="0" anchor="ctr"/>
+              <a:lstStyle/>
+              <a:p>
+                <a:pPr algn="ctr"/>
+                <a:endParaRPr lang="en-ZA" sz="3200">
+                  <a:latin typeface="Arial" panose="020B0604020202020204" pitchFamily="34" charset="0"/>
+                  <a:cs typeface="Arial" panose="020B0604020202020204" pitchFamily="34" charset="0"/>
+                </a:endParaRPr>
+              </a:p>
+            </p:txBody>
+          </p:sp>
+          <p:sp>
+            <p:nvSpPr>
+              <p:cNvPr id="504" name="TextBox 503">
+                <a:extLst>
+                  <a:ext uri="{FF2B5EF4-FFF2-40B4-BE49-F238E27FC236}">
+                    <a16:creationId xmlns:a16="http://schemas.microsoft.com/office/drawing/2014/main" id="{D6FAFE3E-25FB-F950-7923-CBB7BE47250A}"/>
+                  </a:ext>
+                </a:extLst>
+              </p:cNvPr>
+              <p:cNvSpPr txBox="1"/>
+              <p:nvPr/>
+            </p:nvSpPr>
+            <p:spPr>
+              <a:xfrm>
+                <a:off x="9516649" y="11909387"/>
+                <a:ext cx="2790092" cy="523220"/>
+              </a:xfrm>
+              <a:prstGeom prst="rect">
+                <a:avLst/>
+              </a:prstGeom>
+              <a:noFill/>
+            </p:spPr>
+            <p:txBody>
+              <a:bodyPr wrap="square" rtlCol="0">
+                <a:spAutoFit/>
+              </a:bodyPr>
+              <a:lstStyle/>
+              <a:p>
+                <a:pPr algn="ctr"/>
+                <a:r>
+                  <a:rPr lang="en-US" sz="2800" dirty="0">
+                    <a:latin typeface="Arial" panose="020B0604020202020204" pitchFamily="34" charset="0"/>
+                    <a:cs typeface="Arial" panose="020B0604020202020204" pitchFamily="34" charset="0"/>
+                  </a:rPr>
+                  <a:t>LEDs</a:t>
+                </a:r>
+                <a:endParaRPr lang="en-ZA" sz="2800" dirty="0">
+                  <a:latin typeface="Arial" panose="020B0604020202020204" pitchFamily="34" charset="0"/>
+                  <a:cs typeface="Arial" panose="020B0604020202020204" pitchFamily="34" charset="0"/>
+                </a:endParaRPr>
+              </a:p>
+            </p:txBody>
+          </p:sp>
+        </p:grpSp>
       </p:grpSp>
     </p:spTree>
     <p:extLst>
